--- a/consulting-careers/introduction.pptx
+++ b/consulting-careers/introduction.pptx
@@ -17,6 +17,16 @@
     <p:sldId id="265" r:id="rId11"/>
     <p:sldId id="266" r:id="rId12"/>
     <p:sldId id="267" r:id="rId13"/>
+    <p:sldId id="268" r:id="rId14"/>
+    <p:sldId id="269" r:id="rId15"/>
+    <p:sldId id="270" r:id="rId16"/>
+    <p:sldId id="271" r:id="rId17"/>
+    <p:sldId id="272" r:id="rId18"/>
+    <p:sldId id="273" r:id="rId19"/>
+    <p:sldId id="274" r:id="rId20"/>
+    <p:sldId id="275" r:id="rId21"/>
+    <p:sldId id="276" r:id="rId22"/>
+    <p:sldId id="277" r:id="rId23"/>
   </p:sldIdLst>
   <p:sldSz cx="9144000" cy="6858000" type="screen4x3"/>
   <p:notesSz cx="6858000" cy="9144000"/>
@@ -3733,6 +3743,1236 @@
 </p:sld>
 </file>
 
+<file path=ppt/slides/slide13.xml><?xml version="1.0" encoding="utf-8"?>
+<p:sld xmlns:a="http://schemas.openxmlformats.org/drawingml/2006/main" xmlns:r="http://schemas.openxmlformats.org/officeDocument/2006/relationships" xmlns:p="http://schemas.openxmlformats.org/presentationml/2006/main">
+  <p:cSld>
+    <p:spTree>
+      <p:nvGrpSpPr>
+        <p:cNvPr id="1" name=""/>
+        <p:cNvGrpSpPr/>
+        <p:nvPr/>
+      </p:nvGrpSpPr>
+      <p:grpSpPr>
+        <a:xfrm>
+          <a:off x="0" y="0"/>
+          <a:ext cx="0" cy="0"/>
+          <a:chOff x="0" y="0"/>
+          <a:chExt cx="0" cy="0"/>
+        </a:xfrm>
+      </p:grpSpPr>
+      <p:sp>
+        <p:nvSpPr>
+          <p:cNvPr id="2" name="Title 1"/>
+          <p:cNvSpPr>
+            <a:spLocks noGrp="1"/>
+          </p:cNvSpPr>
+          <p:nvPr>
+            <p:ph type="title"/>
+          </p:nvPr>
+        </p:nvSpPr>
+        <p:spPr/>
+        <p:txBody>
+          <a:bodyPr/>
+          <a:lstStyle/>
+          <a:p>
+            <a:pPr lvl="0" marL="0" indent="0">
+              <a:buNone/>
+            </a:pPr>
+            <a:r>
+              <a:rPr/>
+              <a:t>What</a:t>
+            </a:r>
+            <a:r>
+              <a:rPr/>
+              <a:t> </a:t>
+            </a:r>
+            <a:r>
+              <a:rPr/>
+              <a:t>were</a:t>
+            </a:r>
+            <a:r>
+              <a:rPr/>
+              <a:t> </a:t>
+            </a:r>
+            <a:r>
+              <a:rPr/>
+              <a:t>the</a:t>
+            </a:r>
+            <a:r>
+              <a:rPr/>
+              <a:t> </a:t>
+            </a:r>
+            <a:r>
+              <a:rPr/>
+              <a:t>courses</a:t>
+            </a:r>
+            <a:r>
+              <a:rPr/>
+              <a:t> </a:t>
+            </a:r>
+            <a:r>
+              <a:rPr/>
+              <a:t>you</a:t>
+            </a:r>
+            <a:r>
+              <a:rPr/>
+              <a:t> </a:t>
+            </a:r>
+            <a:r>
+              <a:rPr/>
+              <a:t>have</a:t>
+            </a:r>
+            <a:r>
+              <a:rPr/>
+              <a:t> </a:t>
+            </a:r>
+            <a:r>
+              <a:rPr/>
+              <a:t>taken</a:t>
+            </a:r>
+            <a:r>
+              <a:rPr/>
+              <a:t> </a:t>
+            </a:r>
+            <a:r>
+              <a:rPr/>
+              <a:t>that</a:t>
+            </a:r>
+            <a:r>
+              <a:rPr/>
+              <a:t> </a:t>
+            </a:r>
+            <a:r>
+              <a:rPr/>
+              <a:t>have</a:t>
+            </a:r>
+            <a:r>
+              <a:rPr/>
+              <a:t> </a:t>
+            </a:r>
+            <a:r>
+              <a:rPr/>
+              <a:t>been</a:t>
+            </a:r>
+            <a:r>
+              <a:rPr/>
+              <a:t> </a:t>
+            </a:r>
+            <a:r>
+              <a:rPr/>
+              <a:t>the</a:t>
+            </a:r>
+            <a:r>
+              <a:rPr/>
+              <a:t> </a:t>
+            </a:r>
+            <a:r>
+              <a:rPr/>
+              <a:t>most</a:t>
+            </a:r>
+            <a:r>
+              <a:rPr/>
+              <a:t> </a:t>
+            </a:r>
+            <a:r>
+              <a:rPr/>
+              <a:t>beneficial</a:t>
+            </a:r>
+            <a:r>
+              <a:rPr/>
+              <a:t> </a:t>
+            </a:r>
+            <a:r>
+              <a:rPr/>
+              <a:t>for</a:t>
+            </a:r>
+            <a:r>
+              <a:rPr/>
+              <a:t> </a:t>
+            </a:r>
+            <a:r>
+              <a:rPr/>
+              <a:t>your</a:t>
+            </a:r>
+            <a:r>
+              <a:rPr/>
+              <a:t> </a:t>
+            </a:r>
+            <a:r>
+              <a:rPr/>
+              <a:t>job?</a:t>
+            </a:r>
+          </a:p>
+        </p:txBody>
+      </p:sp>
+      <p:sp>
+        <p:nvSpPr>
+          <p:cNvPr id="3" name="Content Placeholder 2"/>
+          <p:cNvSpPr>
+            <a:spLocks noGrp="1"/>
+          </p:cNvSpPr>
+          <p:nvPr>
+            <p:ph idx="1"/>
+          </p:nvPr>
+        </p:nvSpPr>
+        <p:spPr/>
+        <p:txBody>
+          <a:bodyPr/>
+          <a:lstStyle/>
+          <a:p>
+            <a:pPr lvl="1"/>
+            <a:r>
+              <a:rPr/>
+              <a:t>Applied courses outside Department of Statistics</a:t>
+            </a:r>
+          </a:p>
+          <a:p>
+            <a:pPr lvl="2"/>
+            <a:r>
+              <a:rPr/>
+              <a:t>Biostatistics, Education</a:t>
+            </a:r>
+          </a:p>
+          <a:p>
+            <a:pPr lvl="2"/>
+            <a:r>
+              <a:rPr/>
+              <a:t>Very practical advice</a:t>
+            </a:r>
+          </a:p>
+          <a:p>
+            <a:pPr lvl="2"/>
+            <a:r>
+              <a:rPr/>
+              <a:t>Specialized perspectives ()</a:t>
+            </a:r>
+          </a:p>
+          <a:p>
+            <a:pPr lvl="1"/>
+            <a:r>
+              <a:rPr/>
+              <a:t>Theory of Mathematical Statistics</a:t>
+            </a:r>
+          </a:p>
+          <a:p>
+            <a:pPr lvl="2"/>
+            <a:r>
+              <a:rPr/>
+              <a:t>KNowing foundations increases your confidence level</a:t>
+            </a:r>
+          </a:p>
+          <a:p>
+            <a:pPr lvl="2"/>
+            <a:r>
+              <a:rPr/>
+              <a:t>Also makes you a quick learner of new methods</a:t>
+            </a:r>
+          </a:p>
+        </p:txBody>
+      </p:sp>
+    </p:spTree>
+  </p:cSld>
+</p:sld>
+</file>
+
+<file path=ppt/slides/slide14.xml><?xml version="1.0" encoding="utf-8"?>
+<p:sld xmlns:a="http://schemas.openxmlformats.org/drawingml/2006/main" xmlns:r="http://schemas.openxmlformats.org/officeDocument/2006/relationships" xmlns:p="http://schemas.openxmlformats.org/presentationml/2006/main">
+  <p:cSld>
+    <p:spTree>
+      <p:nvGrpSpPr>
+        <p:cNvPr id="1" name=""/>
+        <p:cNvGrpSpPr/>
+        <p:nvPr/>
+      </p:nvGrpSpPr>
+      <p:grpSpPr>
+        <a:xfrm>
+          <a:off x="0" y="0"/>
+          <a:ext cx="0" cy="0"/>
+          <a:chOff x="0" y="0"/>
+          <a:chExt cx="0" cy="0"/>
+        </a:xfrm>
+      </p:grpSpPr>
+      <p:sp>
+        <p:nvSpPr>
+          <p:cNvPr id="2" name="Title 1"/>
+          <p:cNvSpPr>
+            <a:spLocks noGrp="1"/>
+          </p:cNvSpPr>
+          <p:nvPr>
+            <p:ph type="title"/>
+          </p:nvPr>
+        </p:nvSpPr>
+        <p:spPr/>
+        <p:txBody>
+          <a:bodyPr/>
+          <a:lstStyle/>
+          <a:p>
+            <a:pPr lvl="0" marL="0" indent="0">
+              <a:buNone/>
+            </a:pPr>
+            <a:r>
+              <a:rPr/>
+              <a:t>Which</a:t>
+            </a:r>
+            <a:r>
+              <a:rPr/>
+              <a:t> </a:t>
+            </a:r>
+            <a:r>
+              <a:rPr/>
+              <a:t>aspects</a:t>
+            </a:r>
+            <a:r>
+              <a:rPr/>
+              <a:t> </a:t>
+            </a:r>
+            <a:r>
+              <a:rPr/>
+              <a:t>of</a:t>
+            </a:r>
+            <a:r>
+              <a:rPr/>
+              <a:t> </a:t>
+            </a:r>
+            <a:r>
+              <a:rPr/>
+              <a:t>your</a:t>
+            </a:r>
+            <a:r>
+              <a:rPr/>
+              <a:t> </a:t>
+            </a:r>
+            <a:r>
+              <a:rPr/>
+              <a:t>work</a:t>
+            </a:r>
+            <a:r>
+              <a:rPr/>
+              <a:t> </a:t>
+            </a:r>
+            <a:r>
+              <a:rPr/>
+              <a:t>did</a:t>
+            </a:r>
+            <a:r>
+              <a:rPr/>
+              <a:t> </a:t>
+            </a:r>
+            <a:r>
+              <a:rPr/>
+              <a:t>you</a:t>
+            </a:r>
+            <a:r>
+              <a:rPr/>
+              <a:t> </a:t>
+            </a:r>
+            <a:r>
+              <a:rPr/>
+              <a:t>learn</a:t>
+            </a:r>
+            <a:r>
+              <a:rPr/>
+              <a:t> </a:t>
+            </a:r>
+            <a:r>
+              <a:rPr/>
+              <a:t>on</a:t>
+            </a:r>
+            <a:r>
+              <a:rPr/>
+              <a:t> </a:t>
+            </a:r>
+            <a:r>
+              <a:rPr/>
+              <a:t>the</a:t>
+            </a:r>
+            <a:r>
+              <a:rPr/>
+              <a:t> </a:t>
+            </a:r>
+            <a:r>
+              <a:rPr/>
+              <a:t>job?</a:t>
+            </a:r>
+          </a:p>
+        </p:txBody>
+      </p:sp>
+    </p:spTree>
+  </p:cSld>
+</p:sld>
+</file>
+
+<file path=ppt/slides/slide15.xml><?xml version="1.0" encoding="utf-8"?>
+<p:sld xmlns:a="http://schemas.openxmlformats.org/drawingml/2006/main" xmlns:r="http://schemas.openxmlformats.org/officeDocument/2006/relationships" xmlns:p="http://schemas.openxmlformats.org/presentationml/2006/main">
+  <p:cSld>
+    <p:spTree>
+      <p:nvGrpSpPr>
+        <p:cNvPr id="1" name=""/>
+        <p:cNvGrpSpPr/>
+        <p:nvPr/>
+      </p:nvGrpSpPr>
+      <p:grpSpPr>
+        <a:xfrm>
+          <a:off x="0" y="0"/>
+          <a:ext cx="0" cy="0"/>
+          <a:chOff x="0" y="0"/>
+          <a:chExt cx="0" cy="0"/>
+        </a:xfrm>
+      </p:grpSpPr>
+      <p:sp>
+        <p:nvSpPr>
+          <p:cNvPr id="2" name="Title 1"/>
+          <p:cNvSpPr>
+            <a:spLocks noGrp="1"/>
+          </p:cNvSpPr>
+          <p:nvPr>
+            <p:ph type="title"/>
+          </p:nvPr>
+        </p:nvSpPr>
+        <p:spPr/>
+        <p:txBody>
+          <a:bodyPr/>
+          <a:lstStyle/>
+          <a:p>
+            <a:pPr lvl="0" marL="0" indent="0">
+              <a:buNone/>
+            </a:pPr>
+            <a:r>
+              <a:rPr/>
+              <a:t>What,</a:t>
+            </a:r>
+            <a:r>
+              <a:rPr/>
+              <a:t> </a:t>
+            </a:r>
+            <a:r>
+              <a:rPr/>
+              <a:t>if</a:t>
+            </a:r>
+            <a:r>
+              <a:rPr/>
+              <a:t> </a:t>
+            </a:r>
+            <a:r>
+              <a:rPr/>
+              <a:t>anything,</a:t>
+            </a:r>
+            <a:r>
+              <a:rPr/>
+              <a:t> </a:t>
+            </a:r>
+            <a:r>
+              <a:rPr/>
+              <a:t>do</a:t>
+            </a:r>
+            <a:r>
+              <a:rPr/>
+              <a:t> </a:t>
+            </a:r>
+            <a:r>
+              <a:rPr/>
+              <a:t>you</a:t>
+            </a:r>
+            <a:r>
+              <a:rPr/>
+              <a:t> </a:t>
+            </a:r>
+            <a:r>
+              <a:rPr/>
+              <a:t>wish</a:t>
+            </a:r>
+            <a:r>
+              <a:rPr/>
+              <a:t> </a:t>
+            </a:r>
+            <a:r>
+              <a:rPr/>
+              <a:t>you</a:t>
+            </a:r>
+            <a:r>
+              <a:rPr/>
+              <a:t> </a:t>
+            </a:r>
+            <a:r>
+              <a:rPr/>
+              <a:t>knew</a:t>
+            </a:r>
+            <a:r>
+              <a:rPr/>
+              <a:t> </a:t>
+            </a:r>
+            <a:r>
+              <a:rPr/>
+              <a:t>before</a:t>
+            </a:r>
+            <a:r>
+              <a:rPr/>
+              <a:t> </a:t>
+            </a:r>
+            <a:r>
+              <a:rPr/>
+              <a:t>entering</a:t>
+            </a:r>
+            <a:r>
+              <a:rPr/>
+              <a:t> </a:t>
+            </a:r>
+            <a:r>
+              <a:rPr/>
+              <a:t>the</a:t>
+            </a:r>
+            <a:r>
+              <a:rPr/>
+              <a:t> </a:t>
+            </a:r>
+            <a:r>
+              <a:rPr/>
+              <a:t>workforce</a:t>
+            </a:r>
+            <a:r>
+              <a:rPr/>
+              <a:t> </a:t>
+            </a:r>
+            <a:r>
+              <a:rPr/>
+              <a:t>or</a:t>
+            </a:r>
+            <a:r>
+              <a:rPr/>
+              <a:t> </a:t>
+            </a:r>
+            <a:r>
+              <a:rPr/>
+              <a:t>taking</a:t>
+            </a:r>
+            <a:r>
+              <a:rPr/>
+              <a:t> </a:t>
+            </a:r>
+            <a:r>
+              <a:rPr/>
+              <a:t>your</a:t>
+            </a:r>
+            <a:r>
+              <a:rPr/>
+              <a:t> </a:t>
+            </a:r>
+            <a:r>
+              <a:rPr/>
+              <a:t>current</a:t>
+            </a:r>
+            <a:r>
+              <a:rPr/>
+              <a:t> </a:t>
+            </a:r>
+            <a:r>
+              <a:rPr/>
+              <a:t>position?</a:t>
+            </a:r>
+          </a:p>
+        </p:txBody>
+      </p:sp>
+    </p:spTree>
+  </p:cSld>
+</p:sld>
+</file>
+
+<file path=ppt/slides/slide16.xml><?xml version="1.0" encoding="utf-8"?>
+<p:sld xmlns:a="http://schemas.openxmlformats.org/drawingml/2006/main" xmlns:r="http://schemas.openxmlformats.org/officeDocument/2006/relationships" xmlns:p="http://schemas.openxmlformats.org/presentationml/2006/main">
+  <p:cSld>
+    <p:spTree>
+      <p:nvGrpSpPr>
+        <p:cNvPr id="1" name=""/>
+        <p:cNvGrpSpPr/>
+        <p:nvPr/>
+      </p:nvGrpSpPr>
+      <p:grpSpPr>
+        <a:xfrm>
+          <a:off x="0" y="0"/>
+          <a:ext cx="0" cy="0"/>
+          <a:chOff x="0" y="0"/>
+          <a:chExt cx="0" cy="0"/>
+        </a:xfrm>
+      </p:grpSpPr>
+      <p:sp>
+        <p:nvSpPr>
+          <p:cNvPr id="2" name="Title 1"/>
+          <p:cNvSpPr>
+            <a:spLocks noGrp="1"/>
+          </p:cNvSpPr>
+          <p:nvPr>
+            <p:ph type="title"/>
+          </p:nvPr>
+        </p:nvSpPr>
+        <p:spPr/>
+        <p:txBody>
+          <a:bodyPr/>
+          <a:lstStyle/>
+          <a:p>
+            <a:pPr lvl="0" marL="0" indent="0">
+              <a:buNone/>
+            </a:pPr>
+            <a:r>
+              <a:rPr/>
+              <a:t>How</a:t>
+            </a:r>
+            <a:r>
+              <a:rPr/>
+              <a:t> </a:t>
+            </a:r>
+            <a:r>
+              <a:rPr/>
+              <a:t>much</a:t>
+            </a:r>
+            <a:r>
+              <a:rPr/>
+              <a:t> </a:t>
+            </a:r>
+            <a:r>
+              <a:rPr/>
+              <a:t>should</a:t>
+            </a:r>
+            <a:r>
+              <a:rPr/>
+              <a:t> </a:t>
+            </a:r>
+            <a:r>
+              <a:rPr/>
+              <a:t>an</a:t>
+            </a:r>
+            <a:r>
+              <a:rPr/>
+              <a:t> </a:t>
+            </a:r>
+            <a:r>
+              <a:rPr/>
+              <a:t>entry</a:t>
+            </a:r>
+            <a:r>
+              <a:rPr/>
+              <a:t> </a:t>
+            </a:r>
+            <a:r>
+              <a:rPr/>
+              <a:t>level</a:t>
+            </a:r>
+            <a:r>
+              <a:rPr/>
+              <a:t> </a:t>
+            </a:r>
+            <a:r>
+              <a:rPr/>
+              <a:t>statistician</a:t>
+            </a:r>
+            <a:r>
+              <a:rPr/>
+              <a:t> </a:t>
+            </a:r>
+            <a:r>
+              <a:rPr/>
+              <a:t>expect</a:t>
+            </a:r>
+            <a:r>
+              <a:rPr/>
+              <a:t> </a:t>
+            </a:r>
+            <a:r>
+              <a:rPr/>
+              <a:t>to</a:t>
+            </a:r>
+            <a:r>
+              <a:rPr/>
+              <a:t> </a:t>
+            </a:r>
+            <a:r>
+              <a:rPr/>
+              <a:t>make</a:t>
+            </a:r>
+            <a:r>
+              <a:rPr/>
+              <a:t> </a:t>
+            </a:r>
+            <a:r>
+              <a:rPr/>
+              <a:t>in</a:t>
+            </a:r>
+            <a:r>
+              <a:rPr/>
+              <a:t> </a:t>
+            </a:r>
+            <a:r>
+              <a:rPr/>
+              <a:t>your</a:t>
+            </a:r>
+            <a:r>
+              <a:rPr/>
+              <a:t> </a:t>
+            </a:r>
+            <a:r>
+              <a:rPr/>
+              <a:t>field?</a:t>
+            </a:r>
+            <a:r>
+              <a:rPr/>
+              <a:t> </a:t>
+            </a:r>
+            <a:r>
+              <a:rPr/>
+              <a:t>After</a:t>
+            </a:r>
+            <a:r>
+              <a:rPr/>
+              <a:t> </a:t>
+            </a:r>
+            <a:r>
+              <a:rPr/>
+              <a:t>5</a:t>
+            </a:r>
+            <a:r>
+              <a:rPr/>
+              <a:t> </a:t>
+            </a:r>
+            <a:r>
+              <a:rPr/>
+              <a:t>years</a:t>
+            </a:r>
+            <a:r>
+              <a:rPr/>
+              <a:t> </a:t>
+            </a:r>
+            <a:r>
+              <a:rPr/>
+              <a:t>of</a:t>
+            </a:r>
+            <a:r>
+              <a:rPr/>
+              <a:t> </a:t>
+            </a:r>
+            <a:r>
+              <a:rPr/>
+              <a:t>experience?</a:t>
+            </a:r>
+          </a:p>
+        </p:txBody>
+      </p:sp>
+      <p:sp>
+        <p:nvSpPr>
+          <p:cNvPr id="3" name="Content Placeholder 2"/>
+          <p:cNvSpPr>
+            <a:spLocks noGrp="1"/>
+          </p:cNvSpPr>
+          <p:nvPr>
+            <p:ph idx="1"/>
+          </p:nvPr>
+        </p:nvSpPr>
+        <p:spPr/>
+        <p:txBody>
+          <a:bodyPr/>
+          <a:lstStyle/>
+          <a:p>
+            <a:pPr lvl="1"/>
+            <a:r>
+              <a:rPr/>
+              <a:t>Outside my area of expertise (sorry!)</a:t>
+            </a:r>
+          </a:p>
+          <a:p>
+            <a:pPr lvl="2"/>
+            <a:r>
+              <a:rPr/>
+              <a:t>See various salary surveys</a:t>
+            </a:r>
+          </a:p>
+        </p:txBody>
+      </p:sp>
+    </p:spTree>
+  </p:cSld>
+</p:sld>
+</file>
+
+<file path=ppt/slides/slide17.xml><?xml version="1.0" encoding="utf-8"?>
+<p:sld xmlns:a="http://schemas.openxmlformats.org/drawingml/2006/main" xmlns:r="http://schemas.openxmlformats.org/officeDocument/2006/relationships" xmlns:p="http://schemas.openxmlformats.org/presentationml/2006/main">
+  <p:cSld>
+    <p:spTree>
+      <p:nvGrpSpPr>
+        <p:cNvPr id="1" name=""/>
+        <p:cNvGrpSpPr/>
+        <p:nvPr/>
+      </p:nvGrpSpPr>
+      <p:grpSpPr>
+        <a:xfrm>
+          <a:off x="0" y="0"/>
+          <a:ext cx="0" cy="0"/>
+          <a:chOff x="0" y="0"/>
+          <a:chExt cx="0" cy="0"/>
+        </a:xfrm>
+      </p:grpSpPr>
+      <p:sp>
+        <p:nvSpPr>
+          <p:cNvPr id="2" name="Title 1"/>
+          <p:cNvSpPr>
+            <a:spLocks noGrp="1"/>
+          </p:cNvSpPr>
+          <p:nvPr>
+            <p:ph type="title"/>
+          </p:nvPr>
+        </p:nvSpPr>
+        <p:spPr/>
+        <p:txBody>
+          <a:bodyPr/>
+          <a:lstStyle/>
+          <a:p>
+            <a:pPr lvl="0" marL="0" indent="0">
+              <a:buNone/>
+            </a:pPr>
+            <a:r>
+              <a:rPr/>
+              <a:t>What</a:t>
+            </a:r>
+            <a:r>
+              <a:rPr/>
+              <a:t> </a:t>
+            </a:r>
+            <a:r>
+              <a:rPr/>
+              <a:t>do</a:t>
+            </a:r>
+            <a:r>
+              <a:rPr/>
+              <a:t> </a:t>
+            </a:r>
+            <a:r>
+              <a:rPr/>
+              <a:t>you</a:t>
+            </a:r>
+            <a:r>
+              <a:rPr/>
+              <a:t> </a:t>
+            </a:r>
+            <a:r>
+              <a:rPr/>
+              <a:t>recommend</a:t>
+            </a:r>
+            <a:r>
+              <a:rPr/>
+              <a:t> </a:t>
+            </a:r>
+            <a:r>
+              <a:rPr/>
+              <a:t>as</a:t>
+            </a:r>
+            <a:r>
+              <a:rPr/>
+              <a:t> </a:t>
+            </a:r>
+            <a:r>
+              <a:rPr/>
+              <a:t>the</a:t>
+            </a:r>
+            <a:r>
+              <a:rPr/>
+              <a:t> </a:t>
+            </a:r>
+            <a:r>
+              <a:rPr/>
+              <a:t>best</a:t>
+            </a:r>
+            <a:r>
+              <a:rPr/>
+              <a:t> </a:t>
+            </a:r>
+            <a:r>
+              <a:rPr/>
+              <a:t>places</a:t>
+            </a:r>
+            <a:r>
+              <a:rPr/>
+              <a:t> </a:t>
+            </a:r>
+            <a:r>
+              <a:rPr/>
+              <a:t>to</a:t>
+            </a:r>
+            <a:r>
+              <a:rPr/>
+              <a:t> </a:t>
+            </a:r>
+            <a:r>
+              <a:rPr/>
+              <a:t>look</a:t>
+            </a:r>
+            <a:r>
+              <a:rPr/>
+              <a:t> </a:t>
+            </a:r>
+            <a:r>
+              <a:rPr/>
+              <a:t>for</a:t>
+            </a:r>
+            <a:r>
+              <a:rPr/>
+              <a:t> </a:t>
+            </a:r>
+            <a:r>
+              <a:rPr/>
+              <a:t>new</a:t>
+            </a:r>
+            <a:r>
+              <a:rPr/>
+              <a:t> </a:t>
+            </a:r>
+            <a:r>
+              <a:rPr/>
+              <a:t>job</a:t>
+            </a:r>
+            <a:r>
+              <a:rPr/>
+              <a:t> </a:t>
+            </a:r>
+            <a:r>
+              <a:rPr/>
+              <a:t>opportunities?</a:t>
+            </a:r>
+          </a:p>
+        </p:txBody>
+      </p:sp>
+      <p:sp>
+        <p:nvSpPr>
+          <p:cNvPr id="3" name="Content Placeholder 2"/>
+          <p:cNvSpPr>
+            <a:spLocks noGrp="1"/>
+          </p:cNvSpPr>
+          <p:nvPr>
+            <p:ph idx="1"/>
+          </p:nvPr>
+        </p:nvSpPr>
+        <p:spPr/>
+        <p:txBody>
+          <a:bodyPr/>
+          <a:lstStyle/>
+          <a:p>
+            <a:pPr lvl="1"/>
+            <a:r>
+              <a:rPr/>
+              <a:t>Outside my area of expertise (sorry!)</a:t>
+            </a:r>
+          </a:p>
+        </p:txBody>
+      </p:sp>
+    </p:spTree>
+  </p:cSld>
+</p:sld>
+</file>
+
+<file path=ppt/slides/slide18.xml><?xml version="1.0" encoding="utf-8"?>
+<p:sld xmlns:a="http://schemas.openxmlformats.org/drawingml/2006/main" xmlns:r="http://schemas.openxmlformats.org/officeDocument/2006/relationships" xmlns:p="http://schemas.openxmlformats.org/presentationml/2006/main">
+  <p:cSld>
+    <p:spTree>
+      <p:nvGrpSpPr>
+        <p:cNvPr id="1" name=""/>
+        <p:cNvGrpSpPr/>
+        <p:nvPr/>
+      </p:nvGrpSpPr>
+      <p:grpSpPr>
+        <a:xfrm>
+          <a:off x="0" y="0"/>
+          <a:ext cx="0" cy="0"/>
+          <a:chOff x="0" y="0"/>
+          <a:chExt cx="0" cy="0"/>
+        </a:xfrm>
+      </p:grpSpPr>
+      <p:sp>
+        <p:nvSpPr>
+          <p:cNvPr id="2" name="Title 1"/>
+          <p:cNvSpPr>
+            <a:spLocks noGrp="1"/>
+          </p:cNvSpPr>
+          <p:nvPr>
+            <p:ph type="title"/>
+          </p:nvPr>
+        </p:nvSpPr>
+        <p:spPr/>
+        <p:txBody>
+          <a:bodyPr/>
+          <a:lstStyle/>
+          <a:p>
+            <a:pPr lvl="0" marL="0" indent="0">
+              <a:buNone/>
+            </a:pPr>
+            <a:r>
+              <a:rPr/>
+              <a:t>How</a:t>
+            </a:r>
+            <a:r>
+              <a:rPr/>
+              <a:t> </a:t>
+            </a:r>
+            <a:r>
+              <a:rPr/>
+              <a:t>do</a:t>
+            </a:r>
+            <a:r>
+              <a:rPr/>
+              <a:t> </a:t>
+            </a:r>
+            <a:r>
+              <a:rPr/>
+              <a:t>you</a:t>
+            </a:r>
+            <a:r>
+              <a:rPr/>
+              <a:t> </a:t>
+            </a:r>
+            <a:r>
+              <a:rPr/>
+              <a:t>find</a:t>
+            </a:r>
+            <a:r>
+              <a:rPr/>
+              <a:t> </a:t>
+            </a:r>
+            <a:r>
+              <a:rPr/>
+              <a:t>your</a:t>
+            </a:r>
+            <a:r>
+              <a:rPr/>
+              <a:t> </a:t>
+            </a:r>
+            <a:r>
+              <a:rPr/>
+              <a:t>clients/collaborators?</a:t>
+            </a:r>
+          </a:p>
+        </p:txBody>
+      </p:sp>
+      <p:sp>
+        <p:nvSpPr>
+          <p:cNvPr id="3" name="Content Placeholder 2"/>
+          <p:cNvSpPr>
+            <a:spLocks noGrp="1"/>
+          </p:cNvSpPr>
+          <p:nvPr>
+            <p:ph idx="1"/>
+          </p:nvPr>
+        </p:nvSpPr>
+        <p:spPr/>
+        <p:txBody>
+          <a:bodyPr/>
+          <a:lstStyle/>
+          <a:p>
+            <a:pPr lvl="1"/>
+            <a:r>
+              <a:rPr/>
+              <a:t>Word of mouth</a:t>
+            </a:r>
+          </a:p>
+          <a:p>
+            <a:pPr lvl="2"/>
+            <a:r>
+              <a:rPr/>
+              <a:t>Let everyone know you are looking</a:t>
+            </a:r>
+          </a:p>
+          <a:p>
+            <a:pPr lvl="1"/>
+            <a:r>
+              <a:rPr/>
+              <a:t>Increase your visibility</a:t>
+            </a:r>
+          </a:p>
+          <a:p>
+            <a:pPr lvl="2"/>
+            <a:r>
+              <a:rPr/>
+              <a:t>Blogs</a:t>
+            </a:r>
+          </a:p>
+          <a:p>
+            <a:pPr lvl="2"/>
+            <a:r>
+              <a:rPr/>
+              <a:t>Social media</a:t>
+            </a:r>
+          </a:p>
+          <a:p>
+            <a:pPr lvl="2"/>
+            <a:r>
+              <a:rPr/>
+              <a:t>Presentations</a:t>
+            </a:r>
+          </a:p>
+          <a:p>
+            <a:pPr lvl="2"/>
+            <a:r>
+              <a:rPr/>
+              <a:t>Volunteer</a:t>
+            </a:r>
+          </a:p>
+        </p:txBody>
+      </p:sp>
+    </p:spTree>
+  </p:cSld>
+</p:sld>
+</file>
+
+<file path=ppt/slides/slide19.xml><?xml version="1.0" encoding="utf-8"?>
+<p:sld xmlns:a="http://schemas.openxmlformats.org/drawingml/2006/main" xmlns:r="http://schemas.openxmlformats.org/officeDocument/2006/relationships" xmlns:p="http://schemas.openxmlformats.org/presentationml/2006/main">
+  <p:cSld>
+    <p:spTree>
+      <p:nvGrpSpPr>
+        <p:cNvPr id="1" name=""/>
+        <p:cNvGrpSpPr/>
+        <p:nvPr/>
+      </p:nvGrpSpPr>
+      <p:grpSpPr>
+        <a:xfrm>
+          <a:off x="0" y="0"/>
+          <a:ext cx="0" cy="0"/>
+          <a:chOff x="0" y="0"/>
+          <a:chExt cx="0" cy="0"/>
+        </a:xfrm>
+      </p:grpSpPr>
+      <p:sp>
+        <p:nvSpPr>
+          <p:cNvPr id="2" name="Title 1"/>
+          <p:cNvSpPr>
+            <a:spLocks noGrp="1"/>
+          </p:cNvSpPr>
+          <p:nvPr>
+            <p:ph type="title"/>
+          </p:nvPr>
+        </p:nvSpPr>
+        <p:spPr/>
+        <p:txBody>
+          <a:bodyPr/>
+          <a:lstStyle/>
+          <a:p>
+            <a:pPr lvl="0" marL="0" indent="0">
+              <a:buNone/>
+            </a:pPr>
+            <a:r>
+              <a:rPr/>
+              <a:t>What</a:t>
+            </a:r>
+            <a:r>
+              <a:rPr/>
+              <a:t> </a:t>
+            </a:r>
+            <a:r>
+              <a:rPr/>
+              <a:t>advice</a:t>
+            </a:r>
+            <a:r>
+              <a:rPr/>
+              <a:t> </a:t>
+            </a:r>
+            <a:r>
+              <a:rPr/>
+              <a:t>do</a:t>
+            </a:r>
+            <a:r>
+              <a:rPr/>
+              <a:t> </a:t>
+            </a:r>
+            <a:r>
+              <a:rPr/>
+              <a:t>you</a:t>
+            </a:r>
+            <a:r>
+              <a:rPr/>
+              <a:t> </a:t>
+            </a:r>
+            <a:r>
+              <a:rPr/>
+              <a:t>have</a:t>
+            </a:r>
+            <a:r>
+              <a:rPr/>
+              <a:t> </a:t>
+            </a:r>
+            <a:r>
+              <a:rPr/>
+              <a:t>to</a:t>
+            </a:r>
+            <a:r>
+              <a:rPr/>
+              <a:t> </a:t>
+            </a:r>
+            <a:r>
+              <a:rPr/>
+              <a:t>give</a:t>
+            </a:r>
+            <a:r>
+              <a:rPr/>
+              <a:t> </a:t>
+            </a:r>
+            <a:r>
+              <a:rPr/>
+              <a:t>regarding</a:t>
+            </a:r>
+            <a:r>
+              <a:rPr/>
+              <a:t> </a:t>
+            </a:r>
+            <a:r>
+              <a:rPr/>
+              <a:t>balancing</a:t>
+            </a:r>
+            <a:r>
+              <a:rPr/>
+              <a:t> </a:t>
+            </a:r>
+            <a:r>
+              <a:rPr/>
+              <a:t>competing</a:t>
+            </a:r>
+            <a:r>
+              <a:rPr/>
+              <a:t> </a:t>
+            </a:r>
+            <a:r>
+              <a:rPr/>
+              <a:t>priorities?</a:t>
+            </a:r>
+          </a:p>
+        </p:txBody>
+      </p:sp>
+      <p:sp>
+        <p:nvSpPr>
+          <p:cNvPr id="3" name="Content Placeholder 2"/>
+          <p:cNvSpPr>
+            <a:spLocks noGrp="1"/>
+          </p:cNvSpPr>
+          <p:nvPr>
+            <p:ph idx="1"/>
+          </p:nvPr>
+        </p:nvSpPr>
+        <p:spPr/>
+        <p:txBody>
+          <a:bodyPr/>
+          <a:lstStyle/>
+          <a:p>
+            <a:pPr lvl="1"/>
+            <a:r>
+              <a:rPr/>
+              <a:t>Life is short. Do the fun stuff first.</a:t>
+            </a:r>
+          </a:p>
+          <a:p>
+            <a:pPr lvl="1"/>
+            <a:r>
+              <a:rPr/>
+              <a:t>Ask your boss for priorities</a:t>
+            </a:r>
+          </a:p>
+        </p:txBody>
+      </p:sp>
+    </p:spTree>
+  </p:cSld>
+</p:sld>
+</file>
+
 <file path=ppt/slides/slide2.xml><?xml version="1.0" encoding="utf-8"?>
 <p:sld xmlns:a="http://schemas.openxmlformats.org/drawingml/2006/main" xmlns:r="http://schemas.openxmlformats.org/officeDocument/2006/relationships" xmlns:p="http://schemas.openxmlformats.org/presentationml/2006/main">
   <p:cSld>
@@ -3913,6 +5153,666 @@
                 <a:hlinkClick r:id="rId3"/>
               </a:rPr>
               <a:t>https://github.com/pmean/resume</a:t>
+            </a:r>
+          </a:p>
+        </p:txBody>
+      </p:sp>
+    </p:spTree>
+  </p:cSld>
+</p:sld>
+</file>
+
+<file path=ppt/slides/slide20.xml><?xml version="1.0" encoding="utf-8"?>
+<p:sld xmlns:a="http://schemas.openxmlformats.org/drawingml/2006/main" xmlns:r="http://schemas.openxmlformats.org/officeDocument/2006/relationships" xmlns:p="http://schemas.openxmlformats.org/presentationml/2006/main">
+  <p:cSld>
+    <p:spTree>
+      <p:nvGrpSpPr>
+        <p:cNvPr id="1" name=""/>
+        <p:cNvGrpSpPr/>
+        <p:nvPr/>
+      </p:nvGrpSpPr>
+      <p:grpSpPr>
+        <a:xfrm>
+          <a:off x="0" y="0"/>
+          <a:ext cx="0" cy="0"/>
+          <a:chOff x="0" y="0"/>
+          <a:chExt cx="0" cy="0"/>
+        </a:xfrm>
+      </p:grpSpPr>
+      <p:sp>
+        <p:nvSpPr>
+          <p:cNvPr id="2" name="Title 1"/>
+          <p:cNvSpPr>
+            <a:spLocks noGrp="1"/>
+          </p:cNvSpPr>
+          <p:nvPr>
+            <p:ph type="title"/>
+          </p:nvPr>
+        </p:nvSpPr>
+        <p:spPr/>
+        <p:txBody>
+          <a:bodyPr/>
+          <a:lstStyle/>
+          <a:p>
+            <a:pPr lvl="0" marL="0" indent="0">
+              <a:buNone/>
+            </a:pPr>
+            <a:r>
+              <a:rPr/>
+              <a:t>What</a:t>
+            </a:r>
+            <a:r>
+              <a:rPr/>
+              <a:t> </a:t>
+            </a:r>
+            <a:r>
+              <a:rPr/>
+              <a:t>do</a:t>
+            </a:r>
+            <a:r>
+              <a:rPr/>
+              <a:t> </a:t>
+            </a:r>
+            <a:r>
+              <a:rPr/>
+              <a:t>you</a:t>
+            </a:r>
+            <a:r>
+              <a:rPr/>
+              <a:t> </a:t>
+            </a:r>
+            <a:r>
+              <a:rPr/>
+              <a:t>do</a:t>
+            </a:r>
+            <a:r>
+              <a:rPr/>
+              <a:t> </a:t>
+            </a:r>
+            <a:r>
+              <a:rPr/>
+              <a:t>when</a:t>
+            </a:r>
+            <a:r>
+              <a:rPr/>
+              <a:t> </a:t>
+            </a:r>
+            <a:r>
+              <a:rPr/>
+              <a:t>you</a:t>
+            </a:r>
+            <a:r>
+              <a:rPr/>
+              <a:t> </a:t>
+            </a:r>
+            <a:r>
+              <a:rPr/>
+              <a:t>have</a:t>
+            </a:r>
+            <a:r>
+              <a:rPr/>
+              <a:t> </a:t>
+            </a:r>
+            <a:r>
+              <a:rPr/>
+              <a:t>a</a:t>
+            </a:r>
+            <a:r>
+              <a:rPr/>
+              <a:t> </a:t>
+            </a:r>
+            <a:r>
+              <a:rPr/>
+              <a:t>project</a:t>
+            </a:r>
+            <a:r>
+              <a:rPr/>
+              <a:t> </a:t>
+            </a:r>
+            <a:r>
+              <a:rPr/>
+              <a:t>that</a:t>
+            </a:r>
+            <a:r>
+              <a:rPr/>
+              <a:t> </a:t>
+            </a:r>
+            <a:r>
+              <a:rPr/>
+              <a:t>is</a:t>
+            </a:r>
+            <a:r>
+              <a:rPr/>
+              <a:t> </a:t>
+            </a:r>
+            <a:r>
+              <a:rPr/>
+              <a:t>outside</a:t>
+            </a:r>
+            <a:r>
+              <a:rPr/>
+              <a:t> </a:t>
+            </a:r>
+            <a:r>
+              <a:rPr/>
+              <a:t>your</a:t>
+            </a:r>
+            <a:r>
+              <a:rPr/>
+              <a:t> </a:t>
+            </a:r>
+            <a:r>
+              <a:rPr/>
+              <a:t>level</a:t>
+            </a:r>
+            <a:r>
+              <a:rPr/>
+              <a:t> </a:t>
+            </a:r>
+            <a:r>
+              <a:rPr/>
+              <a:t>of</a:t>
+            </a:r>
+            <a:r>
+              <a:rPr/>
+              <a:t> </a:t>
+            </a:r>
+            <a:r>
+              <a:rPr/>
+              <a:t>expertise</a:t>
+            </a:r>
+            <a:r>
+              <a:rPr/>
+              <a:t> </a:t>
+            </a:r>
+            <a:r>
+              <a:rPr/>
+              <a:t>(who</a:t>
+            </a:r>
+            <a:r>
+              <a:rPr/>
+              <a:t> </a:t>
+            </a:r>
+            <a:r>
+              <a:rPr/>
+              <a:t>or</a:t>
+            </a:r>
+            <a:r>
+              <a:rPr/>
+              <a:t> </a:t>
+            </a:r>
+            <a:r>
+              <a:rPr/>
+              <a:t>what</a:t>
+            </a:r>
+            <a:r>
+              <a:rPr/>
+              <a:t> </a:t>
+            </a:r>
+            <a:r>
+              <a:rPr/>
+              <a:t>resources</a:t>
+            </a:r>
+            <a:r>
+              <a:rPr/>
+              <a:t> </a:t>
+            </a:r>
+            <a:r>
+              <a:rPr/>
+              <a:t>do</a:t>
+            </a:r>
+            <a:r>
+              <a:rPr/>
+              <a:t> </a:t>
+            </a:r>
+            <a:r>
+              <a:rPr/>
+              <a:t>you</a:t>
+            </a:r>
+            <a:r>
+              <a:rPr/>
+              <a:t> </a:t>
+            </a:r>
+            <a:r>
+              <a:rPr/>
+              <a:t>consult)?</a:t>
+            </a:r>
+          </a:p>
+        </p:txBody>
+      </p:sp>
+      <p:sp>
+        <p:nvSpPr>
+          <p:cNvPr id="3" name="Content Placeholder 2"/>
+          <p:cNvSpPr>
+            <a:spLocks noGrp="1"/>
+          </p:cNvSpPr>
+          <p:nvPr>
+            <p:ph idx="1"/>
+          </p:nvPr>
+        </p:nvSpPr>
+        <p:spPr/>
+        <p:txBody>
+          <a:bodyPr/>
+          <a:lstStyle/>
+          <a:p>
+            <a:pPr lvl="1"/>
+            <a:r>
+              <a:rPr/>
+              <a:t>Nothing is ever outside my area of expertise!</a:t>
+            </a:r>
+          </a:p>
+          <a:p>
+            <a:pPr lvl="2"/>
+            <a:r>
+              <a:rPr/>
+              <a:t>Just kidding</a:t>
+            </a:r>
+          </a:p>
+          <a:p>
+            <a:pPr lvl="2"/>
+            <a:r>
+              <a:rPr/>
+              <a:t>But I do try to know a bit about everything</a:t>
+            </a:r>
+          </a:p>
+          <a:p>
+            <a:pPr lvl="1"/>
+            <a:r>
+              <a:rPr/>
+              <a:t>Opportunity to learn on the job</a:t>
+            </a:r>
+          </a:p>
+          <a:p>
+            <a:pPr lvl="2"/>
+            <a:r>
+              <a:rPr/>
+              <a:t>Books, short courses, Internet resources</a:t>
+            </a:r>
+          </a:p>
+          <a:p>
+            <a:pPr lvl="2"/>
+            <a:r>
+              <a:rPr/>
+              <a:t>Build a network of helpers</a:t>
+            </a:r>
+          </a:p>
+        </p:txBody>
+      </p:sp>
+    </p:spTree>
+  </p:cSld>
+</p:sld>
+</file>
+
+<file path=ppt/slides/slide21.xml><?xml version="1.0" encoding="utf-8"?>
+<p:sld xmlns:a="http://schemas.openxmlformats.org/drawingml/2006/main" xmlns:r="http://schemas.openxmlformats.org/officeDocument/2006/relationships" xmlns:p="http://schemas.openxmlformats.org/presentationml/2006/main">
+  <p:cSld>
+    <p:spTree>
+      <p:nvGrpSpPr>
+        <p:cNvPr id="1" name=""/>
+        <p:cNvGrpSpPr/>
+        <p:nvPr/>
+      </p:nvGrpSpPr>
+      <p:grpSpPr>
+        <a:xfrm>
+          <a:off x="0" y="0"/>
+          <a:ext cx="0" cy="0"/>
+          <a:chOff x="0" y="0"/>
+          <a:chExt cx="0" cy="0"/>
+        </a:xfrm>
+      </p:grpSpPr>
+      <p:sp>
+        <p:nvSpPr>
+          <p:cNvPr id="2" name="Title 1"/>
+          <p:cNvSpPr>
+            <a:spLocks noGrp="1"/>
+          </p:cNvSpPr>
+          <p:nvPr>
+            <p:ph type="title"/>
+          </p:nvPr>
+        </p:nvSpPr>
+        <p:spPr/>
+        <p:txBody>
+          <a:bodyPr/>
+          <a:lstStyle/>
+          <a:p>
+            <a:pPr lvl="0" marL="0" indent="0">
+              <a:buNone/>
+            </a:pPr>
+            <a:r>
+              <a:rPr/>
+              <a:t>What</a:t>
+            </a:r>
+            <a:r>
+              <a:rPr/>
+              <a:t> </a:t>
+            </a:r>
+            <a:r>
+              <a:rPr/>
+              <a:t>is</a:t>
+            </a:r>
+            <a:r>
+              <a:rPr/>
+              <a:t> </a:t>
+            </a:r>
+            <a:r>
+              <a:rPr/>
+              <a:t>an</a:t>
+            </a:r>
+            <a:r>
+              <a:rPr/>
+              <a:t> </a:t>
+            </a:r>
+            <a:r>
+              <a:rPr/>
+              <a:t>issue</a:t>
+            </a:r>
+            <a:r>
+              <a:rPr/>
+              <a:t> </a:t>
+            </a:r>
+            <a:r>
+              <a:rPr/>
+              <a:t>you</a:t>
+            </a:r>
+            <a:r>
+              <a:rPr/>
+              <a:t> </a:t>
+            </a:r>
+            <a:r>
+              <a:rPr/>
+              <a:t>have</a:t>
+            </a:r>
+            <a:r>
+              <a:rPr/>
+              <a:t> </a:t>
+            </a:r>
+            <a:r>
+              <a:rPr/>
+              <a:t>faced</a:t>
+            </a:r>
+            <a:r>
+              <a:rPr/>
+              <a:t> </a:t>
+            </a:r>
+            <a:r>
+              <a:rPr/>
+              <a:t>working</a:t>
+            </a:r>
+            <a:r>
+              <a:rPr/>
+              <a:t> </a:t>
+            </a:r>
+            <a:r>
+              <a:rPr/>
+              <a:t>with</a:t>
+            </a:r>
+            <a:r>
+              <a:rPr/>
+              <a:t> </a:t>
+            </a:r>
+            <a:r>
+              <a:rPr/>
+              <a:t>a</a:t>
+            </a:r>
+            <a:r>
+              <a:rPr/>
+              <a:t> </a:t>
+            </a:r>
+            <a:r>
+              <a:rPr/>
+              <a:t>client</a:t>
+            </a:r>
+            <a:r>
+              <a:rPr/>
+              <a:t> </a:t>
+            </a:r>
+            <a:r>
+              <a:rPr/>
+              <a:t>or</a:t>
+            </a:r>
+            <a:r>
+              <a:rPr/>
+              <a:t> </a:t>
+            </a:r>
+            <a:r>
+              <a:rPr/>
+              <a:t>collaborator,</a:t>
+            </a:r>
+            <a:r>
+              <a:rPr/>
+              <a:t> </a:t>
+            </a:r>
+            <a:r>
+              <a:rPr/>
+              <a:t>and</a:t>
+            </a:r>
+            <a:r>
+              <a:rPr/>
+              <a:t> </a:t>
+            </a:r>
+            <a:r>
+              <a:rPr/>
+              <a:t>what</a:t>
+            </a:r>
+            <a:r>
+              <a:rPr/>
+              <a:t> </a:t>
+            </a:r>
+            <a:r>
+              <a:rPr/>
+              <a:t>did</a:t>
+            </a:r>
+            <a:r>
+              <a:rPr/>
+              <a:t> </a:t>
+            </a:r>
+            <a:r>
+              <a:rPr/>
+              <a:t>you</a:t>
+            </a:r>
+            <a:r>
+              <a:rPr/>
+              <a:t> </a:t>
+            </a:r>
+            <a:r>
+              <a:rPr/>
+              <a:t>learn</a:t>
+            </a:r>
+            <a:r>
+              <a:rPr/>
+              <a:t> </a:t>
+            </a:r>
+            <a:r>
+              <a:rPr/>
+              <a:t>from</a:t>
+            </a:r>
+            <a:r>
+              <a:rPr/>
+              <a:t> </a:t>
+            </a:r>
+            <a:r>
+              <a:rPr/>
+              <a:t>it?</a:t>
+            </a:r>
+          </a:p>
+        </p:txBody>
+      </p:sp>
+      <p:sp>
+        <p:nvSpPr>
+          <p:cNvPr id="3" name="Content Placeholder 2"/>
+          <p:cNvSpPr>
+            <a:spLocks noGrp="1"/>
+          </p:cNvSpPr>
+          <p:nvPr>
+            <p:ph idx="1"/>
+          </p:nvPr>
+        </p:nvSpPr>
+        <p:spPr/>
+        <p:txBody>
+          <a:bodyPr/>
+          <a:lstStyle/>
+          <a:p>
+            <a:pPr lvl="1"/>
+            <a:r>
+              <a:rPr/>
+              <a:t>Get and give regular feedback</a:t>
+            </a:r>
+          </a:p>
+        </p:txBody>
+      </p:sp>
+    </p:spTree>
+  </p:cSld>
+</p:sld>
+</file>
+
+<file path=ppt/slides/slide22.xml><?xml version="1.0" encoding="utf-8"?>
+<p:sld xmlns:a="http://schemas.openxmlformats.org/drawingml/2006/main" xmlns:r="http://schemas.openxmlformats.org/officeDocument/2006/relationships" xmlns:p="http://schemas.openxmlformats.org/presentationml/2006/main">
+  <p:cSld>
+    <p:spTree>
+      <p:nvGrpSpPr>
+        <p:cNvPr id="1" name=""/>
+        <p:cNvGrpSpPr/>
+        <p:nvPr/>
+      </p:nvGrpSpPr>
+      <p:grpSpPr>
+        <a:xfrm>
+          <a:off x="0" y="0"/>
+          <a:ext cx="0" cy="0"/>
+          <a:chOff x="0" y="0"/>
+          <a:chExt cx="0" cy="0"/>
+        </a:xfrm>
+      </p:grpSpPr>
+      <p:sp>
+        <p:nvSpPr>
+          <p:cNvPr id="2" name="Title 1"/>
+          <p:cNvSpPr>
+            <a:spLocks noGrp="1"/>
+          </p:cNvSpPr>
+          <p:nvPr>
+            <p:ph type="title"/>
+          </p:nvPr>
+        </p:nvSpPr>
+        <p:spPr/>
+        <p:txBody>
+          <a:bodyPr/>
+          <a:lstStyle/>
+          <a:p>
+            <a:pPr lvl="0" marL="0" indent="0">
+              <a:buNone/>
+            </a:pPr>
+            <a:r>
+              <a:rPr/>
+              <a:t>What</a:t>
+            </a:r>
+            <a:r>
+              <a:rPr/>
+              <a:t> </a:t>
+            </a:r>
+            <a:r>
+              <a:rPr/>
+              <a:t>are</a:t>
+            </a:r>
+            <a:r>
+              <a:rPr/>
+              <a:t> </a:t>
+            </a:r>
+            <a:r>
+              <a:rPr/>
+              <a:t>some</a:t>
+            </a:r>
+            <a:r>
+              <a:rPr/>
+              <a:t> </a:t>
+            </a:r>
+            <a:r>
+              <a:rPr/>
+              <a:t>ethical</a:t>
+            </a:r>
+            <a:r>
+              <a:rPr/>
+              <a:t> </a:t>
+            </a:r>
+            <a:r>
+              <a:rPr/>
+              <a:t>dilemmas</a:t>
+            </a:r>
+            <a:r>
+              <a:rPr/>
+              <a:t> </a:t>
+            </a:r>
+            <a:r>
+              <a:rPr/>
+              <a:t>you</a:t>
+            </a:r>
+            <a:r>
+              <a:rPr/>
+              <a:t> </a:t>
+            </a:r>
+            <a:r>
+              <a:rPr/>
+              <a:t>have</a:t>
+            </a:r>
+            <a:r>
+              <a:rPr/>
+              <a:t> </a:t>
+            </a:r>
+            <a:r>
+              <a:rPr/>
+              <a:t>faced</a:t>
+            </a:r>
+            <a:r>
+              <a:rPr/>
+              <a:t> </a:t>
+            </a:r>
+            <a:r>
+              <a:rPr/>
+              <a:t>in</a:t>
+            </a:r>
+            <a:r>
+              <a:rPr/>
+              <a:t> </a:t>
+            </a:r>
+            <a:r>
+              <a:rPr/>
+              <a:t>your</a:t>
+            </a:r>
+            <a:r>
+              <a:rPr/>
+              <a:t> </a:t>
+            </a:r>
+            <a:r>
+              <a:rPr/>
+              <a:t>job?</a:t>
+            </a:r>
+          </a:p>
+        </p:txBody>
+      </p:sp>
+      <p:sp>
+        <p:nvSpPr>
+          <p:cNvPr id="3" name="Content Placeholder 2"/>
+          <p:cNvSpPr>
+            <a:spLocks noGrp="1"/>
+          </p:cNvSpPr>
+          <p:nvPr>
+            <p:ph idx="1"/>
+          </p:nvPr>
+        </p:nvSpPr>
+        <p:spPr/>
+        <p:txBody>
+          <a:bodyPr/>
+          <a:lstStyle/>
+          <a:p>
+            <a:pPr lvl="1"/>
+            <a:r>
+              <a:rPr/>
+              <a:t>Asking for the impossible</a:t>
+            </a:r>
+          </a:p>
+          <a:p>
+            <a:pPr lvl="2"/>
+            <a:r>
+              <a:rPr/>
+              <a:t>“Blood from a turnip” test</a:t>
             </a:r>
           </a:p>
         </p:txBody>

--- a/consulting-careers/introduction.pptx
+++ b/consulting-careers/introduction.pptx
@@ -4,6 +4,9 @@
   <p:sldMasterIdLst>
     <p:sldMasterId id="2147483648" r:id="rId1"/>
   </p:sldMasterIdLst>
+  <p:notesMasterIdLst>
+    <p:NotesMasterId r:id="rId24"/>
+  </p:notesMasterIdLst>
   <p:sldIdLst>
     <p:sldId id="256" r:id="rId2"/>
     <p:sldId id="257" r:id="rId3"/>
@@ -142,6 +145,7008 @@
     </p:ext>
   </p:extLst>
 </p:presentation>
+</file>
+
+<file path=ppt/notesMasters/notesMaster1.xml><?xml version="1.0" encoding="utf-8"?>
+<p:notesMaster xmlns:a="http://schemas.openxmlformats.org/drawingml/2006/main" xmlns:r="http://schemas.openxmlformats.org/officeDocument/2006/relationships" xmlns:p="http://schemas.openxmlformats.org/presentationml/2006/main">
+  <p:cSld>
+    <p:bg>
+      <p:bgRef idx="1001">
+        <a:schemeClr val="bg1"/>
+      </p:bgRef>
+    </p:bg>
+    <p:spTree>
+      <p:nvGrpSpPr>
+        <p:cNvPr id="1" name=""/>
+        <p:cNvGrpSpPr/>
+        <p:nvPr/>
+      </p:nvGrpSpPr>
+      <p:grpSpPr>
+        <a:xfrm>
+          <a:off x="0" y="0"/>
+          <a:ext cx="0" cy="0"/>
+          <a:chOff x="0" y="0"/>
+          <a:chExt cx="0" cy="0"/>
+        </a:xfrm>
+      </p:grpSpPr>
+      <p:sp>
+        <p:nvSpPr>
+          <p:cNvPr id="2" name="Header Placeholder 1"/>
+          <p:cNvSpPr>
+            <a:spLocks noGrp="1"/>
+          </p:cNvSpPr>
+          <p:nvPr>
+            <p:ph type="hdr" sz="quarter"/>
+          </p:nvPr>
+        </p:nvSpPr>
+        <p:spPr>
+          <a:xfrm>
+            <a:off x="0" y="0"/>
+            <a:ext cx="2971800" cy="458788"/>
+          </a:xfrm>
+          <a:prstGeom prst="rect">
+            <a:avLst/>
+          </a:prstGeom>
+        </p:spPr>
+        <p:txBody>
+          <a:bodyPr vert="horz" lIns="91440" tIns="45720" rIns="91440" bIns="45720" rtlCol="0"/>
+          <a:lstStyle>
+            <a:lvl1pPr algn="l">
+              <a:defRPr sz="1200"/>
+            </a:lvl1pPr>
+          </a:lstStyle>
+          <a:p>
+            <a:endParaRPr lang="en-US"/>
+          </a:p>
+        </p:txBody>
+      </p:sp>
+      <p:sp>
+        <p:nvSpPr>
+          <p:cNvPr id="3" name="Date Placeholder 2"/>
+          <p:cNvSpPr>
+            <a:spLocks noGrp="1"/>
+          </p:cNvSpPr>
+          <p:nvPr>
+            <p:ph type="dt" idx="1"/>
+          </p:nvPr>
+        </p:nvSpPr>
+        <p:spPr>
+          <a:xfrm>
+            <a:off x="3884613" y="0"/>
+            <a:ext cx="2971800" cy="458788"/>
+          </a:xfrm>
+          <a:prstGeom prst="rect">
+            <a:avLst/>
+          </a:prstGeom>
+        </p:spPr>
+        <p:txBody>
+          <a:bodyPr vert="horz" lIns="91440" tIns="45720" rIns="91440" bIns="45720" rtlCol="0"/>
+          <a:lstStyle>
+            <a:lvl1pPr algn="r">
+              <a:defRPr sz="1200"/>
+            </a:lvl1pPr>
+          </a:lstStyle>
+          <a:p>
+            <a:fld id="{0F9C1CCF-B725-44A7-AA57-5E433BD85C9F}" type="datetimeFigureOut">
+              <a:rPr lang="en-US" smtClean="0"/>
+              <a:t>4/5/2019</a:t>
+            </a:fld>
+            <a:endParaRPr lang="en-US"/>
+          </a:p>
+        </p:txBody>
+      </p:sp>
+      <p:sp>
+        <p:nvSpPr>
+          <p:cNvPr id="4" name="Slide Image Placeholder 3"/>
+          <p:cNvSpPr>
+            <a:spLocks noGrp="1" noRot="1" noChangeAspect="1"/>
+          </p:cNvSpPr>
+          <p:nvPr>
+            <p:ph type="sldImg" idx="2"/>
+          </p:nvPr>
+        </p:nvSpPr>
+        <p:spPr>
+          <a:xfrm>
+            <a:off x="1371600" y="1143000"/>
+            <a:ext cx="4114800" cy="3086100"/>
+          </a:xfrm>
+          <a:prstGeom prst="rect">
+            <a:avLst/>
+          </a:prstGeom>
+          <a:noFill/>
+          <a:ln w="12700">
+            <a:solidFill>
+              <a:prstClr val="black"/>
+            </a:solidFill>
+          </a:ln>
+        </p:spPr>
+        <p:txBody>
+          <a:bodyPr vert="horz" lIns="91440" tIns="45720" rIns="91440" bIns="45720" rtlCol="0" anchor="ctr"/>
+          <a:lstStyle/>
+          <a:p>
+            <a:endParaRPr lang="en-US"/>
+          </a:p>
+        </p:txBody>
+      </p:sp>
+      <p:sp>
+        <p:nvSpPr>
+          <p:cNvPr id="5" name="Notes Placeholder 4"/>
+          <p:cNvSpPr>
+            <a:spLocks noGrp="1"/>
+          </p:cNvSpPr>
+          <p:nvPr>
+            <p:ph type="body" sz="quarter" idx="3"/>
+          </p:nvPr>
+        </p:nvSpPr>
+        <p:spPr>
+          <a:xfrm>
+            <a:off x="685800" y="4400550"/>
+            <a:ext cx="5486400" cy="3600450"/>
+          </a:xfrm>
+          <a:prstGeom prst="rect">
+            <a:avLst/>
+          </a:prstGeom>
+        </p:spPr>
+        <p:txBody>
+          <a:bodyPr vert="horz" lIns="91440" tIns="45720" rIns="91440" bIns="45720" rtlCol="0"/>
+          <a:lstStyle/>
+          <a:p>
+            <a:pPr lvl="0"/>
+            <a:r>
+              <a:rPr lang="en-US" smtClean="0"/>
+              <a:t>Click to edit Master text styles</a:t>
+            </a:r>
+          </a:p>
+          <a:p>
+            <a:pPr lvl="1"/>
+            <a:r>
+              <a:rPr lang="en-US" smtClean="0"/>
+              <a:t>Second level</a:t>
+            </a:r>
+          </a:p>
+          <a:p>
+            <a:pPr lvl="2"/>
+            <a:r>
+              <a:rPr lang="en-US" smtClean="0"/>
+              <a:t>Third level</a:t>
+            </a:r>
+          </a:p>
+          <a:p>
+            <a:pPr lvl="3"/>
+            <a:r>
+              <a:rPr lang="en-US" smtClean="0"/>
+              <a:t>Fourth level</a:t>
+            </a:r>
+          </a:p>
+          <a:p>
+            <a:pPr lvl="4"/>
+            <a:r>
+              <a:rPr lang="en-US" smtClean="0"/>
+              <a:t>Fifth level</a:t>
+            </a:r>
+            <a:endParaRPr lang="en-US"/>
+          </a:p>
+        </p:txBody>
+      </p:sp>
+      <p:sp>
+        <p:nvSpPr>
+          <p:cNvPr id="6" name="Footer Placeholder 5"/>
+          <p:cNvSpPr>
+            <a:spLocks noGrp="1"/>
+          </p:cNvSpPr>
+          <p:nvPr>
+            <p:ph type="ftr" sz="quarter" idx="4"/>
+          </p:nvPr>
+        </p:nvSpPr>
+        <p:spPr>
+          <a:xfrm>
+            <a:off x="0" y="8685213"/>
+            <a:ext cx="2971800" cy="458787"/>
+          </a:xfrm>
+          <a:prstGeom prst="rect">
+            <a:avLst/>
+          </a:prstGeom>
+        </p:spPr>
+        <p:txBody>
+          <a:bodyPr vert="horz" lIns="91440" tIns="45720" rIns="91440" bIns="45720" rtlCol="0" anchor="b"/>
+          <a:lstStyle>
+            <a:lvl1pPr algn="l">
+              <a:defRPr sz="1200"/>
+            </a:lvl1pPr>
+          </a:lstStyle>
+          <a:p>
+            <a:endParaRPr lang="en-US"/>
+          </a:p>
+        </p:txBody>
+      </p:sp>
+      <p:sp>
+        <p:nvSpPr>
+          <p:cNvPr id="7" name="Slide Number Placeholder 6"/>
+          <p:cNvSpPr>
+            <a:spLocks noGrp="1"/>
+          </p:cNvSpPr>
+          <p:nvPr>
+            <p:ph type="sldNum" sz="quarter" idx="5"/>
+          </p:nvPr>
+        </p:nvSpPr>
+        <p:spPr>
+          <a:xfrm>
+            <a:off x="3884613" y="8685213"/>
+            <a:ext cx="2971800" cy="458787"/>
+          </a:xfrm>
+          <a:prstGeom prst="rect">
+            <a:avLst/>
+          </a:prstGeom>
+        </p:spPr>
+        <p:txBody>
+          <a:bodyPr vert="horz" lIns="91440" tIns="45720" rIns="91440" bIns="45720" rtlCol="0" anchor="b"/>
+          <a:lstStyle>
+            <a:lvl1pPr algn="r">
+              <a:defRPr sz="1200"/>
+            </a:lvl1pPr>
+          </a:lstStyle>
+          <a:p>
+            <a:fld id="{18BDFEC3-8487-43E8-A154-7C12CBC1FFF2}" type="slidenum">
+              <a:rPr lang="en-US" smtClean="0"/>
+              <a:t>‹#›</a:t>
+            </a:fld>
+            <a:endParaRPr lang="en-US"/>
+          </a:p>
+        </p:txBody>
+      </p:sp>
+    </p:spTree>
+    <p:extLst>
+      <p:ext uri="{BB962C8B-B14F-4D97-AF65-F5344CB8AC3E}">
+        <p14:creationId xmlns:p14="http://schemas.microsoft.com/office/powerpoint/2010/main" val="3782709779"/>
+      </p:ext>
+    </p:extLst>
+  </p:cSld>
+  <p:clrMap bg1="lt1" tx1="dk1" bg2="lt2" tx2="dk2" accent1="accent1" accent2="accent2" accent3="accent3" accent4="accent4" accent5="accent5" accent6="accent6" hlink="hlink" folHlink="folHlink"/>
+  <p:notesStyle>
+    <a:lvl1pPr marL="0" algn="l" defTabSz="914400" rtl="0" eaLnBrk="1" latinLnBrk="0" hangingPunct="1">
+      <a:defRPr sz="1200" kern="1200">
+        <a:solidFill>
+          <a:schemeClr val="tx1"/>
+        </a:solidFill>
+        <a:latin typeface="+mn-lt"/>
+        <a:ea typeface="+mn-ea"/>
+        <a:cs typeface="+mn-cs"/>
+      </a:defRPr>
+    </a:lvl1pPr>
+    <a:lvl2pPr marL="457200" algn="l" defTabSz="914400" rtl="0" eaLnBrk="1" latinLnBrk="0" hangingPunct="1">
+      <a:defRPr sz="1200" kern="1200">
+        <a:solidFill>
+          <a:schemeClr val="tx1"/>
+        </a:solidFill>
+        <a:latin typeface="+mn-lt"/>
+        <a:ea typeface="+mn-ea"/>
+        <a:cs typeface="+mn-cs"/>
+      </a:defRPr>
+    </a:lvl2pPr>
+    <a:lvl3pPr marL="914400" algn="l" defTabSz="914400" rtl="0" eaLnBrk="1" latinLnBrk="0" hangingPunct="1">
+      <a:defRPr sz="1200" kern="1200">
+        <a:solidFill>
+          <a:schemeClr val="tx1"/>
+        </a:solidFill>
+        <a:latin typeface="+mn-lt"/>
+        <a:ea typeface="+mn-ea"/>
+        <a:cs typeface="+mn-cs"/>
+      </a:defRPr>
+    </a:lvl3pPr>
+    <a:lvl4pPr marL="1371600" algn="l" defTabSz="914400" rtl="0" eaLnBrk="1" latinLnBrk="0" hangingPunct="1">
+      <a:defRPr sz="1200" kern="1200">
+        <a:solidFill>
+          <a:schemeClr val="tx1"/>
+        </a:solidFill>
+        <a:latin typeface="+mn-lt"/>
+        <a:ea typeface="+mn-ea"/>
+        <a:cs typeface="+mn-cs"/>
+      </a:defRPr>
+    </a:lvl4pPr>
+    <a:lvl5pPr marL="1828800" algn="l" defTabSz="914400" rtl="0" eaLnBrk="1" latinLnBrk="0" hangingPunct="1">
+      <a:defRPr sz="1200" kern="1200">
+        <a:solidFill>
+          <a:schemeClr val="tx1"/>
+        </a:solidFill>
+        <a:latin typeface="+mn-lt"/>
+        <a:ea typeface="+mn-ea"/>
+        <a:cs typeface="+mn-cs"/>
+      </a:defRPr>
+    </a:lvl5pPr>
+    <a:lvl6pPr marL="2286000" algn="l" defTabSz="914400" rtl="0" eaLnBrk="1" latinLnBrk="0" hangingPunct="1">
+      <a:defRPr sz="1200" kern="1200">
+        <a:solidFill>
+          <a:schemeClr val="tx1"/>
+        </a:solidFill>
+        <a:latin typeface="+mn-lt"/>
+        <a:ea typeface="+mn-ea"/>
+        <a:cs typeface="+mn-cs"/>
+      </a:defRPr>
+    </a:lvl6pPr>
+    <a:lvl7pPr marL="2743200" algn="l" defTabSz="914400" rtl="0" eaLnBrk="1" latinLnBrk="0" hangingPunct="1">
+      <a:defRPr sz="1200" kern="1200">
+        <a:solidFill>
+          <a:schemeClr val="tx1"/>
+        </a:solidFill>
+        <a:latin typeface="+mn-lt"/>
+        <a:ea typeface="+mn-ea"/>
+        <a:cs typeface="+mn-cs"/>
+      </a:defRPr>
+    </a:lvl7pPr>
+    <a:lvl8pPr marL="3200400" algn="l" defTabSz="914400" rtl="0" eaLnBrk="1" latinLnBrk="0" hangingPunct="1">
+      <a:defRPr sz="1200" kern="1200">
+        <a:solidFill>
+          <a:schemeClr val="tx1"/>
+        </a:solidFill>
+        <a:latin typeface="+mn-lt"/>
+        <a:ea typeface="+mn-ea"/>
+        <a:cs typeface="+mn-cs"/>
+      </a:defRPr>
+    </a:lvl8pPr>
+    <a:lvl9pPr marL="3657600" algn="l" defTabSz="914400" rtl="0" eaLnBrk="1" latinLnBrk="0" hangingPunct="1">
+      <a:defRPr sz="1200" kern="1200">
+        <a:solidFill>
+          <a:schemeClr val="tx1"/>
+        </a:solidFill>
+        <a:latin typeface="+mn-lt"/>
+        <a:ea typeface="+mn-ea"/>
+        <a:cs typeface="+mn-cs"/>
+      </a:defRPr>
+    </a:lvl9pPr>
+  </p:notesStyle>
+</p:notesMaster>
+</file>
+
+<file path=ppt/notesSlides/notesSlide1.xml><?xml version="1.0" encoding="utf-8"?>
+<p:notes xmlns:a="http://schemas.openxmlformats.org/drawingml/2006/main" xmlns:r="http://schemas.openxmlformats.org/officeDocument/2006/relationships" xmlns:p="http://schemas.openxmlformats.org/presentationml/2006/main">
+  <p:cSld>
+    <p:spTree>
+      <p:nvGrpSpPr>
+        <p:cNvPr id="1" name=""/>
+        <p:cNvGrpSpPr/>
+        <p:nvPr/>
+      </p:nvGrpSpPr>
+      <p:grpSpPr>
+        <a:xfrm>
+          <a:off x="0" y="0"/>
+          <a:ext cx="0" cy="0"/>
+          <a:chOff x="0" y="0"/>
+          <a:chExt cx="0" cy="0"/>
+        </a:xfrm>
+      </p:grpSpPr>
+      <p:sp>
+        <p:nvSpPr>
+          <p:cNvPr id="2" name="Slide Image Placeholder 1"/>
+          <p:cNvSpPr>
+            <a:spLocks noGrp="1" noRot="1" noChangeAspect="1"/>
+          </p:cNvSpPr>
+          <p:nvPr>
+            <p:ph type="sldImg"/>
+          </p:nvPr>
+        </p:nvSpPr>
+        <p:spPr/>
+      </p:sp>
+      <p:sp>
+        <p:nvSpPr>
+          <p:cNvPr id="3" name="Notes Placeholder 2"/>
+          <p:cNvSpPr>
+            <a:spLocks noGrp="1"/>
+          </p:cNvSpPr>
+          <p:nvPr>
+            <p:ph type="body" idx="1"/>
+          </p:nvPr>
+        </p:nvSpPr>
+        <p:spPr/>
+        <p:txBody>
+          <a:bodyPr/>
+          <a:lstStyle/>
+          <a:p>
+            <a:pPr lvl="0" marL="0" indent="0">
+              <a:buNone/>
+            </a:pPr>
+            <a:r>
+              <a:rPr/>
+              <a:t>I’m</a:t>
+            </a:r>
+            <a:r>
+              <a:rPr/>
+              <a:t> </a:t>
+            </a:r>
+            <a:r>
+              <a:rPr/>
+              <a:t>going</a:t>
+            </a:r>
+            <a:r>
+              <a:rPr/>
+              <a:t> </a:t>
+            </a:r>
+            <a:r>
+              <a:rPr/>
+              <a:t>to</a:t>
+            </a:r>
+            <a:r>
+              <a:rPr/>
+              <a:t> </a:t>
+            </a:r>
+            <a:r>
+              <a:rPr/>
+              <a:t>cut</a:t>
+            </a:r>
+            <a:r>
+              <a:rPr/>
+              <a:t> </a:t>
+            </a:r>
+            <a:r>
+              <a:rPr/>
+              <a:t>and</a:t>
+            </a:r>
+            <a:r>
+              <a:rPr/>
+              <a:t> </a:t>
+            </a:r>
+            <a:r>
+              <a:rPr/>
+              <a:t>paste</a:t>
+            </a:r>
+            <a:r>
+              <a:rPr/>
+              <a:t> </a:t>
+            </a:r>
+            <a:r>
+              <a:rPr/>
+              <a:t>portions</a:t>
+            </a:r>
+            <a:r>
+              <a:rPr/>
+              <a:t> </a:t>
+            </a:r>
+            <a:r>
+              <a:rPr/>
+              <a:t>of</a:t>
+            </a:r>
+            <a:r>
+              <a:rPr/>
+              <a:t> </a:t>
+            </a:r>
+            <a:r>
+              <a:rPr/>
+              <a:t>my</a:t>
+            </a:r>
+            <a:r>
+              <a:rPr/>
+              <a:t> </a:t>
+            </a:r>
+            <a:r>
+              <a:rPr/>
+              <a:t>resume</a:t>
+            </a:r>
+            <a:r>
+              <a:rPr/>
+              <a:t> </a:t>
+            </a:r>
+            <a:r>
+              <a:rPr/>
+              <a:t>into</a:t>
+            </a:r>
+            <a:r>
+              <a:rPr/>
+              <a:t> </a:t>
+            </a:r>
+            <a:r>
+              <a:rPr/>
+              <a:t>PowerPoint</a:t>
+            </a:r>
+            <a:r>
+              <a:rPr/>
+              <a:t> </a:t>
+            </a:r>
+            <a:r>
+              <a:rPr/>
+              <a:t>as</a:t>
+            </a:r>
+            <a:r>
+              <a:rPr/>
+              <a:t> </a:t>
+            </a:r>
+            <a:r>
+              <a:rPr/>
+              <a:t>a</a:t>
+            </a:r>
+            <a:r>
+              <a:rPr/>
+              <a:t> </a:t>
+            </a:r>
+            <a:r>
+              <a:rPr/>
+              <a:t>way</a:t>
+            </a:r>
+            <a:r>
+              <a:rPr/>
+              <a:t> </a:t>
+            </a:r>
+            <a:r>
+              <a:rPr/>
+              <a:t>to</a:t>
+            </a:r>
+            <a:r>
+              <a:rPr/>
+              <a:t> </a:t>
+            </a:r>
+            <a:r>
+              <a:rPr/>
+              <a:t>introduce</a:t>
+            </a:r>
+            <a:r>
+              <a:rPr/>
+              <a:t> </a:t>
+            </a:r>
+            <a:r>
+              <a:rPr/>
+              <a:t>myself.</a:t>
+            </a:r>
+          </a:p>
+        </p:txBody>
+      </p:sp>
+      <p:sp>
+        <p:nvSpPr>
+          <p:cNvPr id="4" name="Slide Number Placeholder 3"/>
+          <p:cNvSpPr>
+            <a:spLocks noGrp="1"/>
+          </p:cNvSpPr>
+          <p:nvPr>
+            <p:ph type="sldNum" sz="quarter" idx="10"/>
+          </p:nvPr>
+        </p:nvSpPr>
+        <p:spPr/>
+        <p:txBody>
+          <a:bodyPr/>
+          <a:lstStyle/>
+          <a:p>
+            <a:fld id="{18BDFEC3-8487-43E8-A154-7C12CBC1FFF2}" type="slidenum">
+              <a:rPr lang="en-US"/>
+              <a:t>2</a:t>
+            </a:fld>
+            <a:endParaRPr lang="en-US"/>
+          </a:p>
+        </p:txBody>
+      </p:sp>
+    </p:spTree>
+  </p:cSld>
+</p:notes>
+</file>
+
+<file path=ppt/notesSlides/notesSlide10.xml><?xml version="1.0" encoding="utf-8"?>
+<p:notes xmlns:a="http://schemas.openxmlformats.org/drawingml/2006/main" xmlns:r="http://schemas.openxmlformats.org/officeDocument/2006/relationships" xmlns:p="http://schemas.openxmlformats.org/presentationml/2006/main">
+  <p:cSld>
+    <p:spTree>
+      <p:nvGrpSpPr>
+        <p:cNvPr id="1" name=""/>
+        <p:cNvGrpSpPr/>
+        <p:nvPr/>
+      </p:nvGrpSpPr>
+      <p:grpSpPr>
+        <a:xfrm>
+          <a:off x="0" y="0"/>
+          <a:ext cx="0" cy="0"/>
+          <a:chOff x="0" y="0"/>
+          <a:chExt cx="0" cy="0"/>
+        </a:xfrm>
+      </p:grpSpPr>
+      <p:sp>
+        <p:nvSpPr>
+          <p:cNvPr id="2" name="Slide Image Placeholder 1"/>
+          <p:cNvSpPr>
+            <a:spLocks noGrp="1" noRot="1" noChangeAspect="1"/>
+          </p:cNvSpPr>
+          <p:nvPr>
+            <p:ph type="sldImg"/>
+          </p:nvPr>
+        </p:nvSpPr>
+        <p:spPr/>
+      </p:sp>
+      <p:sp>
+        <p:nvSpPr>
+          <p:cNvPr id="3" name="Notes Placeholder 2"/>
+          <p:cNvSpPr>
+            <a:spLocks noGrp="1"/>
+          </p:cNvSpPr>
+          <p:nvPr>
+            <p:ph type="body" idx="1"/>
+          </p:nvPr>
+        </p:nvSpPr>
+        <p:spPr/>
+        <p:txBody>
+          <a:bodyPr/>
+          <a:lstStyle/>
+          <a:p>
+            <a:pPr lvl="0" marL="0" indent="0">
+              <a:buNone/>
+            </a:pPr>
+            <a:r>
+              <a:rPr/>
+              <a:t>I</a:t>
+            </a:r>
+            <a:r>
+              <a:rPr/>
+              <a:t> </a:t>
+            </a:r>
+            <a:r>
+              <a:rPr/>
+              <a:t>love</a:t>
+            </a:r>
+            <a:r>
+              <a:rPr/>
+              <a:t> </a:t>
+            </a:r>
+            <a:r>
+              <a:rPr/>
+              <a:t>giving</a:t>
+            </a:r>
+            <a:r>
+              <a:rPr/>
+              <a:t> </a:t>
+            </a:r>
+            <a:r>
+              <a:rPr/>
+              <a:t>talks</a:t>
+            </a:r>
+            <a:r>
+              <a:rPr/>
+              <a:t> </a:t>
+            </a:r>
+            <a:r>
+              <a:rPr/>
+              <a:t>like</a:t>
+            </a:r>
+            <a:r>
+              <a:rPr/>
+              <a:t> </a:t>
+            </a:r>
+            <a:r>
+              <a:rPr/>
+              <a:t>this</a:t>
+            </a:r>
+            <a:r>
+              <a:rPr/>
+              <a:t> </a:t>
+            </a:r>
+            <a:r>
+              <a:rPr/>
+              <a:t>one</a:t>
+            </a:r>
+            <a:r>
+              <a:rPr/>
+              <a:t> </a:t>
+            </a:r>
+            <a:r>
+              <a:rPr/>
+              <a:t>and</a:t>
+            </a:r>
+            <a:r>
+              <a:rPr/>
+              <a:t> </a:t>
+            </a:r>
+            <a:r>
+              <a:rPr/>
+              <a:t>once</a:t>
+            </a:r>
+            <a:r>
+              <a:rPr/>
+              <a:t> </a:t>
+            </a:r>
+            <a:r>
+              <a:rPr/>
+              <a:t>the</a:t>
+            </a:r>
+            <a:r>
+              <a:rPr/>
+              <a:t> </a:t>
+            </a:r>
+            <a:r>
+              <a:rPr/>
+              <a:t>Pandemic</a:t>
+            </a:r>
+            <a:r>
+              <a:rPr/>
+              <a:t> </a:t>
+            </a:r>
+            <a:r>
+              <a:rPr/>
+              <a:t>has</a:t>
+            </a:r>
+            <a:r>
+              <a:rPr/>
+              <a:t> </a:t>
+            </a:r>
+            <a:r>
+              <a:rPr/>
+              <a:t>ended,</a:t>
+            </a:r>
+            <a:r>
+              <a:rPr/>
+              <a:t> </a:t>
+            </a:r>
+            <a:r>
+              <a:rPr/>
+              <a:t>I</a:t>
+            </a:r>
+            <a:r>
+              <a:rPr/>
+              <a:t> </a:t>
+            </a:r>
+            <a:r>
+              <a:rPr/>
+              <a:t>would</a:t>
+            </a:r>
+            <a:r>
+              <a:rPr/>
+              <a:t> </a:t>
+            </a:r>
+            <a:r>
+              <a:rPr/>
+              <a:t>love</a:t>
+            </a:r>
+            <a:r>
+              <a:rPr/>
+              <a:t> </a:t>
+            </a:r>
+            <a:r>
+              <a:rPr/>
+              <a:t>getting</a:t>
+            </a:r>
+            <a:r>
+              <a:rPr/>
+              <a:t> </a:t>
+            </a:r>
+            <a:r>
+              <a:rPr/>
+              <a:t>up</a:t>
+            </a:r>
+            <a:r>
+              <a:rPr/>
+              <a:t> </a:t>
+            </a:r>
+            <a:r>
+              <a:rPr/>
+              <a:t>to</a:t>
+            </a:r>
+            <a:r>
+              <a:rPr/>
+              <a:t> </a:t>
+            </a:r>
+            <a:r>
+              <a:rPr/>
+              <a:t>Omaha</a:t>
+            </a:r>
+            <a:r>
+              <a:rPr/>
+              <a:t> </a:t>
+            </a:r>
+            <a:r>
+              <a:rPr/>
+              <a:t>or</a:t>
+            </a:r>
+            <a:r>
+              <a:rPr/>
+              <a:t> </a:t>
+            </a:r>
+            <a:r>
+              <a:rPr/>
+              <a:t>Lincoln</a:t>
+            </a:r>
+            <a:r>
+              <a:rPr/>
+              <a:t> </a:t>
+            </a:r>
+            <a:r>
+              <a:rPr/>
+              <a:t>to</a:t>
+            </a:r>
+            <a:r>
+              <a:rPr/>
+              <a:t> </a:t>
+            </a:r>
+            <a:r>
+              <a:rPr/>
+              <a:t>talk</a:t>
+            </a:r>
+            <a:r>
+              <a:rPr/>
+              <a:t> </a:t>
+            </a:r>
+            <a:r>
+              <a:rPr/>
+              <a:t>more</a:t>
+            </a:r>
+            <a:r>
+              <a:rPr/>
+              <a:t> </a:t>
+            </a:r>
+            <a:r>
+              <a:rPr/>
+              <a:t>about</a:t>
+            </a:r>
+            <a:r>
+              <a:rPr/>
+              <a:t> </a:t>
+            </a:r>
+            <a:r>
+              <a:rPr/>
+              <a:t>my</a:t>
+            </a:r>
+            <a:r>
+              <a:rPr/>
+              <a:t> </a:t>
+            </a:r>
+            <a:r>
+              <a:rPr/>
+              <a:t>research</a:t>
+            </a:r>
+            <a:r>
+              <a:rPr/>
+              <a:t> </a:t>
+            </a:r>
+            <a:r>
+              <a:rPr/>
+              <a:t>interests.</a:t>
+            </a:r>
+          </a:p>
+        </p:txBody>
+      </p:sp>
+      <p:sp>
+        <p:nvSpPr>
+          <p:cNvPr id="4" name="Slide Number Placeholder 3"/>
+          <p:cNvSpPr>
+            <a:spLocks noGrp="1"/>
+          </p:cNvSpPr>
+          <p:nvPr>
+            <p:ph type="sldNum" sz="quarter" idx="10"/>
+          </p:nvPr>
+        </p:nvSpPr>
+        <p:spPr/>
+        <p:txBody>
+          <a:bodyPr/>
+          <a:lstStyle/>
+          <a:p>
+            <a:fld id="{18BDFEC3-8487-43E8-A154-7C12CBC1FFF2}" type="slidenum">
+              <a:rPr lang="en-US"/>
+              <a:t>11</a:t>
+            </a:fld>
+            <a:endParaRPr lang="en-US"/>
+          </a:p>
+        </p:txBody>
+      </p:sp>
+    </p:spTree>
+  </p:cSld>
+</p:notes>
+</file>
+
+<file path=ppt/notesSlides/notesSlide11.xml><?xml version="1.0" encoding="utf-8"?>
+<p:notes xmlns:a="http://schemas.openxmlformats.org/drawingml/2006/main" xmlns:r="http://schemas.openxmlformats.org/officeDocument/2006/relationships" xmlns:p="http://schemas.openxmlformats.org/presentationml/2006/main">
+  <p:cSld>
+    <p:spTree>
+      <p:nvGrpSpPr>
+        <p:cNvPr id="1" name=""/>
+        <p:cNvGrpSpPr/>
+        <p:nvPr/>
+      </p:nvGrpSpPr>
+      <p:grpSpPr>
+        <a:xfrm>
+          <a:off x="0" y="0"/>
+          <a:ext cx="0" cy="0"/>
+          <a:chOff x="0" y="0"/>
+          <a:chExt cx="0" cy="0"/>
+        </a:xfrm>
+      </p:grpSpPr>
+      <p:sp>
+        <p:nvSpPr>
+          <p:cNvPr id="2" name="Slide Image Placeholder 1"/>
+          <p:cNvSpPr>
+            <a:spLocks noGrp="1" noRot="1" noChangeAspect="1"/>
+          </p:cNvSpPr>
+          <p:nvPr>
+            <p:ph type="sldImg"/>
+          </p:nvPr>
+        </p:nvSpPr>
+        <p:spPr/>
+      </p:sp>
+      <p:sp>
+        <p:nvSpPr>
+          <p:cNvPr id="3" name="Notes Placeholder 2"/>
+          <p:cNvSpPr>
+            <a:spLocks noGrp="1"/>
+          </p:cNvSpPr>
+          <p:nvPr>
+            <p:ph type="body" idx="1"/>
+          </p:nvPr>
+        </p:nvSpPr>
+        <p:spPr/>
+        <p:txBody>
+          <a:bodyPr/>
+          <a:lstStyle/>
+          <a:p>
+            <a:pPr lvl="0" marL="0" indent="0">
+              <a:buNone/>
+            </a:pPr>
+            <a:r>
+              <a:rPr/>
+              <a:t>I’m</a:t>
+            </a:r>
+            <a:r>
+              <a:rPr/>
+              <a:t> </a:t>
+            </a:r>
+            <a:r>
+              <a:rPr/>
+              <a:t>pretty</a:t>
+            </a:r>
+            <a:r>
+              <a:rPr/>
+              <a:t> </a:t>
+            </a:r>
+            <a:r>
+              <a:rPr/>
+              <a:t>happy</a:t>
+            </a:r>
+            <a:r>
+              <a:rPr/>
+              <a:t> </a:t>
+            </a:r>
+            <a:r>
+              <a:rPr/>
+              <a:t>where</a:t>
+            </a:r>
+            <a:r>
+              <a:rPr/>
+              <a:t> </a:t>
+            </a:r>
+            <a:r>
+              <a:rPr/>
+              <a:t>I</a:t>
+            </a:r>
+            <a:r>
+              <a:rPr/>
+              <a:t> </a:t>
+            </a:r>
+            <a:r>
+              <a:rPr/>
+              <a:t>am,</a:t>
+            </a:r>
+            <a:r>
+              <a:rPr/>
+              <a:t> </a:t>
+            </a:r>
+            <a:r>
+              <a:rPr/>
+              <a:t>but</a:t>
+            </a:r>
+            <a:r>
+              <a:rPr/>
+              <a:t> </a:t>
+            </a:r>
+            <a:r>
+              <a:rPr/>
+              <a:t>certainly</a:t>
+            </a:r>
+            <a:r>
+              <a:rPr/>
+              <a:t> </a:t>
+            </a:r>
+            <a:r>
+              <a:rPr/>
+              <a:t>would</a:t>
+            </a:r>
+            <a:r>
+              <a:rPr/>
+              <a:t> </a:t>
+            </a:r>
+            <a:r>
+              <a:rPr/>
+              <a:t>not</a:t>
+            </a:r>
+            <a:r>
+              <a:rPr/>
+              <a:t> </a:t>
+            </a:r>
+            <a:r>
+              <a:rPr/>
+              <a:t>mind</a:t>
+            </a:r>
+            <a:r>
+              <a:rPr/>
+              <a:t> </a:t>
+            </a:r>
+            <a:r>
+              <a:rPr/>
+              <a:t>hearing</a:t>
+            </a:r>
+            <a:r>
+              <a:rPr/>
+              <a:t> </a:t>
+            </a:r>
+            <a:r>
+              <a:rPr/>
+              <a:t>about</a:t>
+            </a:r>
+            <a:r>
+              <a:rPr/>
+              <a:t> </a:t>
+            </a:r>
+            <a:r>
+              <a:rPr/>
+              <a:t>other</a:t>
+            </a:r>
+            <a:r>
+              <a:rPr/>
+              <a:t> </a:t>
+            </a:r>
+            <a:r>
+              <a:rPr/>
+              <a:t>opportunities</a:t>
+            </a:r>
+            <a:r>
+              <a:rPr/>
+              <a:t> </a:t>
+            </a:r>
+            <a:r>
+              <a:rPr/>
+              <a:t>if</a:t>
+            </a:r>
+            <a:r>
+              <a:rPr/>
+              <a:t> </a:t>
+            </a:r>
+            <a:r>
+              <a:rPr/>
+              <a:t>there</a:t>
+            </a:r>
+            <a:r>
+              <a:rPr/>
+              <a:t> </a:t>
+            </a:r>
+            <a:r>
+              <a:rPr/>
+              <a:t>is</a:t>
+            </a:r>
+            <a:r>
+              <a:rPr/>
+              <a:t> </a:t>
+            </a:r>
+            <a:r>
+              <a:rPr/>
+              <a:t>a</a:t>
+            </a:r>
+            <a:r>
+              <a:rPr/>
+              <a:t> </a:t>
+            </a:r>
+            <a:r>
+              <a:rPr/>
+              <a:t>good</a:t>
+            </a:r>
+            <a:r>
+              <a:rPr/>
+              <a:t> </a:t>
+            </a:r>
+            <a:r>
+              <a:rPr/>
+              <a:t>fit.</a:t>
+            </a:r>
+            <a:r>
+              <a:rPr/>
+              <a:t> </a:t>
+            </a:r>
+            <a:r>
+              <a:rPr/>
+              <a:t>But</a:t>
+            </a:r>
+            <a:r>
+              <a:rPr/>
+              <a:t> </a:t>
+            </a:r>
+            <a:r>
+              <a:rPr/>
+              <a:t>I</a:t>
+            </a:r>
+            <a:r>
+              <a:rPr/>
+              <a:t> </a:t>
+            </a:r>
+            <a:r>
+              <a:rPr/>
+              <a:t>promised</a:t>
+            </a:r>
+            <a:r>
+              <a:rPr/>
+              <a:t> </a:t>
+            </a:r>
+            <a:r>
+              <a:rPr/>
+              <a:t>that</a:t>
+            </a:r>
+            <a:r>
+              <a:rPr/>
+              <a:t> </a:t>
+            </a:r>
+            <a:r>
+              <a:rPr/>
+              <a:t>if</a:t>
+            </a:r>
+            <a:r>
+              <a:rPr/>
+              <a:t> </a:t>
+            </a:r>
+            <a:r>
+              <a:rPr/>
+              <a:t>one</a:t>
+            </a:r>
+            <a:r>
+              <a:rPr/>
+              <a:t> </a:t>
+            </a:r>
+            <a:r>
+              <a:rPr/>
+              <a:t>of</a:t>
+            </a:r>
+            <a:r>
+              <a:rPr/>
+              <a:t> </a:t>
+            </a:r>
+            <a:r>
+              <a:rPr/>
+              <a:t>you</a:t>
+            </a:r>
+            <a:r>
+              <a:rPr/>
+              <a:t> </a:t>
+            </a:r>
+            <a:r>
+              <a:rPr/>
+              <a:t>applies</a:t>
+            </a:r>
+            <a:r>
+              <a:rPr/>
+              <a:t> </a:t>
+            </a:r>
+            <a:r>
+              <a:rPr/>
+              <a:t>for</a:t>
+            </a:r>
+            <a:r>
+              <a:rPr/>
+              <a:t> </a:t>
+            </a:r>
+            <a:r>
+              <a:rPr/>
+              <a:t>the</a:t>
+            </a:r>
+            <a:r>
+              <a:rPr/>
+              <a:t> </a:t>
+            </a:r>
+            <a:r>
+              <a:rPr/>
+              <a:t>same</a:t>
+            </a:r>
+            <a:r>
+              <a:rPr/>
+              <a:t> </a:t>
+            </a:r>
+            <a:r>
+              <a:rPr/>
+              <a:t>job,</a:t>
+            </a:r>
+            <a:r>
+              <a:rPr/>
+              <a:t> </a:t>
+            </a:r>
+            <a:r>
+              <a:rPr/>
+              <a:t>I</a:t>
+            </a:r>
+            <a:r>
+              <a:rPr/>
+              <a:t> </a:t>
+            </a:r>
+            <a:r>
+              <a:rPr/>
+              <a:t>will</a:t>
+            </a:r>
+            <a:r>
+              <a:rPr/>
+              <a:t> </a:t>
+            </a:r>
+            <a:r>
+              <a:rPr/>
+              <a:t>put</a:t>
+            </a:r>
+            <a:r>
+              <a:rPr/>
+              <a:t> </a:t>
+            </a:r>
+            <a:r>
+              <a:rPr/>
+              <a:t>in</a:t>
+            </a:r>
+            <a:r>
+              <a:rPr/>
+              <a:t> </a:t>
+            </a:r>
+            <a:r>
+              <a:rPr/>
+              <a:t>a</a:t>
+            </a:r>
+            <a:r>
+              <a:rPr/>
+              <a:t> </a:t>
+            </a:r>
+            <a:r>
+              <a:rPr/>
+              <a:t>good</a:t>
+            </a:r>
+            <a:r>
+              <a:rPr/>
+              <a:t> </a:t>
+            </a:r>
+            <a:r>
+              <a:rPr/>
+              <a:t>word</a:t>
+            </a:r>
+            <a:r>
+              <a:rPr/>
+              <a:t> </a:t>
+            </a:r>
+            <a:r>
+              <a:rPr/>
+              <a:t>on</a:t>
+            </a:r>
+            <a:r>
+              <a:rPr/>
+              <a:t> </a:t>
+            </a:r>
+            <a:r>
+              <a:rPr/>
+              <a:t>your</a:t>
+            </a:r>
+            <a:r>
+              <a:rPr/>
+              <a:t> </a:t>
+            </a:r>
+            <a:r>
+              <a:rPr/>
+              <a:t>behalf.</a:t>
+            </a:r>
+          </a:p>
+        </p:txBody>
+      </p:sp>
+      <p:sp>
+        <p:nvSpPr>
+          <p:cNvPr id="4" name="Slide Number Placeholder 3"/>
+          <p:cNvSpPr>
+            <a:spLocks noGrp="1"/>
+          </p:cNvSpPr>
+          <p:nvPr>
+            <p:ph type="sldNum" sz="quarter" idx="10"/>
+          </p:nvPr>
+        </p:nvSpPr>
+        <p:spPr/>
+        <p:txBody>
+          <a:bodyPr/>
+          <a:lstStyle/>
+          <a:p>
+            <a:fld id="{18BDFEC3-8487-43E8-A154-7C12CBC1FFF2}" type="slidenum">
+              <a:rPr lang="en-US"/>
+              <a:t>12</a:t>
+            </a:fld>
+            <a:endParaRPr lang="en-US"/>
+          </a:p>
+        </p:txBody>
+      </p:sp>
+    </p:spTree>
+  </p:cSld>
+</p:notes>
+</file>
+
+<file path=ppt/notesSlides/notesSlide12.xml><?xml version="1.0" encoding="utf-8"?>
+<p:notes xmlns:a="http://schemas.openxmlformats.org/drawingml/2006/main" xmlns:r="http://schemas.openxmlformats.org/officeDocument/2006/relationships" xmlns:p="http://schemas.openxmlformats.org/presentationml/2006/main">
+  <p:cSld>
+    <p:spTree>
+      <p:nvGrpSpPr>
+        <p:cNvPr id="1" name=""/>
+        <p:cNvGrpSpPr/>
+        <p:nvPr/>
+      </p:nvGrpSpPr>
+      <p:grpSpPr>
+        <a:xfrm>
+          <a:off x="0" y="0"/>
+          <a:ext cx="0" cy="0"/>
+          <a:chOff x="0" y="0"/>
+          <a:chExt cx="0" cy="0"/>
+        </a:xfrm>
+      </p:grpSpPr>
+      <p:sp>
+        <p:nvSpPr>
+          <p:cNvPr id="2" name="Slide Image Placeholder 1"/>
+          <p:cNvSpPr>
+            <a:spLocks noGrp="1" noRot="1" noChangeAspect="1"/>
+          </p:cNvSpPr>
+          <p:nvPr>
+            <p:ph type="sldImg"/>
+          </p:nvPr>
+        </p:nvSpPr>
+        <p:spPr/>
+      </p:sp>
+      <p:sp>
+        <p:nvSpPr>
+          <p:cNvPr id="3" name="Notes Placeholder 2"/>
+          <p:cNvSpPr>
+            <a:spLocks noGrp="1"/>
+          </p:cNvSpPr>
+          <p:nvPr>
+            <p:ph type="body" idx="1"/>
+          </p:nvPr>
+        </p:nvSpPr>
+        <p:spPr/>
+        <p:txBody>
+          <a:bodyPr/>
+          <a:lstStyle/>
+          <a:p>
+            <a:pPr lvl="0" marL="0" indent="0">
+              <a:buNone/>
+            </a:pPr>
+            <a:r>
+              <a:rPr/>
+              <a:t>I</a:t>
+            </a:r>
+            <a:r>
+              <a:rPr/>
+              <a:t> </a:t>
+            </a:r>
+            <a:r>
+              <a:rPr/>
+              <a:t>have</a:t>
+            </a:r>
+            <a:r>
+              <a:rPr/>
+              <a:t> </a:t>
+            </a:r>
+            <a:r>
+              <a:rPr/>
+              <a:t>to</a:t>
+            </a:r>
+            <a:r>
+              <a:rPr/>
+              <a:t> </a:t>
+            </a:r>
+            <a:r>
+              <a:rPr/>
+              <a:t>cite</a:t>
+            </a:r>
+            <a:r>
+              <a:rPr/>
+              <a:t> </a:t>
+            </a:r>
+            <a:r>
+              <a:rPr/>
+              <a:t>two</a:t>
+            </a:r>
+            <a:r>
+              <a:rPr/>
+              <a:t> </a:t>
+            </a:r>
+            <a:r>
+              <a:rPr/>
+              <a:t>extremes.</a:t>
+            </a:r>
+            <a:r>
+              <a:rPr/>
+              <a:t> </a:t>
+            </a:r>
+            <a:r>
+              <a:rPr/>
+              <a:t>The</a:t>
+            </a:r>
+            <a:r>
+              <a:rPr/>
+              <a:t> </a:t>
+            </a:r>
+            <a:r>
+              <a:rPr/>
+              <a:t>first</a:t>
+            </a:r>
+            <a:r>
+              <a:rPr/>
+              <a:t> </a:t>
+            </a:r>
+            <a:r>
+              <a:rPr/>
+              <a:t>set</a:t>
+            </a:r>
+            <a:r>
+              <a:rPr/>
+              <a:t> </a:t>
+            </a:r>
+            <a:r>
+              <a:rPr/>
+              <a:t>of</a:t>
+            </a:r>
+            <a:r>
+              <a:rPr/>
+              <a:t> </a:t>
+            </a:r>
+            <a:r>
+              <a:rPr/>
+              <a:t>classes</a:t>
+            </a:r>
+            <a:r>
+              <a:rPr/>
+              <a:t> </a:t>
+            </a:r>
+            <a:r>
+              <a:rPr/>
+              <a:t>that</a:t>
+            </a:r>
+            <a:r>
+              <a:rPr/>
+              <a:t> </a:t>
+            </a:r>
+            <a:r>
+              <a:rPr/>
+              <a:t>I</a:t>
+            </a:r>
+            <a:r>
+              <a:rPr/>
+              <a:t> </a:t>
+            </a:r>
+            <a:r>
+              <a:rPr/>
+              <a:t>got</a:t>
+            </a:r>
+            <a:r>
+              <a:rPr/>
+              <a:t> </a:t>
+            </a:r>
+            <a:r>
+              <a:rPr/>
+              <a:t>the</a:t>
+            </a:r>
+            <a:r>
+              <a:rPr/>
+              <a:t> </a:t>
+            </a:r>
+            <a:r>
+              <a:rPr/>
+              <a:t>most</a:t>
+            </a:r>
+            <a:r>
+              <a:rPr/>
+              <a:t> </a:t>
+            </a:r>
+            <a:r>
+              <a:rPr/>
+              <a:t>out</a:t>
+            </a:r>
+            <a:r>
+              <a:rPr/>
+              <a:t> </a:t>
+            </a:r>
+            <a:r>
+              <a:rPr/>
+              <a:t>of</a:t>
+            </a:r>
+            <a:r>
+              <a:rPr/>
+              <a:t> </a:t>
+            </a:r>
+            <a:r>
+              <a:rPr/>
+              <a:t>were</a:t>
+            </a:r>
+            <a:r>
+              <a:rPr/>
+              <a:t> </a:t>
+            </a:r>
+            <a:r>
+              <a:rPr/>
+              <a:t>the</a:t>
+            </a:r>
+            <a:r>
+              <a:rPr/>
+              <a:t> </a:t>
+            </a:r>
+            <a:r>
+              <a:rPr/>
+              <a:t>very</a:t>
+            </a:r>
+            <a:r>
+              <a:rPr/>
+              <a:t> </a:t>
+            </a:r>
+            <a:r>
+              <a:rPr/>
+              <a:t>applied</a:t>
+            </a:r>
+            <a:r>
+              <a:rPr/>
+              <a:t> </a:t>
+            </a:r>
+            <a:r>
+              <a:rPr/>
+              <a:t>Statistics</a:t>
+            </a:r>
+            <a:r>
+              <a:rPr/>
+              <a:t> </a:t>
+            </a:r>
+            <a:r>
+              <a:rPr/>
+              <a:t>classes</a:t>
+            </a:r>
+            <a:r>
+              <a:rPr/>
+              <a:t> </a:t>
+            </a:r>
+            <a:r>
+              <a:rPr/>
+              <a:t>that</a:t>
+            </a:r>
+            <a:r>
+              <a:rPr/>
+              <a:t> </a:t>
+            </a:r>
+            <a:r>
+              <a:rPr/>
+              <a:t>I</a:t>
+            </a:r>
+            <a:r>
+              <a:rPr/>
+              <a:t> </a:t>
+            </a:r>
+            <a:r>
+              <a:rPr/>
+              <a:t>took</a:t>
+            </a:r>
+            <a:r>
+              <a:rPr/>
+              <a:t> </a:t>
+            </a:r>
+            <a:r>
+              <a:rPr/>
+              <a:t>from</a:t>
+            </a:r>
+            <a:r>
+              <a:rPr/>
+              <a:t> </a:t>
+            </a:r>
+            <a:r>
+              <a:rPr/>
+              <a:t>outside</a:t>
+            </a:r>
+            <a:r>
+              <a:rPr/>
+              <a:t> </a:t>
+            </a:r>
+            <a:r>
+              <a:rPr/>
+              <a:t>the</a:t>
+            </a:r>
+            <a:r>
+              <a:rPr/>
+              <a:t> </a:t>
+            </a:r>
+            <a:r>
+              <a:rPr/>
+              <a:t>Department</a:t>
+            </a:r>
+            <a:r>
+              <a:rPr/>
+              <a:t> </a:t>
+            </a:r>
+            <a:r>
+              <a:rPr/>
+              <a:t>of</a:t>
+            </a:r>
+            <a:r>
+              <a:rPr/>
+              <a:t> </a:t>
+            </a:r>
+            <a:r>
+              <a:rPr/>
+              <a:t>Statistics</a:t>
+            </a:r>
+            <a:r>
+              <a:rPr/>
+              <a:t> </a:t>
+            </a:r>
+            <a:r>
+              <a:rPr/>
+              <a:t>at</a:t>
+            </a:r>
+            <a:r>
+              <a:rPr/>
+              <a:t> </a:t>
+            </a:r>
+            <a:r>
+              <a:rPr/>
+              <a:t>Iowa.</a:t>
+            </a:r>
+            <a:r>
+              <a:rPr/>
+              <a:t> </a:t>
+            </a:r>
+            <a:r>
+              <a:rPr/>
+              <a:t>There</a:t>
+            </a:r>
+            <a:r>
+              <a:rPr/>
+              <a:t> </a:t>
+            </a:r>
+            <a:r>
+              <a:rPr/>
+              <a:t>were</a:t>
+            </a:r>
+            <a:r>
+              <a:rPr/>
+              <a:t> </a:t>
+            </a:r>
+            <a:r>
+              <a:rPr/>
+              <a:t>two</a:t>
+            </a:r>
+            <a:r>
+              <a:rPr/>
+              <a:t> </a:t>
+            </a:r>
+            <a:r>
+              <a:rPr/>
+              <a:t>classes</a:t>
+            </a:r>
+            <a:r>
+              <a:rPr/>
+              <a:t> </a:t>
+            </a:r>
+            <a:r>
+              <a:rPr/>
+              <a:t>in</a:t>
+            </a:r>
+            <a:r>
+              <a:rPr/>
+              <a:t> </a:t>
+            </a:r>
+            <a:r>
+              <a:rPr/>
+              <a:t>Biostatistics:</a:t>
+            </a:r>
+            <a:r>
+              <a:rPr/>
+              <a:t> </a:t>
+            </a:r>
+            <a:r>
+              <a:rPr/>
+              <a:t>Categorical</a:t>
+            </a:r>
+            <a:r>
+              <a:rPr/>
+              <a:t> </a:t>
+            </a:r>
+            <a:r>
+              <a:rPr/>
+              <a:t>Data</a:t>
+            </a:r>
+            <a:r>
+              <a:rPr/>
+              <a:t> </a:t>
+            </a:r>
+            <a:r>
+              <a:rPr/>
+              <a:t>Analysis</a:t>
+            </a:r>
+            <a:r>
+              <a:rPr/>
+              <a:t> </a:t>
+            </a:r>
+            <a:r>
+              <a:rPr/>
+              <a:t>and</a:t>
+            </a:r>
+            <a:r>
+              <a:rPr/>
+              <a:t> </a:t>
+            </a:r>
+            <a:r>
+              <a:rPr/>
+              <a:t>Survival</a:t>
+            </a:r>
+            <a:r>
+              <a:rPr/>
+              <a:t> </a:t>
+            </a:r>
+            <a:r>
+              <a:rPr/>
+              <a:t>Analysis,</a:t>
+            </a:r>
+            <a:r>
+              <a:rPr/>
+              <a:t> </a:t>
+            </a:r>
+            <a:r>
+              <a:rPr/>
+              <a:t>and</a:t>
+            </a:r>
+            <a:r>
+              <a:rPr/>
+              <a:t> </a:t>
+            </a:r>
+            <a:r>
+              <a:rPr/>
+              <a:t>one</a:t>
+            </a:r>
+            <a:r>
+              <a:rPr/>
+              <a:t> </a:t>
+            </a:r>
+            <a:r>
+              <a:rPr/>
+              <a:t>in</a:t>
+            </a:r>
+            <a:r>
+              <a:rPr/>
+              <a:t> </a:t>
+            </a:r>
+            <a:r>
+              <a:rPr/>
+              <a:t>Education,</a:t>
+            </a:r>
+            <a:r>
+              <a:rPr/>
+              <a:t> </a:t>
+            </a:r>
+            <a:r>
+              <a:rPr/>
+              <a:t>Scaling</a:t>
+            </a:r>
+            <a:r>
+              <a:rPr/>
+              <a:t> </a:t>
+            </a:r>
+            <a:r>
+              <a:rPr/>
+              <a:t>methods.</a:t>
+            </a:r>
+            <a:r>
+              <a:rPr/>
+              <a:t> </a:t>
+            </a:r>
+            <a:r>
+              <a:rPr/>
+              <a:t>These</a:t>
+            </a:r>
+            <a:r>
+              <a:rPr/>
+              <a:t> </a:t>
+            </a:r>
+            <a:r>
+              <a:rPr/>
+              <a:t>helped</a:t>
+            </a:r>
+            <a:r>
+              <a:rPr/>
+              <a:t> </a:t>
+            </a:r>
+            <a:r>
+              <a:rPr/>
+              <a:t>me</a:t>
+            </a:r>
+            <a:r>
+              <a:rPr/>
+              <a:t> </a:t>
+            </a:r>
+            <a:r>
+              <a:rPr/>
+              <a:t>see</a:t>
+            </a:r>
+            <a:r>
+              <a:rPr/>
+              <a:t> </a:t>
+            </a:r>
+            <a:r>
+              <a:rPr/>
+              <a:t>better</a:t>
+            </a:r>
+            <a:r>
+              <a:rPr/>
+              <a:t> </a:t>
+            </a:r>
+            <a:r>
+              <a:rPr/>
+              <a:t>how</a:t>
+            </a:r>
+            <a:r>
+              <a:rPr/>
+              <a:t> </a:t>
+            </a:r>
+            <a:r>
+              <a:rPr/>
+              <a:t>the</a:t>
+            </a:r>
+            <a:r>
+              <a:rPr/>
+              <a:t> </a:t>
+            </a:r>
+            <a:r>
+              <a:rPr/>
+              <a:t>broadly</a:t>
+            </a:r>
+            <a:r>
+              <a:rPr/>
+              <a:t> </a:t>
+            </a:r>
+            <a:r>
+              <a:rPr/>
+              <a:t>based</a:t>
+            </a:r>
+            <a:r>
+              <a:rPr/>
+              <a:t> </a:t>
+            </a:r>
+            <a:r>
+              <a:rPr/>
+              <a:t>classes</a:t>
+            </a:r>
+            <a:r>
+              <a:rPr/>
+              <a:t> </a:t>
+            </a:r>
+            <a:r>
+              <a:rPr/>
+              <a:t>in</a:t>
+            </a:r>
+            <a:r>
+              <a:rPr/>
+              <a:t> </a:t>
+            </a:r>
+            <a:r>
+              <a:rPr/>
+              <a:t>my</a:t>
+            </a:r>
+            <a:r>
+              <a:rPr/>
+              <a:t> </a:t>
+            </a:r>
+            <a:r>
+              <a:rPr/>
+              <a:t>own</a:t>
+            </a:r>
+            <a:r>
+              <a:rPr/>
+              <a:t> </a:t>
+            </a:r>
+            <a:r>
+              <a:rPr/>
+              <a:t>department</a:t>
+            </a:r>
+            <a:r>
+              <a:rPr/>
+              <a:t> </a:t>
+            </a:r>
+            <a:r>
+              <a:rPr/>
+              <a:t>could</a:t>
+            </a:r>
+            <a:r>
+              <a:rPr/>
+              <a:t> </a:t>
+            </a:r>
+            <a:r>
+              <a:rPr/>
+              <a:t>be</a:t>
+            </a:r>
+            <a:r>
+              <a:rPr/>
+              <a:t> </a:t>
+            </a:r>
+            <a:r>
+              <a:rPr/>
+              <a:t>applied</a:t>
+            </a:r>
+            <a:r>
+              <a:rPr/>
+              <a:t> </a:t>
+            </a:r>
+            <a:r>
+              <a:rPr/>
+              <a:t>to</a:t>
+            </a:r>
+            <a:r>
+              <a:rPr/>
+              <a:t> </a:t>
+            </a:r>
+            <a:r>
+              <a:rPr/>
+              <a:t>solve</a:t>
+            </a:r>
+            <a:r>
+              <a:rPr/>
+              <a:t> </a:t>
+            </a:r>
+            <a:r>
+              <a:rPr/>
+              <a:t>real</a:t>
+            </a:r>
+            <a:r>
+              <a:rPr/>
+              <a:t> </a:t>
+            </a:r>
+            <a:r>
+              <a:rPr/>
+              <a:t>world</a:t>
+            </a:r>
+            <a:r>
+              <a:rPr/>
+              <a:t> </a:t>
+            </a:r>
+            <a:r>
+              <a:rPr/>
+              <a:t>problems.</a:t>
+            </a:r>
+          </a:p>
+          <a:p>
+            <a:pPr lvl="0" marL="0" indent="0">
+              <a:buNone/>
+            </a:pPr>
+          </a:p>
+          <a:p>
+            <a:pPr lvl="0" marL="0" indent="0">
+              <a:buNone/>
+            </a:pPr>
+            <a:r>
+              <a:rPr/>
+              <a:t>The</a:t>
+            </a:r>
+            <a:r>
+              <a:rPr/>
+              <a:t> </a:t>
+            </a:r>
+            <a:r>
+              <a:rPr/>
+              <a:t>other</a:t>
+            </a:r>
+            <a:r>
+              <a:rPr/>
+              <a:t> </a:t>
+            </a:r>
+            <a:r>
+              <a:rPr/>
+              <a:t>class</a:t>
+            </a:r>
+            <a:r>
+              <a:rPr/>
+              <a:t> </a:t>
+            </a:r>
+            <a:r>
+              <a:rPr/>
+              <a:t>was</a:t>
+            </a:r>
+            <a:r>
+              <a:rPr/>
+              <a:t> </a:t>
+            </a:r>
+            <a:r>
+              <a:rPr/>
+              <a:t>quite</a:t>
+            </a:r>
+            <a:r>
+              <a:rPr/>
+              <a:t> </a:t>
+            </a:r>
+            <a:r>
+              <a:rPr/>
+              <a:t>theoretical,</a:t>
+            </a:r>
+            <a:r>
+              <a:rPr/>
+              <a:t> </a:t>
+            </a:r>
+            <a:r>
+              <a:rPr/>
+              <a:t>and</a:t>
+            </a:r>
+            <a:r>
+              <a:rPr/>
+              <a:t> </a:t>
+            </a:r>
+            <a:r>
+              <a:rPr/>
+              <a:t>it</a:t>
+            </a:r>
+            <a:r>
+              <a:rPr/>
+              <a:t> </a:t>
+            </a:r>
+            <a:r>
+              <a:rPr/>
+              <a:t>helped</a:t>
+            </a:r>
+            <a:r>
+              <a:rPr/>
+              <a:t> </a:t>
+            </a:r>
+            <a:r>
+              <a:rPr/>
+              <a:t>me</a:t>
+            </a:r>
+            <a:r>
+              <a:rPr/>
+              <a:t> </a:t>
+            </a:r>
+            <a:r>
+              <a:rPr/>
+              <a:t>understand</a:t>
+            </a:r>
+            <a:r>
+              <a:rPr/>
+              <a:t> </a:t>
+            </a:r>
+            <a:r>
+              <a:rPr/>
+              <a:t>some</a:t>
+            </a:r>
+            <a:r>
+              <a:rPr/>
+              <a:t> </a:t>
+            </a:r>
+            <a:r>
+              <a:rPr/>
+              <a:t>of</a:t>
+            </a:r>
+            <a:r>
+              <a:rPr/>
+              <a:t> </a:t>
+            </a:r>
+            <a:r>
+              <a:rPr/>
+              <a:t>the</a:t>
+            </a:r>
+            <a:r>
+              <a:rPr/>
+              <a:t> </a:t>
+            </a:r>
+            <a:r>
+              <a:rPr/>
+              <a:t>foundations.</a:t>
+            </a:r>
+            <a:r>
+              <a:rPr/>
+              <a:t> </a:t>
+            </a:r>
+            <a:r>
+              <a:rPr/>
+              <a:t>Knowing</a:t>
+            </a:r>
+            <a:r>
+              <a:rPr/>
+              <a:t> </a:t>
+            </a:r>
+            <a:r>
+              <a:rPr/>
+              <a:t>the</a:t>
+            </a:r>
+            <a:r>
+              <a:rPr/>
+              <a:t> </a:t>
+            </a:r>
+            <a:r>
+              <a:rPr/>
+              <a:t>foundations</a:t>
+            </a:r>
+            <a:r>
+              <a:rPr/>
+              <a:t> </a:t>
+            </a:r>
+            <a:r>
+              <a:rPr/>
+              <a:t>gives</a:t>
+            </a:r>
+            <a:r>
+              <a:rPr/>
+              <a:t> </a:t>
+            </a:r>
+            <a:r>
+              <a:rPr/>
+              <a:t>you</a:t>
+            </a:r>
+            <a:r>
+              <a:rPr/>
+              <a:t> </a:t>
+            </a:r>
+            <a:r>
+              <a:rPr/>
+              <a:t>a</a:t>
+            </a:r>
+            <a:r>
+              <a:rPr/>
+              <a:t> </a:t>
+            </a:r>
+            <a:r>
+              <a:rPr/>
+              <a:t>higher</a:t>
+            </a:r>
+            <a:r>
+              <a:rPr/>
+              <a:t> </a:t>
+            </a:r>
+            <a:r>
+              <a:rPr/>
+              <a:t>level</a:t>
+            </a:r>
+            <a:r>
+              <a:rPr/>
+              <a:t> </a:t>
+            </a:r>
+            <a:r>
+              <a:rPr/>
+              <a:t>of</a:t>
+            </a:r>
+            <a:r>
+              <a:rPr/>
+              <a:t> </a:t>
+            </a:r>
+            <a:r>
+              <a:rPr/>
+              <a:t>confidence</a:t>
+            </a:r>
+            <a:r>
+              <a:rPr/>
+              <a:t> </a:t>
+            </a:r>
+            <a:r>
+              <a:rPr/>
+              <a:t>in</a:t>
+            </a:r>
+            <a:r>
+              <a:rPr/>
+              <a:t> </a:t>
+            </a:r>
+            <a:r>
+              <a:rPr/>
+              <a:t>what</a:t>
+            </a:r>
+            <a:r>
+              <a:rPr/>
+              <a:t> </a:t>
+            </a:r>
+            <a:r>
+              <a:rPr/>
+              <a:t>you</a:t>
+            </a:r>
+            <a:r>
+              <a:rPr/>
+              <a:t> </a:t>
+            </a:r>
+            <a:r>
+              <a:rPr/>
+              <a:t>do.</a:t>
+            </a:r>
+            <a:r>
+              <a:rPr/>
+              <a:t> </a:t>
+            </a:r>
+            <a:r>
+              <a:rPr/>
+              <a:t>You</a:t>
+            </a:r>
+            <a:r>
+              <a:rPr/>
+              <a:t> </a:t>
+            </a:r>
+            <a:r>
+              <a:rPr/>
+              <a:t>know</a:t>
+            </a:r>
+            <a:r>
+              <a:rPr/>
+              <a:t> </a:t>
+            </a:r>
+            <a:r>
+              <a:rPr/>
+              <a:t>both</a:t>
+            </a:r>
+            <a:r>
+              <a:rPr/>
+              <a:t> </a:t>
+            </a:r>
+            <a:r>
+              <a:rPr/>
+              <a:t>the</a:t>
+            </a:r>
+            <a:r>
+              <a:rPr/>
+              <a:t> </a:t>
+            </a:r>
+            <a:r>
+              <a:rPr/>
+              <a:t>how</a:t>
+            </a:r>
+            <a:r>
+              <a:rPr/>
+              <a:t> </a:t>
+            </a:r>
+            <a:r>
+              <a:rPr/>
+              <a:t>and</a:t>
+            </a:r>
+            <a:r>
+              <a:rPr/>
+              <a:t> </a:t>
+            </a:r>
+            <a:r>
+              <a:rPr/>
+              <a:t>why</a:t>
+            </a:r>
+            <a:r>
+              <a:rPr/>
+              <a:t> </a:t>
+            </a:r>
+            <a:r>
+              <a:rPr/>
+              <a:t>of</a:t>
+            </a:r>
+            <a:r>
+              <a:rPr/>
+              <a:t> </a:t>
+            </a:r>
+            <a:r>
+              <a:rPr/>
+              <a:t>what</a:t>
+            </a:r>
+            <a:r>
+              <a:rPr/>
+              <a:t> </a:t>
+            </a:r>
+            <a:r>
+              <a:rPr/>
+              <a:t>you</a:t>
+            </a:r>
+            <a:r>
+              <a:rPr/>
+              <a:t> </a:t>
+            </a:r>
+            <a:r>
+              <a:rPr/>
+              <a:t>do.</a:t>
+            </a:r>
+            <a:r>
+              <a:rPr/>
+              <a:t> </a:t>
+            </a:r>
+            <a:r>
+              <a:rPr/>
+              <a:t>It</a:t>
+            </a:r>
+            <a:r>
+              <a:rPr/>
+              <a:t> </a:t>
+            </a:r>
+            <a:r>
+              <a:rPr/>
+              <a:t>also</a:t>
+            </a:r>
+            <a:r>
+              <a:rPr/>
+              <a:t> </a:t>
+            </a:r>
+            <a:r>
+              <a:rPr/>
+              <a:t>makes</a:t>
+            </a:r>
+            <a:r>
+              <a:rPr/>
+              <a:t> </a:t>
+            </a:r>
+            <a:r>
+              <a:rPr/>
+              <a:t>you</a:t>
+            </a:r>
+            <a:r>
+              <a:rPr/>
+              <a:t> </a:t>
+            </a:r>
+            <a:r>
+              <a:rPr/>
+              <a:t>a</a:t>
+            </a:r>
+            <a:r>
+              <a:rPr/>
+              <a:t> </a:t>
+            </a:r>
+            <a:r>
+              <a:rPr/>
+              <a:t>fast</a:t>
+            </a:r>
+            <a:r>
+              <a:rPr/>
+              <a:t> </a:t>
+            </a:r>
+            <a:r>
+              <a:rPr/>
+              <a:t>learner.</a:t>
+            </a:r>
+            <a:r>
+              <a:rPr/>
+              <a:t> </a:t>
+            </a:r>
+            <a:r>
+              <a:rPr/>
+              <a:t>When</a:t>
+            </a:r>
+            <a:r>
+              <a:rPr/>
+              <a:t> </a:t>
+            </a:r>
+            <a:r>
+              <a:rPr/>
+              <a:t>you</a:t>
+            </a:r>
+            <a:r>
+              <a:rPr/>
+              <a:t> </a:t>
+            </a:r>
+            <a:r>
+              <a:rPr/>
+              <a:t>can</a:t>
+            </a:r>
+            <a:r>
+              <a:rPr/>
+              <a:t> </a:t>
+            </a:r>
+            <a:r>
+              <a:rPr/>
+              <a:t>“</a:t>
+            </a:r>
+            <a:r>
+              <a:rPr/>
+              <a:t>peek</a:t>
+            </a:r>
+            <a:r>
+              <a:rPr/>
+              <a:t> </a:t>
+            </a:r>
+            <a:r>
+              <a:rPr/>
+              <a:t>under</a:t>
+            </a:r>
+            <a:r>
+              <a:rPr/>
+              <a:t> </a:t>
+            </a:r>
+            <a:r>
+              <a:rPr/>
+              <a:t>the</a:t>
+            </a:r>
+            <a:r>
+              <a:rPr/>
+              <a:t> </a:t>
+            </a:r>
+            <a:r>
+              <a:rPr/>
+              <a:t>hood</a:t>
+            </a:r>
+            <a:r>
+              <a:rPr/>
+              <a:t>”</a:t>
+            </a:r>
+            <a:r>
+              <a:rPr/>
+              <a:t> </a:t>
+            </a:r>
+            <a:r>
+              <a:rPr/>
+              <a:t>and</a:t>
+            </a:r>
+            <a:r>
+              <a:rPr/>
+              <a:t> </a:t>
+            </a:r>
+            <a:r>
+              <a:rPr/>
+              <a:t>know</a:t>
+            </a:r>
+            <a:r>
+              <a:rPr/>
+              <a:t> </a:t>
+            </a:r>
+            <a:r>
+              <a:rPr/>
+              <a:t>how</a:t>
+            </a:r>
+            <a:r>
+              <a:rPr/>
+              <a:t> </a:t>
+            </a:r>
+            <a:r>
+              <a:rPr/>
+              <a:t>a</a:t>
+            </a:r>
+            <a:r>
+              <a:rPr/>
+              <a:t> </a:t>
+            </a:r>
+            <a:r>
+              <a:rPr/>
+              <a:t>new</a:t>
+            </a:r>
+            <a:r>
+              <a:rPr/>
+              <a:t> </a:t>
+            </a:r>
+            <a:r>
+              <a:rPr/>
+              <a:t>methodology</a:t>
+            </a:r>
+            <a:r>
+              <a:rPr/>
+              <a:t> </a:t>
+            </a:r>
+            <a:r>
+              <a:rPr/>
+              <a:t>works,</a:t>
+            </a:r>
+            <a:r>
+              <a:rPr/>
+              <a:t> </a:t>
+            </a:r>
+            <a:r>
+              <a:rPr/>
+              <a:t>you</a:t>
+            </a:r>
+            <a:r>
+              <a:rPr/>
+              <a:t> </a:t>
+            </a:r>
+            <a:r>
+              <a:rPr/>
+              <a:t>can</a:t>
+            </a:r>
+            <a:r>
+              <a:rPr/>
+              <a:t> </a:t>
+            </a:r>
+            <a:r>
+              <a:rPr/>
+              <a:t>pick</a:t>
+            </a:r>
+            <a:r>
+              <a:rPr/>
+              <a:t> </a:t>
+            </a:r>
+            <a:r>
+              <a:rPr/>
+              <a:t>up</a:t>
+            </a:r>
+            <a:r>
+              <a:rPr/>
+              <a:t> </a:t>
+            </a:r>
+            <a:r>
+              <a:rPr/>
+              <a:t>that</a:t>
+            </a:r>
+            <a:r>
+              <a:rPr/>
+              <a:t> </a:t>
+            </a:r>
+            <a:r>
+              <a:rPr/>
+              <a:t>new</a:t>
+            </a:r>
+            <a:r>
+              <a:rPr/>
+              <a:t> </a:t>
+            </a:r>
+            <a:r>
+              <a:rPr/>
+              <a:t>methodology</a:t>
+            </a:r>
+            <a:r>
+              <a:rPr/>
+              <a:t> </a:t>
+            </a:r>
+            <a:r>
+              <a:rPr/>
+              <a:t>so</a:t>
+            </a:r>
+            <a:r>
+              <a:rPr/>
+              <a:t> </a:t>
+            </a:r>
+            <a:r>
+              <a:rPr/>
+              <a:t>much</a:t>
+            </a:r>
+            <a:r>
+              <a:rPr/>
+              <a:t> </a:t>
+            </a:r>
+            <a:r>
+              <a:rPr/>
+              <a:t>faster.</a:t>
+            </a:r>
+          </a:p>
+        </p:txBody>
+      </p:sp>
+      <p:sp>
+        <p:nvSpPr>
+          <p:cNvPr id="4" name="Slide Number Placeholder 3"/>
+          <p:cNvSpPr>
+            <a:spLocks noGrp="1"/>
+          </p:cNvSpPr>
+          <p:nvPr>
+            <p:ph type="sldNum" sz="quarter" idx="10"/>
+          </p:nvPr>
+        </p:nvSpPr>
+        <p:spPr/>
+        <p:txBody>
+          <a:bodyPr/>
+          <a:lstStyle/>
+          <a:p>
+            <a:fld id="{18BDFEC3-8487-43E8-A154-7C12CBC1FFF2}" type="slidenum">
+              <a:rPr lang="en-US"/>
+              <a:t>13</a:t>
+            </a:fld>
+            <a:endParaRPr lang="en-US"/>
+          </a:p>
+        </p:txBody>
+      </p:sp>
+    </p:spTree>
+  </p:cSld>
+</p:notes>
+</file>
+
+<file path=ppt/notesSlides/notesSlide13.xml><?xml version="1.0" encoding="utf-8"?>
+<p:notes xmlns:a="http://schemas.openxmlformats.org/drawingml/2006/main" xmlns:r="http://schemas.openxmlformats.org/officeDocument/2006/relationships" xmlns:p="http://schemas.openxmlformats.org/presentationml/2006/main">
+  <p:cSld>
+    <p:spTree>
+      <p:nvGrpSpPr>
+        <p:cNvPr id="1" name=""/>
+        <p:cNvGrpSpPr/>
+        <p:nvPr/>
+      </p:nvGrpSpPr>
+      <p:grpSpPr>
+        <a:xfrm>
+          <a:off x="0" y="0"/>
+          <a:ext cx="0" cy="0"/>
+          <a:chOff x="0" y="0"/>
+          <a:chExt cx="0" cy="0"/>
+        </a:xfrm>
+      </p:grpSpPr>
+      <p:sp>
+        <p:nvSpPr>
+          <p:cNvPr id="2" name="Slide Image Placeholder 1"/>
+          <p:cNvSpPr>
+            <a:spLocks noGrp="1" noRot="1" noChangeAspect="1"/>
+          </p:cNvSpPr>
+          <p:nvPr>
+            <p:ph type="sldImg"/>
+          </p:nvPr>
+        </p:nvSpPr>
+        <p:spPr/>
+      </p:sp>
+      <p:sp>
+        <p:nvSpPr>
+          <p:cNvPr id="3" name="Notes Placeholder 2"/>
+          <p:cNvSpPr>
+            <a:spLocks noGrp="1"/>
+          </p:cNvSpPr>
+          <p:nvPr>
+            <p:ph type="body" idx="1"/>
+          </p:nvPr>
+        </p:nvSpPr>
+        <p:spPr/>
+        <p:txBody>
+          <a:bodyPr/>
+          <a:lstStyle/>
+          <a:p>
+            <a:pPr lvl="0" marL="0" indent="0">
+              <a:buNone/>
+            </a:pPr>
+            <a:r>
+              <a:rPr/>
+              <a:t>There</a:t>
+            </a:r>
+            <a:r>
+              <a:rPr/>
+              <a:t> </a:t>
+            </a:r>
+            <a:r>
+              <a:rPr/>
+              <a:t>are</a:t>
+            </a:r>
+            <a:r>
+              <a:rPr/>
+              <a:t> </a:t>
+            </a:r>
+            <a:r>
+              <a:rPr/>
+              <a:t>a</a:t>
+            </a:r>
+            <a:r>
+              <a:rPr/>
+              <a:t> </a:t>
+            </a:r>
+            <a:r>
+              <a:rPr/>
+              <a:t>lot</a:t>
+            </a:r>
+            <a:r>
+              <a:rPr/>
+              <a:t> </a:t>
+            </a:r>
+            <a:r>
+              <a:rPr/>
+              <a:t>of</a:t>
+            </a:r>
+            <a:r>
+              <a:rPr/>
+              <a:t> </a:t>
+            </a:r>
+            <a:r>
+              <a:rPr/>
+              <a:t>areas</a:t>
+            </a:r>
+            <a:r>
+              <a:rPr/>
+              <a:t> </a:t>
+            </a:r>
+            <a:r>
+              <a:rPr/>
+              <a:t>that</a:t>
+            </a:r>
+            <a:r>
+              <a:rPr/>
+              <a:t> </a:t>
+            </a:r>
+            <a:r>
+              <a:rPr/>
+              <a:t>just</a:t>
+            </a:r>
+            <a:r>
+              <a:rPr/>
+              <a:t> </a:t>
+            </a:r>
+            <a:r>
+              <a:rPr/>
+              <a:t>didn’t</a:t>
+            </a:r>
+            <a:r>
+              <a:rPr/>
+              <a:t> </a:t>
+            </a:r>
+            <a:r>
+              <a:rPr/>
+              <a:t>exist</a:t>
+            </a:r>
+            <a:r>
+              <a:rPr/>
+              <a:t> </a:t>
+            </a:r>
+            <a:r>
+              <a:rPr/>
+              <a:t>when</a:t>
+            </a:r>
+            <a:r>
+              <a:rPr/>
+              <a:t> </a:t>
+            </a:r>
+            <a:r>
+              <a:rPr/>
+              <a:t>I</a:t>
+            </a:r>
+            <a:r>
+              <a:rPr/>
+              <a:t> </a:t>
+            </a:r>
+            <a:r>
+              <a:rPr/>
+              <a:t>went</a:t>
+            </a:r>
+            <a:r>
+              <a:rPr/>
+              <a:t> </a:t>
+            </a:r>
+            <a:r>
+              <a:rPr/>
+              <a:t>to</a:t>
+            </a:r>
+            <a:r>
+              <a:rPr/>
+              <a:t> </a:t>
+            </a:r>
+            <a:r>
+              <a:rPr/>
+              <a:t>school.</a:t>
+            </a:r>
+            <a:r>
+              <a:rPr/>
+              <a:t> </a:t>
+            </a:r>
+            <a:r>
+              <a:rPr/>
+              <a:t>I</a:t>
+            </a:r>
+            <a:r>
+              <a:rPr/>
+              <a:t> </a:t>
+            </a:r>
+            <a:r>
+              <a:rPr/>
+              <a:t>spend</a:t>
+            </a:r>
+            <a:r>
+              <a:rPr/>
+              <a:t> </a:t>
+            </a:r>
+            <a:r>
+              <a:rPr/>
+              <a:t>a</a:t>
+            </a:r>
+            <a:r>
+              <a:rPr/>
+              <a:t> </a:t>
+            </a:r>
+            <a:r>
+              <a:rPr/>
+              <a:t>lot</a:t>
+            </a:r>
+            <a:r>
+              <a:rPr/>
+              <a:t> </a:t>
+            </a:r>
+            <a:r>
+              <a:rPr/>
+              <a:t>of</a:t>
+            </a:r>
+            <a:r>
+              <a:rPr/>
+              <a:t> </a:t>
+            </a:r>
+            <a:r>
+              <a:rPr/>
+              <a:t>time</a:t>
+            </a:r>
+            <a:r>
+              <a:rPr/>
+              <a:t> </a:t>
+            </a:r>
+            <a:r>
+              <a:rPr/>
+              <a:t>on</a:t>
+            </a:r>
+            <a:r>
+              <a:rPr/>
+              <a:t> </a:t>
+            </a:r>
+            <a:r>
+              <a:rPr/>
+              <a:t>continuing</a:t>
+            </a:r>
+            <a:r>
+              <a:rPr/>
+              <a:t> </a:t>
+            </a:r>
+            <a:r>
+              <a:rPr/>
+              <a:t>education.</a:t>
+            </a:r>
+          </a:p>
+        </p:txBody>
+      </p:sp>
+      <p:sp>
+        <p:nvSpPr>
+          <p:cNvPr id="4" name="Slide Number Placeholder 3"/>
+          <p:cNvSpPr>
+            <a:spLocks noGrp="1"/>
+          </p:cNvSpPr>
+          <p:nvPr>
+            <p:ph type="sldNum" sz="quarter" idx="10"/>
+          </p:nvPr>
+        </p:nvSpPr>
+        <p:spPr/>
+        <p:txBody>
+          <a:bodyPr/>
+          <a:lstStyle/>
+          <a:p>
+            <a:fld id="{18BDFEC3-8487-43E8-A154-7C12CBC1FFF2}" type="slidenum">
+              <a:rPr lang="en-US"/>
+              <a:t>14</a:t>
+            </a:fld>
+            <a:endParaRPr lang="en-US"/>
+          </a:p>
+        </p:txBody>
+      </p:sp>
+    </p:spTree>
+  </p:cSld>
+</p:notes>
+</file>
+
+<file path=ppt/notesSlides/notesSlide14.xml><?xml version="1.0" encoding="utf-8"?>
+<p:notes xmlns:a="http://schemas.openxmlformats.org/drawingml/2006/main" xmlns:r="http://schemas.openxmlformats.org/officeDocument/2006/relationships" xmlns:p="http://schemas.openxmlformats.org/presentationml/2006/main">
+  <p:cSld>
+    <p:spTree>
+      <p:nvGrpSpPr>
+        <p:cNvPr id="1" name=""/>
+        <p:cNvGrpSpPr/>
+        <p:nvPr/>
+      </p:nvGrpSpPr>
+      <p:grpSpPr>
+        <a:xfrm>
+          <a:off x="0" y="0"/>
+          <a:ext cx="0" cy="0"/>
+          <a:chOff x="0" y="0"/>
+          <a:chExt cx="0" cy="0"/>
+        </a:xfrm>
+      </p:grpSpPr>
+      <p:sp>
+        <p:nvSpPr>
+          <p:cNvPr id="2" name="Slide Image Placeholder 1"/>
+          <p:cNvSpPr>
+            <a:spLocks noGrp="1" noRot="1" noChangeAspect="1"/>
+          </p:cNvSpPr>
+          <p:nvPr>
+            <p:ph type="sldImg"/>
+          </p:nvPr>
+        </p:nvSpPr>
+        <p:spPr/>
+      </p:sp>
+      <p:sp>
+        <p:nvSpPr>
+          <p:cNvPr id="3" name="Notes Placeholder 2"/>
+          <p:cNvSpPr>
+            <a:spLocks noGrp="1"/>
+          </p:cNvSpPr>
+          <p:nvPr>
+            <p:ph type="body" idx="1"/>
+          </p:nvPr>
+        </p:nvSpPr>
+        <p:spPr/>
+        <p:txBody>
+          <a:bodyPr/>
+          <a:lstStyle/>
+          <a:p>
+            <a:pPr lvl="0" marL="0" indent="0">
+              <a:buNone/>
+            </a:pPr>
+            <a:r>
+              <a:rPr/>
+              <a:t>It</a:t>
+            </a:r>
+            <a:r>
+              <a:rPr/>
+              <a:t> </a:t>
+            </a:r>
+            <a:r>
+              <a:rPr/>
+              <a:t>can</a:t>
+            </a:r>
+            <a:r>
+              <a:rPr/>
+              <a:t> </a:t>
+            </a:r>
+            <a:r>
+              <a:rPr/>
+              <a:t>get</a:t>
+            </a:r>
+            <a:r>
+              <a:rPr/>
+              <a:t> </a:t>
+            </a:r>
+            <a:r>
+              <a:rPr/>
+              <a:t>you</a:t>
+            </a:r>
+            <a:r>
+              <a:rPr/>
+              <a:t> </a:t>
+            </a:r>
+            <a:r>
+              <a:rPr/>
+              <a:t>in</a:t>
+            </a:r>
+            <a:r>
+              <a:rPr/>
+              <a:t> </a:t>
+            </a:r>
+            <a:r>
+              <a:rPr/>
+              <a:t>trouble</a:t>
+            </a:r>
+            <a:r>
+              <a:rPr/>
+              <a:t> </a:t>
+            </a:r>
+            <a:r>
+              <a:rPr/>
+              <a:t>sometimes,</a:t>
+            </a:r>
+            <a:r>
+              <a:rPr/>
+              <a:t> </a:t>
+            </a:r>
+            <a:r>
+              <a:rPr/>
+              <a:t>but</a:t>
+            </a:r>
+            <a:r>
+              <a:rPr/>
+              <a:t> </a:t>
+            </a:r>
+            <a:r>
+              <a:rPr/>
+              <a:t>do</a:t>
+            </a:r>
+            <a:r>
+              <a:rPr/>
+              <a:t> </a:t>
+            </a:r>
+            <a:r>
+              <a:rPr/>
+              <a:t>spend</a:t>
+            </a:r>
+            <a:r>
+              <a:rPr/>
+              <a:t> </a:t>
+            </a:r>
+            <a:r>
+              <a:rPr/>
+              <a:t>time</a:t>
+            </a:r>
+            <a:r>
+              <a:rPr/>
+              <a:t> </a:t>
+            </a:r>
+            <a:r>
+              <a:rPr/>
+              <a:t>doing</a:t>
+            </a:r>
+            <a:r>
+              <a:rPr/>
+              <a:t> </a:t>
+            </a:r>
+            <a:r>
+              <a:rPr/>
+              <a:t>what</a:t>
+            </a:r>
+            <a:r>
+              <a:rPr/>
+              <a:t> </a:t>
+            </a:r>
+            <a:r>
+              <a:rPr/>
+              <a:t>you</a:t>
+            </a:r>
+            <a:r>
+              <a:rPr/>
+              <a:t> </a:t>
+            </a:r>
+            <a:r>
+              <a:rPr/>
+              <a:t>consider</a:t>
+            </a:r>
+            <a:r>
+              <a:rPr/>
+              <a:t> </a:t>
+            </a:r>
+            <a:r>
+              <a:rPr/>
+              <a:t>fun.</a:t>
+            </a:r>
+            <a:r>
+              <a:rPr/>
+              <a:t> </a:t>
+            </a:r>
+            <a:r>
+              <a:rPr/>
+              <a:t>The</a:t>
+            </a:r>
+            <a:r>
+              <a:rPr/>
+              <a:t> </a:t>
+            </a:r>
+            <a:r>
+              <a:rPr/>
+              <a:t>uninteresting</a:t>
+            </a:r>
+            <a:r>
+              <a:rPr/>
+              <a:t> </a:t>
+            </a:r>
+            <a:r>
+              <a:rPr/>
+              <a:t>stuff</a:t>
+            </a:r>
+            <a:r>
+              <a:rPr/>
+              <a:t> </a:t>
+            </a:r>
+            <a:r>
+              <a:rPr/>
+              <a:t>will</a:t>
+            </a:r>
+            <a:r>
+              <a:rPr/>
+              <a:t> </a:t>
+            </a:r>
+            <a:r>
+              <a:rPr/>
+              <a:t>need</a:t>
+            </a:r>
+            <a:r>
+              <a:rPr/>
+              <a:t> </a:t>
+            </a:r>
+            <a:r>
+              <a:rPr/>
+              <a:t>to</a:t>
+            </a:r>
+            <a:r>
+              <a:rPr/>
+              <a:t> </a:t>
+            </a:r>
+            <a:r>
+              <a:rPr/>
+              <a:t>get</a:t>
+            </a:r>
+            <a:r>
+              <a:rPr/>
+              <a:t> </a:t>
+            </a:r>
+            <a:r>
+              <a:rPr/>
+              <a:t>done</a:t>
+            </a:r>
+            <a:r>
+              <a:rPr/>
+              <a:t> </a:t>
+            </a:r>
+            <a:r>
+              <a:rPr/>
+              <a:t>eventually,</a:t>
+            </a:r>
+            <a:r>
+              <a:rPr/>
+              <a:t> </a:t>
+            </a:r>
+            <a:r>
+              <a:rPr/>
+              <a:t>but</a:t>
+            </a:r>
+            <a:r>
+              <a:rPr/>
+              <a:t> </a:t>
+            </a:r>
+            <a:r>
+              <a:rPr/>
+              <a:t>you</a:t>
+            </a:r>
+            <a:r>
+              <a:rPr/>
+              <a:t> </a:t>
+            </a:r>
+            <a:r>
+              <a:rPr/>
+              <a:t>can’t</a:t>
+            </a:r>
+            <a:r>
+              <a:rPr/>
+              <a:t> </a:t>
+            </a:r>
+            <a:r>
+              <a:rPr/>
+              <a:t>be</a:t>
+            </a:r>
+            <a:r>
+              <a:rPr/>
+              <a:t> </a:t>
+            </a:r>
+            <a:r>
+              <a:rPr/>
+              <a:t>a</a:t>
+            </a:r>
+            <a:r>
+              <a:rPr/>
+              <a:t> </a:t>
+            </a:r>
+            <a:r>
+              <a:rPr/>
+              <a:t>slave</a:t>
+            </a:r>
+            <a:r>
+              <a:rPr/>
+              <a:t> </a:t>
+            </a:r>
+            <a:r>
+              <a:rPr/>
+              <a:t>to</a:t>
+            </a:r>
+            <a:r>
+              <a:rPr/>
+              <a:t> </a:t>
+            </a:r>
+            <a:r>
+              <a:rPr/>
+              <a:t>this.</a:t>
+            </a:r>
+            <a:r>
+              <a:rPr/>
+              <a:t> </a:t>
+            </a:r>
+            <a:r>
+              <a:rPr/>
+              <a:t>Life</a:t>
+            </a:r>
+            <a:r>
+              <a:rPr/>
+              <a:t> </a:t>
+            </a:r>
+            <a:r>
+              <a:rPr/>
+              <a:t>gets</a:t>
+            </a:r>
+            <a:r>
+              <a:rPr/>
+              <a:t> </a:t>
+            </a:r>
+            <a:r>
+              <a:rPr/>
+              <a:t>boring</a:t>
+            </a:r>
+            <a:r>
+              <a:rPr/>
+              <a:t> </a:t>
+            </a:r>
+            <a:r>
+              <a:rPr/>
+              <a:t>if</a:t>
+            </a:r>
+            <a:r>
+              <a:rPr/>
+              <a:t> </a:t>
+            </a:r>
+            <a:r>
+              <a:rPr/>
+              <a:t>you</a:t>
+            </a:r>
+            <a:r>
+              <a:rPr/>
+              <a:t> </a:t>
+            </a:r>
+            <a:r>
+              <a:rPr/>
+              <a:t>can’t</a:t>
+            </a:r>
+            <a:r>
+              <a:rPr/>
+              <a:t> </a:t>
+            </a:r>
+            <a:r>
+              <a:rPr/>
+              <a:t>work</a:t>
+            </a:r>
+            <a:r>
+              <a:rPr/>
+              <a:t> </a:t>
+            </a:r>
+            <a:r>
+              <a:rPr/>
+              <a:t>on</a:t>
+            </a:r>
+            <a:r>
+              <a:rPr/>
+              <a:t> </a:t>
+            </a:r>
+            <a:r>
+              <a:rPr/>
+              <a:t>what</a:t>
+            </a:r>
+            <a:r>
+              <a:rPr/>
+              <a:t> </a:t>
+            </a:r>
+            <a:r>
+              <a:rPr/>
+              <a:t>you</a:t>
+            </a:r>
+            <a:r>
+              <a:rPr/>
+              <a:t> </a:t>
+            </a:r>
+            <a:r>
+              <a:rPr/>
+              <a:t>love.</a:t>
+            </a:r>
+          </a:p>
+          <a:p>
+            <a:pPr lvl="0" marL="0" indent="0">
+              <a:buNone/>
+            </a:pPr>
+          </a:p>
+          <a:p>
+            <a:pPr lvl="0" marL="0" indent="0">
+              <a:buNone/>
+            </a:pPr>
+            <a:r>
+              <a:rPr/>
+              <a:t>Of</a:t>
+            </a:r>
+            <a:r>
+              <a:rPr/>
+              <a:t> </a:t>
+            </a:r>
+            <a:r>
+              <a:rPr/>
+              <a:t>course,</a:t>
+            </a:r>
+            <a:r>
+              <a:rPr/>
+              <a:t> </a:t>
+            </a:r>
+            <a:r>
+              <a:rPr/>
+              <a:t>your</a:t>
+            </a:r>
+            <a:r>
+              <a:rPr/>
+              <a:t> </a:t>
+            </a:r>
+            <a:r>
+              <a:rPr/>
+              <a:t>boss</a:t>
+            </a:r>
+            <a:r>
+              <a:rPr/>
+              <a:t> </a:t>
+            </a:r>
+            <a:r>
+              <a:rPr/>
+              <a:t>should</a:t>
+            </a:r>
+            <a:r>
+              <a:rPr/>
+              <a:t> </a:t>
+            </a:r>
+            <a:r>
+              <a:rPr/>
+              <a:t>have</a:t>
+            </a:r>
+            <a:r>
+              <a:rPr/>
+              <a:t> </a:t>
+            </a:r>
+            <a:r>
+              <a:rPr/>
+              <a:t>a</a:t>
+            </a:r>
+            <a:r>
+              <a:rPr/>
+              <a:t> </a:t>
+            </a:r>
+            <a:r>
+              <a:rPr/>
+              <a:t>strong</a:t>
+            </a:r>
+            <a:r>
+              <a:rPr/>
+              <a:t> </a:t>
+            </a:r>
+            <a:r>
+              <a:rPr/>
+              <a:t>say</a:t>
+            </a:r>
+            <a:r>
+              <a:rPr/>
+              <a:t> </a:t>
+            </a:r>
+            <a:r>
+              <a:rPr/>
+              <a:t>in</a:t>
+            </a:r>
+            <a:r>
+              <a:rPr/>
+              <a:t> </a:t>
+            </a:r>
+            <a:r>
+              <a:rPr/>
+              <a:t>what</a:t>
+            </a:r>
+            <a:r>
+              <a:rPr/>
+              <a:t> </a:t>
+            </a:r>
+            <a:r>
+              <a:rPr/>
+              <a:t>your</a:t>
+            </a:r>
+            <a:r>
+              <a:rPr/>
+              <a:t> </a:t>
+            </a:r>
+            <a:r>
+              <a:rPr/>
+              <a:t>priorities</a:t>
+            </a:r>
+            <a:r>
+              <a:rPr/>
+              <a:t> </a:t>
+            </a:r>
+            <a:r>
+              <a:rPr/>
+              <a:t>are,</a:t>
+            </a:r>
+            <a:r>
+              <a:rPr/>
+              <a:t> </a:t>
+            </a:r>
+            <a:r>
+              <a:rPr/>
+              <a:t>if</a:t>
+            </a:r>
+            <a:r>
+              <a:rPr/>
+              <a:t> </a:t>
+            </a:r>
+            <a:r>
+              <a:rPr/>
+              <a:t>you</a:t>
+            </a:r>
+            <a:r>
+              <a:rPr/>
+              <a:t> </a:t>
+            </a:r>
+            <a:r>
+              <a:rPr/>
+              <a:t>have</a:t>
+            </a:r>
+            <a:r>
+              <a:rPr/>
+              <a:t> </a:t>
+            </a:r>
+            <a:r>
+              <a:rPr/>
+              <a:t>a</a:t>
+            </a:r>
+            <a:r>
+              <a:rPr/>
+              <a:t> </a:t>
+            </a:r>
+            <a:r>
+              <a:rPr/>
+              <a:t>boss.</a:t>
+            </a:r>
+          </a:p>
+        </p:txBody>
+      </p:sp>
+      <p:sp>
+        <p:nvSpPr>
+          <p:cNvPr id="4" name="Slide Number Placeholder 3"/>
+          <p:cNvSpPr>
+            <a:spLocks noGrp="1"/>
+          </p:cNvSpPr>
+          <p:nvPr>
+            <p:ph type="sldNum" sz="quarter" idx="10"/>
+          </p:nvPr>
+        </p:nvSpPr>
+        <p:spPr/>
+        <p:txBody>
+          <a:bodyPr/>
+          <a:lstStyle/>
+          <a:p>
+            <a:fld id="{18BDFEC3-8487-43E8-A154-7C12CBC1FFF2}" type="slidenum">
+              <a:rPr lang="en-US"/>
+              <a:t>19</a:t>
+            </a:fld>
+            <a:endParaRPr lang="en-US"/>
+          </a:p>
+        </p:txBody>
+      </p:sp>
+    </p:spTree>
+  </p:cSld>
+</p:notes>
+</file>
+
+<file path=ppt/notesSlides/notesSlide15.xml><?xml version="1.0" encoding="utf-8"?>
+<p:notes xmlns:a="http://schemas.openxmlformats.org/drawingml/2006/main" xmlns:r="http://schemas.openxmlformats.org/officeDocument/2006/relationships" xmlns:p="http://schemas.openxmlformats.org/presentationml/2006/main">
+  <p:cSld>
+    <p:spTree>
+      <p:nvGrpSpPr>
+        <p:cNvPr id="1" name=""/>
+        <p:cNvGrpSpPr/>
+        <p:nvPr/>
+      </p:nvGrpSpPr>
+      <p:grpSpPr>
+        <a:xfrm>
+          <a:off x="0" y="0"/>
+          <a:ext cx="0" cy="0"/>
+          <a:chOff x="0" y="0"/>
+          <a:chExt cx="0" cy="0"/>
+        </a:xfrm>
+      </p:grpSpPr>
+      <p:sp>
+        <p:nvSpPr>
+          <p:cNvPr id="2" name="Slide Image Placeholder 1"/>
+          <p:cNvSpPr>
+            <a:spLocks noGrp="1" noRot="1" noChangeAspect="1"/>
+          </p:cNvSpPr>
+          <p:nvPr>
+            <p:ph type="sldImg"/>
+          </p:nvPr>
+        </p:nvSpPr>
+        <p:spPr/>
+      </p:sp>
+      <p:sp>
+        <p:nvSpPr>
+          <p:cNvPr id="3" name="Notes Placeholder 2"/>
+          <p:cNvSpPr>
+            <a:spLocks noGrp="1"/>
+          </p:cNvSpPr>
+          <p:nvPr>
+            <p:ph type="body" idx="1"/>
+          </p:nvPr>
+        </p:nvSpPr>
+        <p:spPr/>
+        <p:txBody>
+          <a:bodyPr/>
+          <a:lstStyle/>
+          <a:p>
+            <a:pPr lvl="0" marL="0" indent="0">
+              <a:buNone/>
+            </a:pPr>
+            <a:r>
+              <a:rPr/>
+              <a:t>it</a:t>
+            </a:r>
+            <a:r>
+              <a:rPr/>
+              <a:t> </a:t>
+            </a:r>
+            <a:r>
+              <a:rPr/>
+              <a:t>helps</a:t>
+            </a:r>
+            <a:r>
+              <a:rPr/>
+              <a:t> </a:t>
+            </a:r>
+            <a:r>
+              <a:rPr/>
+              <a:t>a</a:t>
+            </a:r>
+            <a:r>
+              <a:rPr/>
+              <a:t> </a:t>
+            </a:r>
+            <a:r>
+              <a:rPr/>
+              <a:t>lot</a:t>
+            </a:r>
+            <a:r>
+              <a:rPr/>
+              <a:t> </a:t>
+            </a:r>
+            <a:r>
+              <a:rPr/>
+              <a:t>in</a:t>
+            </a:r>
+            <a:r>
+              <a:rPr/>
+              <a:t> </a:t>
+            </a:r>
+            <a:r>
+              <a:rPr/>
+              <a:t>consulting</a:t>
+            </a:r>
+            <a:r>
+              <a:rPr/>
+              <a:t> </a:t>
+            </a:r>
+            <a:r>
+              <a:rPr/>
+              <a:t>to</a:t>
+            </a:r>
+            <a:r>
+              <a:rPr/>
+              <a:t> </a:t>
+            </a:r>
+            <a:r>
+              <a:rPr/>
+              <a:t>be</a:t>
+            </a:r>
+            <a:r>
+              <a:rPr/>
+              <a:t> </a:t>
+            </a:r>
+            <a:r>
+              <a:rPr/>
+              <a:t>able</a:t>
+            </a:r>
+            <a:r>
+              <a:rPr/>
+              <a:t> </a:t>
+            </a:r>
+            <a:r>
+              <a:rPr/>
+              <a:t>to</a:t>
+            </a:r>
+            <a:r>
+              <a:rPr/>
+              <a:t> </a:t>
+            </a:r>
+            <a:r>
+              <a:rPr/>
+              <a:t>field</a:t>
+            </a:r>
+            <a:r>
+              <a:rPr/>
+              <a:t> </a:t>
+            </a:r>
+            <a:r>
+              <a:rPr/>
+              <a:t>questions</a:t>
+            </a:r>
+            <a:r>
+              <a:rPr/>
+              <a:t> </a:t>
+            </a:r>
+            <a:r>
+              <a:rPr/>
+              <a:t>from</a:t>
+            </a:r>
+            <a:r>
+              <a:rPr/>
+              <a:t> </a:t>
+            </a:r>
+            <a:r>
+              <a:rPr/>
+              <a:t>any</a:t>
+            </a:r>
+            <a:r>
+              <a:rPr/>
+              <a:t> </a:t>
+            </a:r>
+            <a:r>
+              <a:rPr/>
+              <a:t>direction.</a:t>
+            </a:r>
+            <a:r>
+              <a:rPr/>
+              <a:t> </a:t>
+            </a:r>
+            <a:r>
+              <a:rPr/>
+              <a:t>So</a:t>
+            </a:r>
+            <a:r>
+              <a:rPr/>
+              <a:t> </a:t>
+            </a:r>
+            <a:r>
+              <a:rPr/>
+              <a:t>I</a:t>
+            </a:r>
+            <a:r>
+              <a:rPr/>
+              <a:t> </a:t>
+            </a:r>
+            <a:r>
+              <a:rPr/>
+              <a:t>try</a:t>
+            </a:r>
+            <a:r>
+              <a:rPr/>
+              <a:t> </a:t>
+            </a:r>
+            <a:r>
+              <a:rPr/>
+              <a:t>very</a:t>
+            </a:r>
+            <a:r>
+              <a:rPr/>
+              <a:t> </a:t>
+            </a:r>
+            <a:r>
+              <a:rPr/>
+              <a:t>hard</a:t>
+            </a:r>
+            <a:r>
+              <a:rPr/>
+              <a:t> </a:t>
+            </a:r>
+            <a:r>
+              <a:rPr/>
+              <a:t>to</a:t>
+            </a:r>
+            <a:r>
+              <a:rPr/>
+              <a:t> </a:t>
+            </a:r>
+            <a:r>
+              <a:rPr/>
+              <a:t>know</a:t>
+            </a:r>
+            <a:r>
+              <a:rPr/>
+              <a:t> </a:t>
+            </a:r>
+            <a:r>
+              <a:rPr/>
+              <a:t>a</a:t>
+            </a:r>
+            <a:r>
+              <a:rPr/>
+              <a:t> </a:t>
+            </a:r>
+            <a:r>
+              <a:rPr/>
+              <a:t>little</a:t>
+            </a:r>
+            <a:r>
+              <a:rPr/>
+              <a:t> </a:t>
+            </a:r>
+            <a:r>
+              <a:rPr/>
+              <a:t>bit</a:t>
+            </a:r>
+            <a:r>
+              <a:rPr/>
+              <a:t> </a:t>
+            </a:r>
+            <a:r>
+              <a:rPr/>
+              <a:t>about</a:t>
+            </a:r>
+            <a:r>
+              <a:rPr/>
+              <a:t> </a:t>
+            </a:r>
+            <a:r>
+              <a:rPr/>
+              <a:t>everything.</a:t>
+            </a:r>
+            <a:r>
+              <a:rPr/>
+              <a:t> </a:t>
+            </a:r>
+            <a:r>
+              <a:rPr/>
+              <a:t>While</a:t>
+            </a:r>
+            <a:r>
+              <a:rPr/>
+              <a:t> </a:t>
+            </a:r>
+            <a:r>
+              <a:rPr/>
+              <a:t>I</a:t>
+            </a:r>
+            <a:r>
+              <a:rPr/>
+              <a:t> </a:t>
+            </a:r>
+            <a:r>
+              <a:rPr/>
+              <a:t>will</a:t>
+            </a:r>
+            <a:r>
+              <a:rPr/>
+              <a:t> </a:t>
+            </a:r>
+            <a:r>
+              <a:rPr/>
+              <a:t>sometimes</a:t>
+            </a:r>
+            <a:r>
+              <a:rPr/>
+              <a:t> </a:t>
+            </a:r>
+            <a:r>
+              <a:rPr/>
+              <a:t>say</a:t>
+            </a:r>
+            <a:r>
+              <a:rPr/>
+              <a:t> </a:t>
+            </a:r>
+            <a:r>
+              <a:rPr/>
+              <a:t>“</a:t>
+            </a:r>
+            <a:r>
+              <a:rPr/>
+              <a:t>I’m</a:t>
+            </a:r>
+            <a:r>
+              <a:rPr/>
+              <a:t> </a:t>
+            </a:r>
+            <a:r>
+              <a:rPr/>
+              <a:t>not</a:t>
+            </a:r>
+            <a:r>
+              <a:rPr/>
+              <a:t> </a:t>
+            </a:r>
+            <a:r>
+              <a:rPr/>
+              <a:t>qualified</a:t>
+            </a:r>
+            <a:r>
+              <a:rPr/>
+              <a:t> </a:t>
+            </a:r>
+            <a:r>
+              <a:rPr/>
+              <a:t>to</a:t>
+            </a:r>
+            <a:r>
+              <a:rPr/>
+              <a:t> </a:t>
+            </a:r>
+            <a:r>
+              <a:rPr/>
+              <a:t>do</a:t>
+            </a:r>
+            <a:r>
+              <a:rPr/>
+              <a:t> </a:t>
+            </a:r>
+            <a:r>
+              <a:rPr/>
+              <a:t>this</a:t>
+            </a:r>
+            <a:r>
+              <a:rPr/>
+              <a:t> </a:t>
+            </a:r>
+            <a:r>
+              <a:rPr/>
+              <a:t>work,</a:t>
+            </a:r>
+            <a:r>
+              <a:rPr/>
+              <a:t>”</a:t>
+            </a:r>
+            <a:r>
+              <a:rPr/>
+              <a:t> </a:t>
+            </a:r>
+            <a:r>
+              <a:rPr/>
+              <a:t>I</a:t>
+            </a:r>
+            <a:r>
+              <a:rPr/>
+              <a:t> </a:t>
+            </a:r>
+            <a:r>
+              <a:rPr/>
+              <a:t>do</a:t>
+            </a:r>
+            <a:r>
+              <a:rPr/>
+              <a:t> </a:t>
+            </a:r>
+            <a:r>
+              <a:rPr/>
+              <a:t>try</a:t>
+            </a:r>
+            <a:r>
+              <a:rPr/>
+              <a:t> </a:t>
+            </a:r>
+            <a:r>
+              <a:rPr/>
+              <a:t>very</a:t>
+            </a:r>
+            <a:r>
+              <a:rPr/>
+              <a:t> </a:t>
+            </a:r>
+            <a:r>
+              <a:rPr/>
+              <a:t>hard</a:t>
+            </a:r>
+            <a:r>
+              <a:rPr/>
+              <a:t> </a:t>
+            </a:r>
+            <a:r>
+              <a:rPr/>
+              <a:t>to</a:t>
+            </a:r>
+            <a:r>
+              <a:rPr/>
+              <a:t> </a:t>
+            </a:r>
+            <a:r>
+              <a:rPr/>
+              <a:t>build</a:t>
+            </a:r>
+            <a:r>
+              <a:rPr/>
+              <a:t> </a:t>
+            </a:r>
+            <a:r>
+              <a:rPr/>
+              <a:t>my</a:t>
+            </a:r>
+            <a:r>
+              <a:rPr/>
+              <a:t> </a:t>
+            </a:r>
+            <a:r>
+              <a:rPr/>
+              <a:t>knowledge</a:t>
+            </a:r>
+            <a:r>
+              <a:rPr/>
+              <a:t> </a:t>
+            </a:r>
+            <a:r>
+              <a:rPr/>
+              <a:t>base</a:t>
+            </a:r>
+            <a:r>
+              <a:rPr/>
+              <a:t> </a:t>
+            </a:r>
+            <a:r>
+              <a:rPr/>
+              <a:t>to</a:t>
+            </a:r>
+            <a:r>
+              <a:rPr/>
+              <a:t> </a:t>
+            </a:r>
+            <a:r>
+              <a:rPr/>
+              <a:t>the</a:t>
+            </a:r>
+            <a:r>
+              <a:rPr/>
+              <a:t> </a:t>
+            </a:r>
+            <a:r>
+              <a:rPr/>
+              <a:t>point</a:t>
+            </a:r>
+            <a:r>
+              <a:rPr/>
+              <a:t> </a:t>
+            </a:r>
+            <a:r>
+              <a:rPr/>
+              <a:t>where</a:t>
+            </a:r>
+            <a:r>
+              <a:rPr/>
+              <a:t> </a:t>
+            </a:r>
+            <a:r>
+              <a:rPr/>
+              <a:t>I</a:t>
+            </a:r>
+            <a:r>
+              <a:rPr/>
+              <a:t> </a:t>
+            </a:r>
+            <a:r>
+              <a:rPr/>
+              <a:t>can</a:t>
+            </a:r>
+            <a:r>
+              <a:rPr/>
+              <a:t> </a:t>
+            </a:r>
+            <a:r>
+              <a:rPr/>
+              <a:t>help</a:t>
+            </a:r>
+            <a:r>
+              <a:rPr/>
+              <a:t> </a:t>
+            </a:r>
+            <a:r>
+              <a:rPr/>
+              <a:t>out</a:t>
+            </a:r>
+            <a:r>
+              <a:rPr/>
+              <a:t> </a:t>
+            </a:r>
+            <a:r>
+              <a:rPr/>
+              <a:t>with</a:t>
+            </a:r>
+            <a:r>
+              <a:rPr/>
+              <a:t> </a:t>
+            </a:r>
+            <a:r>
+              <a:rPr/>
+              <a:t>any</a:t>
+            </a:r>
+            <a:r>
+              <a:rPr/>
+              <a:t> </a:t>
+            </a:r>
+            <a:r>
+              <a:rPr/>
+              <a:t>reasonable</a:t>
+            </a:r>
+            <a:r>
+              <a:rPr/>
+              <a:t> </a:t>
+            </a:r>
+            <a:r>
+              <a:rPr/>
+              <a:t>request.</a:t>
+            </a:r>
+            <a:r>
+              <a:rPr/>
+              <a:t> </a:t>
+            </a:r>
+            <a:r>
+              <a:rPr/>
+              <a:t>I</a:t>
+            </a:r>
+            <a:r>
+              <a:rPr/>
+              <a:t> </a:t>
+            </a:r>
+            <a:r>
+              <a:rPr/>
+              <a:t>do</a:t>
+            </a:r>
+            <a:r>
+              <a:rPr/>
+              <a:t> </a:t>
+            </a:r>
+            <a:r>
+              <a:rPr/>
+              <a:t>warn</a:t>
+            </a:r>
+            <a:r>
+              <a:rPr/>
+              <a:t> </a:t>
+            </a:r>
+            <a:r>
+              <a:rPr/>
+              <a:t>people</a:t>
+            </a:r>
+            <a:r>
+              <a:rPr/>
+              <a:t> </a:t>
+            </a:r>
+            <a:r>
+              <a:rPr/>
+              <a:t>when</a:t>
+            </a:r>
+            <a:r>
+              <a:rPr/>
+              <a:t> </a:t>
+            </a:r>
+            <a:r>
+              <a:rPr/>
+              <a:t>I</a:t>
+            </a:r>
+            <a:r>
+              <a:rPr/>
+              <a:t> </a:t>
+            </a:r>
+            <a:r>
+              <a:rPr/>
+              <a:t>am</a:t>
+            </a:r>
+            <a:r>
+              <a:rPr/>
+              <a:t> </a:t>
+            </a:r>
+            <a:r>
+              <a:rPr/>
+              <a:t>not</a:t>
+            </a:r>
+            <a:r>
+              <a:rPr/>
+              <a:t> </a:t>
+            </a:r>
+            <a:r>
+              <a:rPr/>
+              <a:t>an</a:t>
+            </a:r>
+            <a:r>
+              <a:rPr/>
+              <a:t> </a:t>
+            </a:r>
+            <a:r>
+              <a:rPr/>
+              <a:t>“</a:t>
+            </a:r>
+            <a:r>
+              <a:rPr/>
+              <a:t>expert</a:t>
+            </a:r>
+            <a:r>
+              <a:rPr/>
+              <a:t>”</a:t>
+            </a:r>
+            <a:r>
+              <a:rPr/>
+              <a:t> </a:t>
+            </a:r>
+            <a:r>
+              <a:rPr/>
+              <a:t>in</a:t>
+            </a:r>
+            <a:r>
+              <a:rPr/>
+              <a:t> </a:t>
+            </a:r>
+            <a:r>
+              <a:rPr/>
+              <a:t>a</a:t>
+            </a:r>
+            <a:r>
+              <a:rPr/>
+              <a:t> </a:t>
+            </a:r>
+            <a:r>
+              <a:rPr/>
+              <a:t>particular</a:t>
+            </a:r>
+            <a:r>
+              <a:rPr/>
+              <a:t> </a:t>
+            </a:r>
+            <a:r>
+              <a:rPr/>
+              <a:t>area,</a:t>
+            </a:r>
+            <a:r>
+              <a:rPr/>
+              <a:t> </a:t>
+            </a:r>
+            <a:r>
+              <a:rPr/>
+              <a:t>though,</a:t>
+            </a:r>
+            <a:r>
+              <a:rPr/>
+              <a:t> </a:t>
+            </a:r>
+            <a:r>
+              <a:rPr/>
+              <a:t>and</a:t>
+            </a:r>
+            <a:r>
+              <a:rPr/>
+              <a:t> </a:t>
+            </a:r>
+            <a:r>
+              <a:rPr/>
+              <a:t>am</a:t>
+            </a:r>
+            <a:r>
+              <a:rPr/>
+              <a:t> </a:t>
+            </a:r>
+            <a:r>
+              <a:rPr/>
+              <a:t>not</a:t>
+            </a:r>
+            <a:r>
+              <a:rPr/>
+              <a:t> </a:t>
+            </a:r>
+            <a:r>
+              <a:rPr/>
+              <a:t>offended</a:t>
+            </a:r>
+            <a:r>
+              <a:rPr/>
+              <a:t> </a:t>
+            </a:r>
+            <a:r>
+              <a:rPr/>
+              <a:t>if</a:t>
+            </a:r>
+            <a:r>
+              <a:rPr/>
+              <a:t> </a:t>
+            </a:r>
+            <a:r>
+              <a:rPr/>
+              <a:t>they</a:t>
+            </a:r>
+            <a:r>
+              <a:rPr/>
+              <a:t> </a:t>
+            </a:r>
+            <a:r>
+              <a:rPr/>
+              <a:t>find</a:t>
+            </a:r>
+            <a:r>
+              <a:rPr/>
+              <a:t> </a:t>
+            </a:r>
+            <a:r>
+              <a:rPr/>
+              <a:t>someone</a:t>
+            </a:r>
+            <a:r>
+              <a:rPr/>
+              <a:t> </a:t>
+            </a:r>
+            <a:r>
+              <a:rPr/>
+              <a:t>who</a:t>
+            </a:r>
+            <a:r>
+              <a:rPr/>
+              <a:t> </a:t>
+            </a:r>
+            <a:r>
+              <a:rPr/>
+              <a:t>knows</a:t>
+            </a:r>
+            <a:r>
+              <a:rPr/>
+              <a:t> </a:t>
+            </a:r>
+            <a:r>
+              <a:rPr/>
+              <a:t>more</a:t>
+            </a:r>
+            <a:r>
+              <a:rPr/>
+              <a:t> </a:t>
+            </a:r>
+            <a:r>
+              <a:rPr/>
+              <a:t>about</a:t>
+            </a:r>
+            <a:r>
+              <a:rPr/>
+              <a:t> </a:t>
+            </a:r>
+            <a:r>
+              <a:rPr/>
+              <a:t>an</a:t>
+            </a:r>
+            <a:r>
+              <a:rPr/>
+              <a:t> </a:t>
+            </a:r>
+            <a:r>
+              <a:rPr/>
+              <a:t>issue</a:t>
+            </a:r>
+            <a:r>
+              <a:rPr/>
+              <a:t> </a:t>
+            </a:r>
+            <a:r>
+              <a:rPr/>
+              <a:t>than</a:t>
+            </a:r>
+            <a:r>
+              <a:rPr/>
+              <a:t> </a:t>
+            </a:r>
+            <a:r>
+              <a:rPr/>
+              <a:t>I</a:t>
+            </a:r>
+            <a:r>
+              <a:rPr/>
+              <a:t> </a:t>
+            </a:r>
+            <a:r>
+              <a:rPr/>
+              <a:t>do.</a:t>
+            </a:r>
+            <a:r>
+              <a:rPr/>
+              <a:t> </a:t>
+            </a:r>
+            <a:r>
+              <a:rPr/>
+              <a:t>But</a:t>
+            </a:r>
+            <a:r>
+              <a:rPr/>
+              <a:t> </a:t>
+            </a:r>
+            <a:r>
+              <a:rPr/>
+              <a:t>often</a:t>
+            </a:r>
+            <a:r>
+              <a:rPr/>
+              <a:t> </a:t>
+            </a:r>
+            <a:r>
+              <a:rPr/>
+              <a:t>these</a:t>
+            </a:r>
+            <a:r>
+              <a:rPr/>
+              <a:t> </a:t>
+            </a:r>
+            <a:r>
+              <a:rPr/>
+              <a:t>people</a:t>
+            </a:r>
+            <a:r>
+              <a:rPr/>
+              <a:t> </a:t>
+            </a:r>
+            <a:r>
+              <a:rPr/>
+              <a:t>do</a:t>
+            </a:r>
+            <a:r>
+              <a:rPr/>
+              <a:t> </a:t>
+            </a:r>
+            <a:r>
+              <a:rPr/>
+              <a:t>not</a:t>
+            </a:r>
+            <a:r>
+              <a:rPr/>
+              <a:t> </a:t>
+            </a:r>
+            <a:r>
+              <a:rPr/>
+              <a:t>have</a:t>
+            </a:r>
+            <a:r>
+              <a:rPr/>
+              <a:t> </a:t>
+            </a:r>
+            <a:r>
+              <a:rPr/>
+              <a:t>the</a:t>
+            </a:r>
+            <a:r>
+              <a:rPr/>
+              <a:t> </a:t>
+            </a:r>
+            <a:r>
+              <a:rPr/>
+              <a:t>time</a:t>
+            </a:r>
+            <a:r>
+              <a:rPr/>
+              <a:t> </a:t>
+            </a:r>
+            <a:r>
+              <a:rPr/>
+              <a:t>or</a:t>
+            </a:r>
+            <a:r>
+              <a:rPr/>
+              <a:t> </a:t>
+            </a:r>
+            <a:r>
+              <a:rPr/>
+              <a:t>energy</a:t>
+            </a:r>
+            <a:r>
+              <a:rPr/>
+              <a:t> </a:t>
+            </a:r>
+            <a:r>
+              <a:rPr/>
+              <a:t>or</a:t>
+            </a:r>
+            <a:r>
+              <a:rPr/>
+              <a:t> </a:t>
+            </a:r>
+            <a:r>
+              <a:rPr/>
+              <a:t>knowledge</a:t>
+            </a:r>
+            <a:r>
+              <a:rPr/>
+              <a:t> </a:t>
+            </a:r>
+            <a:r>
+              <a:rPr/>
+              <a:t>to</a:t>
+            </a:r>
+            <a:r>
+              <a:rPr/>
+              <a:t> </a:t>
+            </a:r>
+            <a:r>
+              <a:rPr/>
+              <a:t>find</a:t>
+            </a:r>
+            <a:r>
+              <a:rPr/>
+              <a:t> </a:t>
+            </a:r>
+            <a:r>
+              <a:rPr/>
+              <a:t>someone</a:t>
+            </a:r>
+            <a:r>
+              <a:rPr/>
+              <a:t> </a:t>
+            </a:r>
+            <a:r>
+              <a:rPr/>
+              <a:t>better</a:t>
+            </a:r>
+            <a:r>
+              <a:rPr/>
+              <a:t> </a:t>
+            </a:r>
+            <a:r>
+              <a:rPr/>
+              <a:t>than</a:t>
+            </a:r>
+            <a:r>
+              <a:rPr/>
+              <a:t> </a:t>
+            </a:r>
+            <a:r>
+              <a:rPr/>
+              <a:t>me,</a:t>
+            </a:r>
+            <a:r>
+              <a:rPr/>
+              <a:t> </a:t>
+            </a:r>
+            <a:r>
+              <a:rPr/>
+              <a:t>and</a:t>
+            </a:r>
+            <a:r>
+              <a:rPr/>
+              <a:t> </a:t>
+            </a:r>
+            <a:r>
+              <a:rPr/>
+              <a:t>I</a:t>
+            </a:r>
+            <a:r>
+              <a:rPr/>
+              <a:t> </a:t>
+            </a:r>
+            <a:r>
+              <a:rPr/>
+              <a:t>would</a:t>
+            </a:r>
+            <a:r>
+              <a:rPr/>
+              <a:t> </a:t>
+            </a:r>
+            <a:r>
+              <a:rPr/>
+              <a:t>feel</a:t>
+            </a:r>
+            <a:r>
+              <a:rPr/>
+              <a:t> </a:t>
+            </a:r>
+            <a:r>
+              <a:rPr/>
+              <a:t>bad</a:t>
+            </a:r>
+            <a:r>
+              <a:rPr/>
+              <a:t> </a:t>
+            </a:r>
+            <a:r>
+              <a:rPr/>
+              <a:t>if</a:t>
+            </a:r>
+            <a:r>
+              <a:rPr/>
+              <a:t> </a:t>
+            </a:r>
+            <a:r>
+              <a:rPr/>
+              <a:t>they</a:t>
+            </a:r>
+            <a:r>
+              <a:rPr/>
+              <a:t> </a:t>
+            </a:r>
+            <a:r>
+              <a:rPr/>
+              <a:t>didn’t</a:t>
+            </a:r>
+            <a:r>
+              <a:rPr/>
+              <a:t> </a:t>
+            </a:r>
+            <a:r>
+              <a:rPr/>
+              <a:t>get</a:t>
+            </a:r>
+            <a:r>
+              <a:rPr/>
+              <a:t> </a:t>
+            </a:r>
+            <a:r>
+              <a:rPr/>
+              <a:t>any</a:t>
+            </a:r>
+            <a:r>
+              <a:rPr/>
+              <a:t> </a:t>
+            </a:r>
+            <a:r>
+              <a:rPr/>
+              <a:t>help.</a:t>
+            </a:r>
+          </a:p>
+        </p:txBody>
+      </p:sp>
+      <p:sp>
+        <p:nvSpPr>
+          <p:cNvPr id="4" name="Slide Number Placeholder 3"/>
+          <p:cNvSpPr>
+            <a:spLocks noGrp="1"/>
+          </p:cNvSpPr>
+          <p:nvPr>
+            <p:ph type="sldNum" sz="quarter" idx="10"/>
+          </p:nvPr>
+        </p:nvSpPr>
+        <p:spPr/>
+        <p:txBody>
+          <a:bodyPr/>
+          <a:lstStyle/>
+          <a:p>
+            <a:fld id="{18BDFEC3-8487-43E8-A154-7C12CBC1FFF2}" type="slidenum">
+              <a:rPr lang="en-US"/>
+              <a:t>20</a:t>
+            </a:fld>
+            <a:endParaRPr lang="en-US"/>
+          </a:p>
+        </p:txBody>
+      </p:sp>
+    </p:spTree>
+  </p:cSld>
+</p:notes>
+</file>
+
+<file path=ppt/notesSlides/notesSlide16.xml><?xml version="1.0" encoding="utf-8"?>
+<p:notes xmlns:a="http://schemas.openxmlformats.org/drawingml/2006/main" xmlns:r="http://schemas.openxmlformats.org/officeDocument/2006/relationships" xmlns:p="http://schemas.openxmlformats.org/presentationml/2006/main">
+  <p:cSld>
+    <p:spTree>
+      <p:nvGrpSpPr>
+        <p:cNvPr id="1" name=""/>
+        <p:cNvGrpSpPr/>
+        <p:nvPr/>
+      </p:nvGrpSpPr>
+      <p:grpSpPr>
+        <a:xfrm>
+          <a:off x="0" y="0"/>
+          <a:ext cx="0" cy="0"/>
+          <a:chOff x="0" y="0"/>
+          <a:chExt cx="0" cy="0"/>
+        </a:xfrm>
+      </p:grpSpPr>
+      <p:sp>
+        <p:nvSpPr>
+          <p:cNvPr id="2" name="Slide Image Placeholder 1"/>
+          <p:cNvSpPr>
+            <a:spLocks noGrp="1" noRot="1" noChangeAspect="1"/>
+          </p:cNvSpPr>
+          <p:nvPr>
+            <p:ph type="sldImg"/>
+          </p:nvPr>
+        </p:nvSpPr>
+        <p:spPr/>
+      </p:sp>
+      <p:sp>
+        <p:nvSpPr>
+          <p:cNvPr id="3" name="Notes Placeholder 2"/>
+          <p:cNvSpPr>
+            <a:spLocks noGrp="1"/>
+          </p:cNvSpPr>
+          <p:nvPr>
+            <p:ph type="body" idx="1"/>
+          </p:nvPr>
+        </p:nvSpPr>
+        <p:spPr/>
+        <p:txBody>
+          <a:bodyPr/>
+          <a:lstStyle/>
+          <a:p>
+            <a:pPr lvl="0" marL="0" indent="0">
+              <a:buNone/>
+            </a:pPr>
+            <a:r>
+              <a:rPr/>
+              <a:t>You</a:t>
+            </a:r>
+            <a:r>
+              <a:rPr/>
+              <a:t> </a:t>
+            </a:r>
+            <a:r>
+              <a:rPr/>
+              <a:t>can’t</a:t>
+            </a:r>
+            <a:r>
+              <a:rPr/>
+              <a:t> </a:t>
+            </a:r>
+            <a:r>
+              <a:rPr/>
+              <a:t>go</a:t>
+            </a:r>
+            <a:r>
+              <a:rPr/>
+              <a:t> </a:t>
+            </a:r>
+            <a:r>
+              <a:rPr/>
+              <a:t>off</a:t>
+            </a:r>
+            <a:r>
+              <a:rPr/>
+              <a:t> </a:t>
+            </a:r>
+            <a:r>
+              <a:rPr/>
+              <a:t>by</a:t>
+            </a:r>
+            <a:r>
+              <a:rPr/>
+              <a:t> </a:t>
+            </a:r>
+            <a:r>
+              <a:rPr/>
+              <a:t>yourself</a:t>
+            </a:r>
+            <a:r>
+              <a:rPr/>
+              <a:t> </a:t>
+            </a:r>
+            <a:r>
+              <a:rPr/>
+              <a:t>for</a:t>
+            </a:r>
+            <a:r>
+              <a:rPr/>
+              <a:t> </a:t>
+            </a:r>
+            <a:r>
+              <a:rPr/>
+              <a:t>weeks</a:t>
+            </a:r>
+            <a:r>
+              <a:rPr/>
+              <a:t> </a:t>
+            </a:r>
+            <a:r>
+              <a:rPr/>
+              <a:t>or</a:t>
+            </a:r>
+            <a:r>
+              <a:rPr/>
+              <a:t> </a:t>
+            </a:r>
+            <a:r>
+              <a:rPr/>
+              <a:t>months</a:t>
+            </a:r>
+            <a:r>
+              <a:rPr/>
+              <a:t> </a:t>
+            </a:r>
+            <a:r>
+              <a:rPr/>
+              <a:t>and</a:t>
+            </a:r>
+            <a:r>
+              <a:rPr/>
+              <a:t> </a:t>
+            </a:r>
+            <a:r>
+              <a:rPr/>
+              <a:t>hope</a:t>
+            </a:r>
+            <a:r>
+              <a:rPr/>
+              <a:t> </a:t>
+            </a:r>
+            <a:r>
+              <a:rPr/>
+              <a:t>that</a:t>
+            </a:r>
+            <a:r>
+              <a:rPr/>
+              <a:t> </a:t>
+            </a:r>
+            <a:r>
+              <a:rPr/>
+              <a:t>when</a:t>
+            </a:r>
+            <a:r>
+              <a:rPr/>
+              <a:t> </a:t>
+            </a:r>
+            <a:r>
+              <a:rPr/>
+              <a:t>you</a:t>
+            </a:r>
+            <a:r>
+              <a:rPr/>
+              <a:t> </a:t>
+            </a:r>
+            <a:r>
+              <a:rPr/>
+              <a:t>emerge,</a:t>
+            </a:r>
+            <a:r>
+              <a:rPr/>
+              <a:t> </a:t>
+            </a:r>
+            <a:r>
+              <a:rPr/>
+              <a:t>you</a:t>
+            </a:r>
+            <a:r>
+              <a:rPr/>
+              <a:t> </a:t>
+            </a:r>
+            <a:r>
+              <a:rPr/>
+              <a:t>will</a:t>
+            </a:r>
+            <a:r>
+              <a:rPr/>
+              <a:t> </a:t>
+            </a:r>
+            <a:r>
+              <a:rPr/>
+              <a:t>have</a:t>
+            </a:r>
+            <a:r>
+              <a:rPr/>
+              <a:t> </a:t>
+            </a:r>
+            <a:r>
+              <a:rPr/>
+              <a:t>the</a:t>
+            </a:r>
+            <a:r>
+              <a:rPr/>
+              <a:t> </a:t>
+            </a:r>
+            <a:r>
+              <a:rPr/>
+              <a:t>perfect</a:t>
+            </a:r>
+            <a:r>
+              <a:rPr/>
+              <a:t> </a:t>
+            </a:r>
+            <a:r>
+              <a:rPr/>
+              <a:t>data</a:t>
+            </a:r>
+            <a:r>
+              <a:rPr/>
+              <a:t> </a:t>
+            </a:r>
+            <a:r>
+              <a:rPr/>
+              <a:t>analysis.</a:t>
+            </a:r>
+            <a:r>
+              <a:rPr/>
+              <a:t> </a:t>
+            </a:r>
+            <a:r>
+              <a:rPr/>
+              <a:t>There</a:t>
+            </a:r>
+            <a:r>
+              <a:rPr/>
+              <a:t> </a:t>
+            </a:r>
+            <a:r>
+              <a:rPr/>
+              <a:t>is</a:t>
+            </a:r>
+            <a:r>
+              <a:rPr/>
+              <a:t> </a:t>
+            </a:r>
+            <a:r>
+              <a:rPr/>
+              <a:t>a</a:t>
+            </a:r>
+            <a:r>
+              <a:rPr/>
+              <a:t> </a:t>
+            </a:r>
+            <a:r>
+              <a:rPr/>
+              <a:t>lot</a:t>
+            </a:r>
+            <a:r>
+              <a:rPr/>
+              <a:t> </a:t>
+            </a:r>
+            <a:r>
+              <a:rPr/>
+              <a:t>of</a:t>
+            </a:r>
+            <a:r>
+              <a:rPr/>
+              <a:t> </a:t>
+            </a:r>
+            <a:r>
+              <a:rPr/>
+              <a:t>back-and-forth</a:t>
+            </a:r>
+            <a:r>
+              <a:rPr/>
+              <a:t> </a:t>
+            </a:r>
+            <a:r>
+              <a:rPr/>
+              <a:t>that</a:t>
+            </a:r>
+            <a:r>
+              <a:rPr/>
+              <a:t> </a:t>
+            </a:r>
+            <a:r>
+              <a:rPr/>
+              <a:t>needs</a:t>
+            </a:r>
+            <a:r>
+              <a:rPr/>
+              <a:t> </a:t>
+            </a:r>
+            <a:r>
+              <a:rPr/>
+              <a:t>to</a:t>
+            </a:r>
+            <a:r>
+              <a:rPr/>
+              <a:t> </a:t>
+            </a:r>
+            <a:r>
+              <a:rPr/>
+              <a:t>happen</a:t>
+            </a:r>
+            <a:r>
+              <a:rPr/>
+              <a:t> </a:t>
+            </a:r>
+            <a:r>
+              <a:rPr/>
+              <a:t>continually.</a:t>
+            </a:r>
+          </a:p>
+        </p:txBody>
+      </p:sp>
+      <p:sp>
+        <p:nvSpPr>
+          <p:cNvPr id="4" name="Slide Number Placeholder 3"/>
+          <p:cNvSpPr>
+            <a:spLocks noGrp="1"/>
+          </p:cNvSpPr>
+          <p:nvPr>
+            <p:ph type="sldNum" sz="quarter" idx="10"/>
+          </p:nvPr>
+        </p:nvSpPr>
+        <p:spPr/>
+        <p:txBody>
+          <a:bodyPr/>
+          <a:lstStyle/>
+          <a:p>
+            <a:fld id="{18BDFEC3-8487-43E8-A154-7C12CBC1FFF2}" type="slidenum">
+              <a:rPr lang="en-US"/>
+              <a:t>21</a:t>
+            </a:fld>
+            <a:endParaRPr lang="en-US"/>
+          </a:p>
+        </p:txBody>
+      </p:sp>
+    </p:spTree>
+  </p:cSld>
+</p:notes>
+</file>
+
+<file path=ppt/notesSlides/notesSlide2.xml><?xml version="1.0" encoding="utf-8"?>
+<p:notes xmlns:a="http://schemas.openxmlformats.org/drawingml/2006/main" xmlns:r="http://schemas.openxmlformats.org/officeDocument/2006/relationships" xmlns:p="http://schemas.openxmlformats.org/presentationml/2006/main">
+  <p:cSld>
+    <p:spTree>
+      <p:nvGrpSpPr>
+        <p:cNvPr id="1" name=""/>
+        <p:cNvGrpSpPr/>
+        <p:nvPr/>
+      </p:nvGrpSpPr>
+      <p:grpSpPr>
+        <a:xfrm>
+          <a:off x="0" y="0"/>
+          <a:ext cx="0" cy="0"/>
+          <a:chOff x="0" y="0"/>
+          <a:chExt cx="0" cy="0"/>
+        </a:xfrm>
+      </p:grpSpPr>
+      <p:sp>
+        <p:nvSpPr>
+          <p:cNvPr id="2" name="Slide Image Placeholder 1"/>
+          <p:cNvSpPr>
+            <a:spLocks noGrp="1" noRot="1" noChangeAspect="1"/>
+          </p:cNvSpPr>
+          <p:nvPr>
+            <p:ph type="sldImg"/>
+          </p:nvPr>
+        </p:nvSpPr>
+        <p:spPr/>
+      </p:sp>
+      <p:sp>
+        <p:nvSpPr>
+          <p:cNvPr id="3" name="Notes Placeholder 2"/>
+          <p:cNvSpPr>
+            <a:spLocks noGrp="1"/>
+          </p:cNvSpPr>
+          <p:nvPr>
+            <p:ph type="body" idx="1"/>
+          </p:nvPr>
+        </p:nvSpPr>
+        <p:spPr/>
+        <p:txBody>
+          <a:bodyPr/>
+          <a:lstStyle/>
+          <a:p>
+            <a:pPr lvl="0" marL="0" indent="0">
+              <a:buNone/>
+            </a:pPr>
+            <a:r>
+              <a:rPr/>
+              <a:t>If</a:t>
+            </a:r>
+            <a:r>
+              <a:rPr/>
+              <a:t> </a:t>
+            </a:r>
+            <a:r>
+              <a:rPr/>
+              <a:t>the</a:t>
+            </a:r>
+            <a:r>
+              <a:rPr/>
+              <a:t> </a:t>
+            </a:r>
+            <a:r>
+              <a:rPr/>
+              <a:t>saying</a:t>
+            </a:r>
+            <a:r>
+              <a:rPr/>
+              <a:t> </a:t>
+            </a:r>
+            <a:r>
+              <a:rPr/>
+              <a:t>about</a:t>
+            </a:r>
+            <a:r>
+              <a:rPr/>
+              <a:t> </a:t>
+            </a:r>
+            <a:r>
+              <a:rPr/>
+              <a:t>teaching</a:t>
+            </a:r>
+            <a:r>
+              <a:rPr/>
+              <a:t> </a:t>
+            </a:r>
+            <a:r>
+              <a:rPr/>
+              <a:t>an</a:t>
+            </a:r>
+            <a:r>
+              <a:rPr/>
+              <a:t> </a:t>
+            </a:r>
+            <a:r>
+              <a:rPr/>
+              <a:t>old</a:t>
+            </a:r>
+            <a:r>
+              <a:rPr/>
+              <a:t> </a:t>
+            </a:r>
+            <a:r>
+              <a:rPr/>
+              <a:t>dog</a:t>
+            </a:r>
+            <a:r>
+              <a:rPr/>
+              <a:t> </a:t>
+            </a:r>
+            <a:r>
+              <a:rPr/>
+              <a:t>new</a:t>
+            </a:r>
+            <a:r>
+              <a:rPr/>
+              <a:t> </a:t>
+            </a:r>
+            <a:r>
+              <a:rPr/>
+              <a:t>tricks</a:t>
+            </a:r>
+            <a:r>
+              <a:rPr/>
+              <a:t> </a:t>
+            </a:r>
+            <a:r>
+              <a:rPr/>
+              <a:t>is</a:t>
+            </a:r>
+            <a:r>
+              <a:rPr/>
+              <a:t> </a:t>
+            </a:r>
+            <a:r>
+              <a:rPr/>
+              <a:t>accurate,</a:t>
+            </a:r>
+            <a:r>
+              <a:rPr/>
+              <a:t> </a:t>
+            </a:r>
+            <a:r>
+              <a:rPr/>
+              <a:t>then</a:t>
+            </a:r>
+            <a:r>
+              <a:rPr/>
+              <a:t> </a:t>
+            </a:r>
+            <a:r>
+              <a:rPr/>
+              <a:t>I</a:t>
+            </a:r>
+            <a:r>
+              <a:rPr/>
+              <a:t> </a:t>
+            </a:r>
+            <a:r>
+              <a:rPr/>
+              <a:t>am</a:t>
+            </a:r>
+            <a:r>
+              <a:rPr/>
+              <a:t> </a:t>
+            </a:r>
+            <a:r>
+              <a:rPr/>
+              <a:t>in</a:t>
+            </a:r>
+            <a:r>
+              <a:rPr/>
+              <a:t> </a:t>
+            </a:r>
+            <a:r>
+              <a:rPr/>
+              <a:t>trouble.</a:t>
+            </a:r>
+            <a:r>
+              <a:rPr/>
+              <a:t> </a:t>
+            </a:r>
+            <a:r>
+              <a:rPr/>
+              <a:t>I</a:t>
+            </a:r>
+            <a:r>
+              <a:rPr/>
+              <a:t> </a:t>
+            </a:r>
+            <a:r>
+              <a:rPr/>
+              <a:t>got</a:t>
+            </a:r>
+            <a:r>
+              <a:rPr/>
+              <a:t> </a:t>
+            </a:r>
+            <a:r>
+              <a:rPr/>
+              <a:t>my</a:t>
+            </a:r>
+            <a:r>
+              <a:rPr/>
+              <a:t> </a:t>
+            </a:r>
+            <a:r>
+              <a:rPr/>
+              <a:t>PhD</a:t>
+            </a:r>
+            <a:r>
+              <a:rPr/>
+              <a:t> </a:t>
+            </a:r>
+            <a:r>
+              <a:rPr/>
+              <a:t>in</a:t>
+            </a:r>
+            <a:r>
+              <a:rPr/>
+              <a:t> </a:t>
+            </a:r>
+            <a:r>
+              <a:rPr/>
+              <a:t>Statistics</a:t>
+            </a:r>
+            <a:r>
+              <a:rPr/>
+              <a:t> </a:t>
+            </a:r>
+            <a:r>
+              <a:rPr/>
+              <a:t>from</a:t>
+            </a:r>
+            <a:r>
+              <a:rPr/>
+              <a:t> </a:t>
+            </a:r>
+            <a:r>
+              <a:rPr/>
+              <a:t>the</a:t>
+            </a:r>
+            <a:r>
+              <a:rPr/>
+              <a:t> </a:t>
+            </a:r>
+            <a:r>
+              <a:rPr/>
+              <a:t>University</a:t>
+            </a:r>
+            <a:r>
+              <a:rPr/>
+              <a:t> </a:t>
+            </a:r>
+            <a:r>
+              <a:rPr/>
+              <a:t>of</a:t>
+            </a:r>
+            <a:r>
+              <a:rPr/>
+              <a:t> </a:t>
+            </a:r>
+            <a:r>
+              <a:rPr/>
+              <a:t>Iowa</a:t>
+            </a:r>
+            <a:r>
+              <a:rPr/>
+              <a:t> </a:t>
+            </a:r>
+            <a:r>
+              <a:rPr/>
+              <a:t>in</a:t>
+            </a:r>
+            <a:r>
+              <a:rPr/>
+              <a:t> </a:t>
+            </a:r>
+            <a:r>
+              <a:rPr/>
+              <a:t>1982.</a:t>
+            </a:r>
+            <a:r>
+              <a:rPr/>
+              <a:t> </a:t>
+            </a:r>
+            <a:r>
+              <a:rPr/>
+              <a:t>Much</a:t>
+            </a:r>
+            <a:r>
+              <a:rPr/>
+              <a:t> </a:t>
+            </a:r>
+            <a:r>
+              <a:rPr/>
+              <a:t>of</a:t>
+            </a:r>
+            <a:r>
+              <a:rPr/>
+              <a:t> </a:t>
+            </a:r>
+            <a:r>
+              <a:rPr/>
+              <a:t>what</a:t>
+            </a:r>
+            <a:r>
+              <a:rPr/>
+              <a:t> </a:t>
+            </a:r>
+            <a:r>
+              <a:rPr/>
+              <a:t>I’ve</a:t>
+            </a:r>
+            <a:r>
+              <a:rPr/>
+              <a:t> </a:t>
+            </a:r>
+            <a:r>
+              <a:rPr/>
+              <a:t>learned</a:t>
+            </a:r>
+            <a:r>
+              <a:rPr/>
+              <a:t> </a:t>
+            </a:r>
+            <a:r>
+              <a:rPr/>
+              <a:t>in</a:t>
+            </a:r>
+            <a:r>
+              <a:rPr/>
+              <a:t> </a:t>
+            </a:r>
+            <a:r>
+              <a:rPr/>
+              <a:t>college</a:t>
+            </a:r>
+            <a:r>
+              <a:rPr/>
+              <a:t> </a:t>
+            </a:r>
+            <a:r>
+              <a:rPr/>
+              <a:t>and</a:t>
+            </a:r>
+            <a:r>
+              <a:rPr/>
+              <a:t> </a:t>
+            </a:r>
+            <a:r>
+              <a:rPr/>
+              <a:t>throughout</a:t>
+            </a:r>
+            <a:r>
+              <a:rPr/>
+              <a:t> </a:t>
+            </a:r>
+            <a:r>
+              <a:rPr/>
+              <a:t>my</a:t>
+            </a:r>
+            <a:r>
+              <a:rPr/>
+              <a:t> </a:t>
+            </a:r>
+            <a:r>
+              <a:rPr/>
+              <a:t>long</a:t>
+            </a:r>
+            <a:r>
+              <a:rPr/>
+              <a:t> </a:t>
+            </a:r>
+            <a:r>
+              <a:rPr/>
+              <a:t>career</a:t>
+            </a:r>
+            <a:r>
+              <a:rPr/>
+              <a:t> </a:t>
+            </a:r>
+            <a:r>
+              <a:rPr/>
+              <a:t>is</a:t>
+            </a:r>
+            <a:r>
+              <a:rPr/>
+              <a:t> </a:t>
+            </a:r>
+            <a:r>
+              <a:rPr/>
+              <a:t>obsolete.</a:t>
+            </a:r>
+          </a:p>
+        </p:txBody>
+      </p:sp>
+      <p:sp>
+        <p:nvSpPr>
+          <p:cNvPr id="4" name="Slide Number Placeholder 3"/>
+          <p:cNvSpPr>
+            <a:spLocks noGrp="1"/>
+          </p:cNvSpPr>
+          <p:nvPr>
+            <p:ph type="sldNum" sz="quarter" idx="10"/>
+          </p:nvPr>
+        </p:nvSpPr>
+        <p:spPr/>
+        <p:txBody>
+          <a:bodyPr/>
+          <a:lstStyle/>
+          <a:p>
+            <a:fld id="{18BDFEC3-8487-43E8-A154-7C12CBC1FFF2}" type="slidenum">
+              <a:rPr lang="en-US"/>
+              <a:t>3</a:t>
+            </a:fld>
+            <a:endParaRPr lang="en-US"/>
+          </a:p>
+        </p:txBody>
+      </p:sp>
+    </p:spTree>
+  </p:cSld>
+</p:notes>
+</file>
+
+<file path=ppt/notesSlides/notesSlide3.xml><?xml version="1.0" encoding="utf-8"?>
+<p:notes xmlns:a="http://schemas.openxmlformats.org/drawingml/2006/main" xmlns:r="http://schemas.openxmlformats.org/officeDocument/2006/relationships" xmlns:p="http://schemas.openxmlformats.org/presentationml/2006/main">
+  <p:cSld>
+    <p:spTree>
+      <p:nvGrpSpPr>
+        <p:cNvPr id="1" name=""/>
+        <p:cNvGrpSpPr/>
+        <p:nvPr/>
+      </p:nvGrpSpPr>
+      <p:grpSpPr>
+        <a:xfrm>
+          <a:off x="0" y="0"/>
+          <a:ext cx="0" cy="0"/>
+          <a:chOff x="0" y="0"/>
+          <a:chExt cx="0" cy="0"/>
+        </a:xfrm>
+      </p:grpSpPr>
+      <p:sp>
+        <p:nvSpPr>
+          <p:cNvPr id="2" name="Slide Image Placeholder 1"/>
+          <p:cNvSpPr>
+            <a:spLocks noGrp="1" noRot="1" noChangeAspect="1"/>
+          </p:cNvSpPr>
+          <p:nvPr>
+            <p:ph type="sldImg"/>
+          </p:nvPr>
+        </p:nvSpPr>
+        <p:spPr/>
+      </p:sp>
+      <p:sp>
+        <p:nvSpPr>
+          <p:cNvPr id="3" name="Notes Placeholder 2"/>
+          <p:cNvSpPr>
+            <a:spLocks noGrp="1"/>
+          </p:cNvSpPr>
+          <p:nvPr>
+            <p:ph type="body" idx="1"/>
+          </p:nvPr>
+        </p:nvSpPr>
+        <p:spPr/>
+        <p:txBody>
+          <a:bodyPr/>
+          <a:lstStyle/>
+          <a:p>
+            <a:pPr lvl="0" marL="0" indent="0">
+              <a:buNone/>
+            </a:pPr>
+            <a:r>
+              <a:rPr/>
+              <a:t>I</a:t>
+            </a:r>
+            <a:r>
+              <a:rPr/>
+              <a:t> </a:t>
+            </a:r>
+            <a:r>
+              <a:rPr/>
+              <a:t>work</a:t>
+            </a:r>
+            <a:r>
+              <a:rPr/>
+              <a:t> </a:t>
+            </a:r>
+            <a:r>
+              <a:rPr/>
+              <a:t>at</a:t>
+            </a:r>
+            <a:r>
+              <a:rPr/>
+              <a:t> </a:t>
+            </a:r>
+            <a:r>
+              <a:rPr/>
+              <a:t>two</a:t>
+            </a:r>
+            <a:r>
+              <a:rPr/>
+              <a:t> </a:t>
+            </a:r>
+            <a:r>
+              <a:rPr/>
+              <a:t>jobs.</a:t>
+            </a:r>
+            <a:r>
+              <a:rPr/>
+              <a:t> </a:t>
+            </a:r>
+            <a:r>
+              <a:rPr/>
+              <a:t>I</a:t>
+            </a:r>
+            <a:r>
+              <a:rPr/>
+              <a:t> </a:t>
+            </a:r>
+            <a:r>
+              <a:rPr/>
+              <a:t>am</a:t>
+            </a:r>
+            <a:r>
+              <a:rPr/>
+              <a:t> </a:t>
+            </a:r>
+            <a:r>
+              <a:rPr/>
+              <a:t>a</a:t>
+            </a:r>
+            <a:r>
+              <a:rPr/>
+              <a:t> </a:t>
+            </a:r>
+            <a:r>
+              <a:rPr/>
+              <a:t>part-time</a:t>
+            </a:r>
+            <a:r>
+              <a:rPr/>
+              <a:t> </a:t>
+            </a:r>
+            <a:r>
+              <a:rPr/>
+              <a:t>faculty</a:t>
+            </a:r>
+            <a:r>
+              <a:rPr/>
+              <a:t> </a:t>
+            </a:r>
+            <a:r>
+              <a:rPr/>
+              <a:t>member</a:t>
+            </a:r>
+            <a:r>
+              <a:rPr/>
+              <a:t> </a:t>
+            </a:r>
+            <a:r>
+              <a:rPr/>
+              <a:t>in</a:t>
+            </a:r>
+            <a:r>
+              <a:rPr/>
+              <a:t> </a:t>
+            </a:r>
+            <a:r>
+              <a:rPr/>
+              <a:t>the</a:t>
+            </a:r>
+            <a:r>
+              <a:rPr/>
+              <a:t> </a:t>
+            </a:r>
+            <a:r>
+              <a:rPr/>
+              <a:t>Department</a:t>
+            </a:r>
+            <a:r>
+              <a:rPr/>
+              <a:t> </a:t>
+            </a:r>
+            <a:r>
+              <a:rPr/>
+              <a:t>of</a:t>
+            </a:r>
+            <a:r>
+              <a:rPr/>
+              <a:t> </a:t>
+            </a:r>
+            <a:r>
+              <a:rPr/>
+              <a:t>Biomedical</a:t>
+            </a:r>
+            <a:r>
+              <a:rPr/>
+              <a:t> </a:t>
+            </a:r>
+            <a:r>
+              <a:rPr/>
+              <a:t>and</a:t>
+            </a:r>
+            <a:r>
+              <a:rPr/>
+              <a:t> </a:t>
+            </a:r>
+            <a:r>
+              <a:rPr/>
+              <a:t>Health</a:t>
+            </a:r>
+            <a:r>
+              <a:rPr/>
+              <a:t> </a:t>
+            </a:r>
+            <a:r>
+              <a:rPr/>
+              <a:t>Informatics</a:t>
+            </a:r>
+            <a:r>
+              <a:rPr/>
+              <a:t> </a:t>
+            </a:r>
+            <a:r>
+              <a:rPr/>
+              <a:t>at</a:t>
+            </a:r>
+            <a:r>
+              <a:rPr/>
+              <a:t> </a:t>
+            </a:r>
+            <a:r>
+              <a:rPr/>
+              <a:t>the</a:t>
+            </a:r>
+            <a:r>
+              <a:rPr/>
+              <a:t> </a:t>
+            </a:r>
+            <a:r>
+              <a:rPr/>
+              <a:t>University</a:t>
+            </a:r>
+            <a:r>
+              <a:rPr/>
+              <a:t> </a:t>
+            </a:r>
+            <a:r>
+              <a:rPr/>
+              <a:t>of</a:t>
+            </a:r>
+            <a:r>
+              <a:rPr/>
+              <a:t> </a:t>
+            </a:r>
+            <a:r>
+              <a:rPr/>
+              <a:t>Missouri-Kansas</a:t>
+            </a:r>
+            <a:r>
+              <a:rPr/>
+              <a:t> </a:t>
+            </a:r>
+            <a:r>
+              <a:rPr/>
+              <a:t>City,</a:t>
+            </a:r>
+            <a:r>
+              <a:rPr/>
+              <a:t> </a:t>
+            </a:r>
+            <a:r>
+              <a:rPr/>
+              <a:t>and</a:t>
+            </a:r>
+            <a:r>
+              <a:rPr/>
+              <a:t> </a:t>
+            </a:r>
+            <a:r>
+              <a:rPr/>
+              <a:t>I</a:t>
+            </a:r>
+            <a:r>
+              <a:rPr/>
+              <a:t> </a:t>
+            </a:r>
+            <a:r>
+              <a:rPr/>
+              <a:t>also</a:t>
+            </a:r>
+            <a:r>
+              <a:rPr/>
+              <a:t> </a:t>
+            </a:r>
+            <a:r>
+              <a:rPr/>
+              <a:t>run</a:t>
+            </a:r>
+            <a:r>
+              <a:rPr/>
+              <a:t> </a:t>
+            </a:r>
+            <a:r>
+              <a:rPr/>
+              <a:t>an</a:t>
+            </a:r>
+            <a:r>
+              <a:rPr/>
+              <a:t> </a:t>
+            </a:r>
+            <a:r>
+              <a:rPr/>
+              <a:t>independent</a:t>
+            </a:r>
+            <a:r>
+              <a:rPr/>
+              <a:t> </a:t>
+            </a:r>
+            <a:r>
+              <a:rPr/>
+              <a:t>consulting</a:t>
+            </a:r>
+            <a:r>
+              <a:rPr/>
+              <a:t> </a:t>
+            </a:r>
+            <a:r>
+              <a:rPr/>
+              <a:t>business.</a:t>
+            </a:r>
+            <a:r>
+              <a:rPr/>
+              <a:t> </a:t>
+            </a:r>
+            <a:r>
+              <a:rPr/>
+              <a:t>I</a:t>
+            </a:r>
+            <a:r>
+              <a:rPr/>
+              <a:t> </a:t>
+            </a:r>
+            <a:r>
+              <a:rPr/>
+              <a:t>will</a:t>
+            </a:r>
+            <a:r>
+              <a:rPr/>
+              <a:t> </a:t>
+            </a:r>
+            <a:r>
+              <a:rPr/>
+              <a:t>focus</a:t>
+            </a:r>
+            <a:r>
+              <a:rPr/>
+              <a:t> </a:t>
+            </a:r>
+            <a:r>
+              <a:rPr/>
+              <a:t>my</a:t>
+            </a:r>
+            <a:r>
+              <a:rPr/>
+              <a:t> </a:t>
+            </a:r>
+            <a:r>
+              <a:rPr/>
+              <a:t>tlk</a:t>
+            </a:r>
+            <a:r>
+              <a:rPr/>
+              <a:t> </a:t>
+            </a:r>
+            <a:r>
+              <a:rPr/>
+              <a:t>on</a:t>
+            </a:r>
+            <a:r>
+              <a:rPr/>
+              <a:t> </a:t>
+            </a:r>
+            <a:r>
+              <a:rPr/>
+              <a:t>the</a:t>
+            </a:r>
+            <a:r>
+              <a:rPr/>
+              <a:t> </a:t>
+            </a:r>
+            <a:r>
+              <a:rPr/>
+              <a:t>latter</a:t>
+            </a:r>
+            <a:r>
+              <a:rPr/>
+              <a:t> </a:t>
+            </a:r>
+            <a:r>
+              <a:rPr/>
+              <a:t>job,</a:t>
+            </a:r>
+            <a:r>
+              <a:rPr/>
+              <a:t> </a:t>
+            </a:r>
+            <a:r>
+              <a:rPr/>
+              <a:t>because</a:t>
+            </a:r>
+            <a:r>
+              <a:rPr/>
+              <a:t> </a:t>
+            </a:r>
+            <a:r>
+              <a:rPr/>
+              <a:t>that</a:t>
+            </a:r>
+            <a:r>
+              <a:rPr/>
+              <a:t> </a:t>
+            </a:r>
+            <a:r>
+              <a:rPr/>
+              <a:t>is</a:t>
+            </a:r>
+            <a:r>
+              <a:rPr/>
+              <a:t> </a:t>
+            </a:r>
+            <a:r>
+              <a:rPr/>
+              <a:t>the</a:t>
+            </a:r>
+            <a:r>
+              <a:rPr/>
+              <a:t> </a:t>
+            </a:r>
+            <a:r>
+              <a:rPr/>
+              <a:t>one</a:t>
+            </a:r>
+            <a:r>
+              <a:rPr/>
+              <a:t> </a:t>
+            </a:r>
+            <a:r>
+              <a:rPr/>
+              <a:t>that</a:t>
+            </a:r>
+            <a:r>
+              <a:rPr/>
+              <a:t> </a:t>
+            </a:r>
+            <a:r>
+              <a:rPr/>
+              <a:t>most</a:t>
+            </a:r>
+            <a:r>
+              <a:rPr/>
+              <a:t> </a:t>
+            </a:r>
+            <a:r>
+              <a:rPr/>
+              <a:t>people</a:t>
+            </a:r>
+            <a:r>
+              <a:rPr/>
+              <a:t> </a:t>
+            </a:r>
+            <a:r>
+              <a:rPr/>
+              <a:t>are</a:t>
+            </a:r>
+            <a:r>
+              <a:rPr/>
+              <a:t> </a:t>
+            </a:r>
+            <a:r>
+              <a:rPr/>
+              <a:t>interested</a:t>
+            </a:r>
+            <a:r>
+              <a:rPr/>
+              <a:t> </a:t>
+            </a:r>
+            <a:r>
+              <a:rPr/>
+              <a:t>in</a:t>
+            </a:r>
+            <a:r>
+              <a:rPr/>
+              <a:t> </a:t>
+            </a:r>
+            <a:r>
+              <a:rPr/>
+              <a:t>hearing</a:t>
+            </a:r>
+            <a:r>
+              <a:rPr/>
+              <a:t> </a:t>
+            </a:r>
+            <a:r>
+              <a:rPr/>
+              <a:t>about.</a:t>
+            </a:r>
+          </a:p>
+        </p:txBody>
+      </p:sp>
+      <p:sp>
+        <p:nvSpPr>
+          <p:cNvPr id="4" name="Slide Number Placeholder 3"/>
+          <p:cNvSpPr>
+            <a:spLocks noGrp="1"/>
+          </p:cNvSpPr>
+          <p:nvPr>
+            <p:ph type="sldNum" sz="quarter" idx="10"/>
+          </p:nvPr>
+        </p:nvSpPr>
+        <p:spPr/>
+        <p:txBody>
+          <a:bodyPr/>
+          <a:lstStyle/>
+          <a:p>
+            <a:fld id="{18BDFEC3-8487-43E8-A154-7C12CBC1FFF2}" type="slidenum">
+              <a:rPr lang="en-US"/>
+              <a:t>4</a:t>
+            </a:fld>
+            <a:endParaRPr lang="en-US"/>
+          </a:p>
+        </p:txBody>
+      </p:sp>
+    </p:spTree>
+  </p:cSld>
+</p:notes>
+</file>
+
+<file path=ppt/notesSlides/notesSlide4.xml><?xml version="1.0" encoding="utf-8"?>
+<p:notes xmlns:a="http://schemas.openxmlformats.org/drawingml/2006/main" xmlns:r="http://schemas.openxmlformats.org/officeDocument/2006/relationships" xmlns:p="http://schemas.openxmlformats.org/presentationml/2006/main">
+  <p:cSld>
+    <p:spTree>
+      <p:nvGrpSpPr>
+        <p:cNvPr id="1" name=""/>
+        <p:cNvGrpSpPr/>
+        <p:nvPr/>
+      </p:nvGrpSpPr>
+      <p:grpSpPr>
+        <a:xfrm>
+          <a:off x="0" y="0"/>
+          <a:ext cx="0" cy="0"/>
+          <a:chOff x="0" y="0"/>
+          <a:chExt cx="0" cy="0"/>
+        </a:xfrm>
+      </p:grpSpPr>
+      <p:sp>
+        <p:nvSpPr>
+          <p:cNvPr id="2" name="Slide Image Placeholder 1"/>
+          <p:cNvSpPr>
+            <a:spLocks noGrp="1" noRot="1" noChangeAspect="1"/>
+          </p:cNvSpPr>
+          <p:nvPr>
+            <p:ph type="sldImg"/>
+          </p:nvPr>
+        </p:nvSpPr>
+        <p:spPr/>
+      </p:sp>
+      <p:sp>
+        <p:nvSpPr>
+          <p:cNvPr id="3" name="Notes Placeholder 2"/>
+          <p:cNvSpPr>
+            <a:spLocks noGrp="1"/>
+          </p:cNvSpPr>
+          <p:nvPr>
+            <p:ph type="body" idx="1"/>
+          </p:nvPr>
+        </p:nvSpPr>
+        <p:spPr/>
+        <p:txBody>
+          <a:bodyPr/>
+          <a:lstStyle/>
+          <a:p>
+            <a:pPr lvl="0" marL="0" indent="0">
+              <a:buNone/>
+            </a:pPr>
+            <a:r>
+              <a:rPr/>
+              <a:t>Most</a:t>
+            </a:r>
+            <a:r>
+              <a:rPr/>
+              <a:t> </a:t>
+            </a:r>
+            <a:r>
+              <a:rPr/>
+              <a:t>of</a:t>
+            </a:r>
+            <a:r>
+              <a:rPr/>
+              <a:t> </a:t>
+            </a:r>
+            <a:r>
+              <a:rPr/>
+              <a:t>my</a:t>
+            </a:r>
+            <a:r>
+              <a:rPr/>
+              <a:t> </a:t>
+            </a:r>
+            <a:r>
+              <a:rPr/>
+              <a:t>previous</a:t>
+            </a:r>
+            <a:r>
+              <a:rPr/>
+              <a:t> </a:t>
+            </a:r>
+            <a:r>
+              <a:rPr/>
+              <a:t>work</a:t>
+            </a:r>
+            <a:r>
+              <a:rPr/>
+              <a:t> </a:t>
+            </a:r>
+            <a:r>
+              <a:rPr/>
+              <a:t>was</a:t>
+            </a:r>
+            <a:r>
+              <a:rPr/>
+              <a:t> </a:t>
+            </a:r>
+            <a:r>
+              <a:rPr/>
+              <a:t>consulting</a:t>
+            </a:r>
+            <a:r>
+              <a:rPr/>
+              <a:t> </a:t>
+            </a:r>
+            <a:r>
+              <a:rPr/>
+              <a:t>in</a:t>
+            </a:r>
+            <a:r>
+              <a:rPr/>
+              <a:t> </a:t>
+            </a:r>
+            <a:r>
+              <a:rPr/>
+              <a:t>health</a:t>
+            </a:r>
+            <a:r>
+              <a:rPr/>
+              <a:t> </a:t>
+            </a:r>
+            <a:r>
+              <a:rPr/>
+              <a:t>care</a:t>
+            </a:r>
+            <a:r>
+              <a:rPr/>
+              <a:t> </a:t>
+            </a:r>
+            <a:r>
+              <a:rPr/>
+              <a:t>areas.</a:t>
+            </a:r>
+            <a:r>
+              <a:rPr/>
+              <a:t> </a:t>
+            </a:r>
+            <a:r>
+              <a:rPr/>
+              <a:t>I</a:t>
+            </a:r>
+            <a:r>
+              <a:rPr/>
+              <a:t> </a:t>
+            </a:r>
+            <a:r>
+              <a:rPr/>
+              <a:t>worked</a:t>
+            </a:r>
+            <a:r>
+              <a:rPr/>
+              <a:t> </a:t>
+            </a:r>
+            <a:r>
+              <a:rPr/>
+              <a:t>with</a:t>
+            </a:r>
+            <a:r>
+              <a:rPr/>
+              <a:t> </a:t>
+            </a:r>
+            <a:r>
+              <a:rPr/>
+              <a:t>a</a:t>
+            </a:r>
+            <a:r>
+              <a:rPr/>
+              <a:t> </a:t>
+            </a:r>
+            <a:r>
+              <a:rPr/>
+              <a:t>lot</a:t>
+            </a:r>
+            <a:r>
+              <a:rPr/>
+              <a:t> </a:t>
+            </a:r>
+            <a:r>
+              <a:rPr/>
+              <a:t>of</a:t>
+            </a:r>
+            <a:r>
+              <a:rPr/>
+              <a:t> </a:t>
+            </a:r>
+            <a:r>
+              <a:rPr/>
+              <a:t>Pediatricians</a:t>
+            </a:r>
+            <a:r>
+              <a:rPr/>
+              <a:t> </a:t>
+            </a:r>
+            <a:r>
+              <a:rPr/>
+              <a:t>at</a:t>
+            </a:r>
+            <a:r>
+              <a:rPr/>
+              <a:t> </a:t>
+            </a:r>
+            <a:r>
+              <a:rPr/>
+              <a:t>Children’s</a:t>
+            </a:r>
+            <a:r>
+              <a:rPr/>
+              <a:t> </a:t>
+            </a:r>
+            <a:r>
+              <a:rPr/>
+              <a:t>Mercy</a:t>
+            </a:r>
+            <a:r>
+              <a:rPr/>
+              <a:t> </a:t>
+            </a:r>
+            <a:r>
+              <a:rPr/>
+              <a:t>Hospital</a:t>
+            </a:r>
+            <a:r>
+              <a:rPr/>
+              <a:t> </a:t>
+            </a:r>
+            <a:r>
+              <a:rPr/>
+              <a:t>in</a:t>
+            </a:r>
+            <a:r>
+              <a:rPr/>
+              <a:t> </a:t>
+            </a:r>
+            <a:r>
+              <a:rPr/>
+              <a:t>Kanas</a:t>
+            </a:r>
+            <a:r>
+              <a:rPr/>
+              <a:t> </a:t>
+            </a:r>
+            <a:r>
+              <a:rPr/>
+              <a:t>City.</a:t>
+            </a:r>
+          </a:p>
+        </p:txBody>
+      </p:sp>
+      <p:sp>
+        <p:nvSpPr>
+          <p:cNvPr id="4" name="Slide Number Placeholder 3"/>
+          <p:cNvSpPr>
+            <a:spLocks noGrp="1"/>
+          </p:cNvSpPr>
+          <p:nvPr>
+            <p:ph type="sldNum" sz="quarter" idx="10"/>
+          </p:nvPr>
+        </p:nvSpPr>
+        <p:spPr/>
+        <p:txBody>
+          <a:bodyPr/>
+          <a:lstStyle/>
+          <a:p>
+            <a:fld id="{18BDFEC3-8487-43E8-A154-7C12CBC1FFF2}" type="slidenum">
+              <a:rPr lang="en-US"/>
+              <a:t>5</a:t>
+            </a:fld>
+            <a:endParaRPr lang="en-US"/>
+          </a:p>
+        </p:txBody>
+      </p:sp>
+    </p:spTree>
+  </p:cSld>
+</p:notes>
+</file>
+
+<file path=ppt/notesSlides/notesSlide5.xml><?xml version="1.0" encoding="utf-8"?>
+<p:notes xmlns:a="http://schemas.openxmlformats.org/drawingml/2006/main" xmlns:r="http://schemas.openxmlformats.org/officeDocument/2006/relationships" xmlns:p="http://schemas.openxmlformats.org/presentationml/2006/main">
+  <p:cSld>
+    <p:spTree>
+      <p:nvGrpSpPr>
+        <p:cNvPr id="1" name=""/>
+        <p:cNvGrpSpPr/>
+        <p:nvPr/>
+      </p:nvGrpSpPr>
+      <p:grpSpPr>
+        <a:xfrm>
+          <a:off x="0" y="0"/>
+          <a:ext cx="0" cy="0"/>
+          <a:chOff x="0" y="0"/>
+          <a:chExt cx="0" cy="0"/>
+        </a:xfrm>
+      </p:grpSpPr>
+      <p:sp>
+        <p:nvSpPr>
+          <p:cNvPr id="2" name="Slide Image Placeholder 1"/>
+          <p:cNvSpPr>
+            <a:spLocks noGrp="1" noRot="1" noChangeAspect="1"/>
+          </p:cNvSpPr>
+          <p:nvPr>
+            <p:ph type="sldImg"/>
+          </p:nvPr>
+        </p:nvSpPr>
+        <p:spPr/>
+      </p:sp>
+      <p:sp>
+        <p:nvSpPr>
+          <p:cNvPr id="3" name="Notes Placeholder 2"/>
+          <p:cNvSpPr>
+            <a:spLocks noGrp="1"/>
+          </p:cNvSpPr>
+          <p:nvPr>
+            <p:ph type="body" idx="1"/>
+          </p:nvPr>
+        </p:nvSpPr>
+        <p:spPr/>
+        <p:txBody>
+          <a:bodyPr/>
+          <a:lstStyle/>
+          <a:p>
+            <a:pPr lvl="0" marL="0" indent="0">
+              <a:buNone/>
+            </a:pPr>
+            <a:r>
+              <a:rPr/>
+              <a:t>I</a:t>
+            </a:r>
+            <a:r>
+              <a:rPr/>
+              <a:t> </a:t>
+            </a:r>
+            <a:r>
+              <a:rPr/>
+              <a:t>also</a:t>
+            </a:r>
+            <a:r>
+              <a:rPr/>
+              <a:t> </a:t>
+            </a:r>
+            <a:r>
+              <a:rPr/>
+              <a:t>did</a:t>
+            </a:r>
+            <a:r>
+              <a:rPr/>
+              <a:t> </a:t>
+            </a:r>
+            <a:r>
+              <a:rPr/>
+              <a:t>a</a:t>
+            </a:r>
+            <a:r>
+              <a:rPr/>
+              <a:t> </a:t>
+            </a:r>
+            <a:r>
+              <a:rPr/>
+              <a:t>lot</a:t>
+            </a:r>
+            <a:r>
+              <a:rPr/>
+              <a:t> </a:t>
+            </a:r>
+            <a:r>
+              <a:rPr/>
+              <a:t>of</a:t>
+            </a:r>
+            <a:r>
+              <a:rPr/>
+              <a:t> </a:t>
+            </a:r>
+            <a:r>
+              <a:rPr/>
+              <a:t>work</a:t>
+            </a:r>
+            <a:r>
+              <a:rPr/>
+              <a:t> </a:t>
+            </a:r>
+            <a:r>
+              <a:rPr/>
+              <a:t>in</a:t>
+            </a:r>
+            <a:r>
+              <a:rPr/>
+              <a:t> </a:t>
+            </a:r>
+            <a:r>
+              <a:rPr/>
+              <a:t>occupational</a:t>
+            </a:r>
+            <a:r>
+              <a:rPr/>
+              <a:t> </a:t>
+            </a:r>
+            <a:r>
+              <a:rPr/>
+              <a:t>safety</a:t>
+            </a:r>
+            <a:r>
+              <a:rPr/>
+              <a:t> </a:t>
+            </a:r>
+            <a:r>
+              <a:rPr/>
+              <a:t>and</a:t>
+            </a:r>
+            <a:r>
+              <a:rPr/>
+              <a:t> </a:t>
+            </a:r>
+            <a:r>
+              <a:rPr/>
+              <a:t>health.</a:t>
+            </a:r>
+          </a:p>
+        </p:txBody>
+      </p:sp>
+      <p:sp>
+        <p:nvSpPr>
+          <p:cNvPr id="4" name="Slide Number Placeholder 3"/>
+          <p:cNvSpPr>
+            <a:spLocks noGrp="1"/>
+          </p:cNvSpPr>
+          <p:nvPr>
+            <p:ph type="sldNum" sz="quarter" idx="10"/>
+          </p:nvPr>
+        </p:nvSpPr>
+        <p:spPr/>
+        <p:txBody>
+          <a:bodyPr/>
+          <a:lstStyle/>
+          <a:p>
+            <a:fld id="{18BDFEC3-8487-43E8-A154-7C12CBC1FFF2}" type="slidenum">
+              <a:rPr lang="en-US"/>
+              <a:t>6</a:t>
+            </a:fld>
+            <a:endParaRPr lang="en-US"/>
+          </a:p>
+        </p:txBody>
+      </p:sp>
+    </p:spTree>
+  </p:cSld>
+</p:notes>
+</file>
+
+<file path=ppt/notesSlides/notesSlide6.xml><?xml version="1.0" encoding="utf-8"?>
+<p:notes xmlns:a="http://schemas.openxmlformats.org/drawingml/2006/main" xmlns:r="http://schemas.openxmlformats.org/officeDocument/2006/relationships" xmlns:p="http://schemas.openxmlformats.org/presentationml/2006/main">
+  <p:cSld>
+    <p:spTree>
+      <p:nvGrpSpPr>
+        <p:cNvPr id="1" name=""/>
+        <p:cNvGrpSpPr/>
+        <p:nvPr/>
+      </p:nvGrpSpPr>
+      <p:grpSpPr>
+        <a:xfrm>
+          <a:off x="0" y="0"/>
+          <a:ext cx="0" cy="0"/>
+          <a:chOff x="0" y="0"/>
+          <a:chExt cx="0" cy="0"/>
+        </a:xfrm>
+      </p:grpSpPr>
+      <p:sp>
+        <p:nvSpPr>
+          <p:cNvPr id="2" name="Slide Image Placeholder 1"/>
+          <p:cNvSpPr>
+            <a:spLocks noGrp="1" noRot="1" noChangeAspect="1"/>
+          </p:cNvSpPr>
+          <p:nvPr>
+            <p:ph type="sldImg"/>
+          </p:nvPr>
+        </p:nvSpPr>
+        <p:spPr/>
+      </p:sp>
+      <p:sp>
+        <p:nvSpPr>
+          <p:cNvPr id="3" name="Notes Placeholder 2"/>
+          <p:cNvSpPr>
+            <a:spLocks noGrp="1"/>
+          </p:cNvSpPr>
+          <p:nvPr>
+            <p:ph type="body" idx="1"/>
+          </p:nvPr>
+        </p:nvSpPr>
+        <p:spPr/>
+        <p:txBody>
+          <a:bodyPr/>
+          <a:lstStyle/>
+          <a:p>
+            <a:pPr lvl="0" marL="0" indent="0">
+              <a:buNone/>
+            </a:pPr>
+            <a:r>
+              <a:rPr/>
+              <a:t>Plus</a:t>
+            </a:r>
+            <a:r>
+              <a:rPr/>
+              <a:t> </a:t>
+            </a:r>
+            <a:r>
+              <a:rPr/>
+              <a:t>I</a:t>
+            </a:r>
+            <a:r>
+              <a:rPr/>
+              <a:t> </a:t>
+            </a:r>
+            <a:r>
+              <a:rPr/>
+              <a:t>have</a:t>
+            </a:r>
+            <a:r>
+              <a:rPr/>
+              <a:t> </a:t>
+            </a:r>
+            <a:r>
+              <a:rPr/>
+              <a:t>taught</a:t>
+            </a:r>
+            <a:r>
+              <a:rPr/>
+              <a:t> </a:t>
+            </a:r>
+            <a:r>
+              <a:rPr/>
+              <a:t>Business</a:t>
+            </a:r>
+            <a:r>
+              <a:rPr/>
+              <a:t> </a:t>
+            </a:r>
+            <a:r>
+              <a:rPr/>
+              <a:t>Statistics</a:t>
+            </a:r>
+            <a:r>
+              <a:rPr/>
+              <a:t> </a:t>
+            </a:r>
+            <a:r>
+              <a:rPr/>
+              <a:t>for</a:t>
+            </a:r>
+            <a:r>
+              <a:rPr/>
+              <a:t> </a:t>
+            </a:r>
+            <a:r>
+              <a:rPr/>
+              <a:t>undergraduate</a:t>
+            </a:r>
+            <a:r>
+              <a:rPr/>
+              <a:t> </a:t>
+            </a:r>
+            <a:r>
+              <a:rPr/>
+              <a:t>and</a:t>
+            </a:r>
+            <a:r>
+              <a:rPr/>
+              <a:t> </a:t>
+            </a:r>
+            <a:r>
+              <a:rPr/>
+              <a:t>MBA</a:t>
+            </a:r>
+            <a:r>
+              <a:rPr/>
+              <a:t> </a:t>
+            </a:r>
+            <a:r>
+              <a:rPr/>
+              <a:t>students.</a:t>
+            </a:r>
+          </a:p>
+        </p:txBody>
+      </p:sp>
+      <p:sp>
+        <p:nvSpPr>
+          <p:cNvPr id="4" name="Slide Number Placeholder 3"/>
+          <p:cNvSpPr>
+            <a:spLocks noGrp="1"/>
+          </p:cNvSpPr>
+          <p:nvPr>
+            <p:ph type="sldNum" sz="quarter" idx="10"/>
+          </p:nvPr>
+        </p:nvSpPr>
+        <p:spPr/>
+        <p:txBody>
+          <a:bodyPr/>
+          <a:lstStyle/>
+          <a:p>
+            <a:fld id="{18BDFEC3-8487-43E8-A154-7C12CBC1FFF2}" type="slidenum">
+              <a:rPr lang="en-US"/>
+              <a:t>7</a:t>
+            </a:fld>
+            <a:endParaRPr lang="en-US"/>
+          </a:p>
+        </p:txBody>
+      </p:sp>
+    </p:spTree>
+  </p:cSld>
+</p:notes>
+</file>
+
+<file path=ppt/notesSlides/notesSlide7.xml><?xml version="1.0" encoding="utf-8"?>
+<p:notes xmlns:a="http://schemas.openxmlformats.org/drawingml/2006/main" xmlns:r="http://schemas.openxmlformats.org/officeDocument/2006/relationships" xmlns:p="http://schemas.openxmlformats.org/presentationml/2006/main">
+  <p:cSld>
+    <p:spTree>
+      <p:nvGrpSpPr>
+        <p:cNvPr id="1" name=""/>
+        <p:cNvGrpSpPr/>
+        <p:nvPr/>
+      </p:nvGrpSpPr>
+      <p:grpSpPr>
+        <a:xfrm>
+          <a:off x="0" y="0"/>
+          <a:ext cx="0" cy="0"/>
+          <a:chOff x="0" y="0"/>
+          <a:chExt cx="0" cy="0"/>
+        </a:xfrm>
+      </p:grpSpPr>
+      <p:sp>
+        <p:nvSpPr>
+          <p:cNvPr id="2" name="Slide Image Placeholder 1"/>
+          <p:cNvSpPr>
+            <a:spLocks noGrp="1" noRot="1" noChangeAspect="1"/>
+          </p:cNvSpPr>
+          <p:nvPr>
+            <p:ph type="sldImg"/>
+          </p:nvPr>
+        </p:nvSpPr>
+        <p:spPr/>
+      </p:sp>
+      <p:sp>
+        <p:nvSpPr>
+          <p:cNvPr id="3" name="Notes Placeholder 2"/>
+          <p:cNvSpPr>
+            <a:spLocks noGrp="1"/>
+          </p:cNvSpPr>
+          <p:nvPr>
+            <p:ph type="body" idx="1"/>
+          </p:nvPr>
+        </p:nvSpPr>
+        <p:spPr/>
+        <p:txBody>
+          <a:bodyPr/>
+          <a:lstStyle/>
+          <a:p>
+            <a:pPr lvl="0" marL="0" indent="0">
+              <a:buNone/>
+            </a:pPr>
+            <a:r>
+              <a:rPr/>
+              <a:t>During</a:t>
+            </a:r>
+            <a:r>
+              <a:rPr/>
+              <a:t> </a:t>
+            </a:r>
+            <a:r>
+              <a:rPr/>
+              <a:t>my</a:t>
+            </a:r>
+            <a:r>
+              <a:rPr/>
+              <a:t> </a:t>
+            </a:r>
+            <a:r>
+              <a:rPr/>
+              <a:t>training</a:t>
+            </a:r>
+            <a:r>
+              <a:rPr/>
+              <a:t> </a:t>
+            </a:r>
+            <a:r>
+              <a:rPr/>
+              <a:t>at</a:t>
+            </a:r>
+            <a:r>
+              <a:rPr/>
+              <a:t> </a:t>
+            </a:r>
+            <a:r>
+              <a:rPr/>
+              <a:t>the</a:t>
+            </a:r>
+            <a:r>
+              <a:rPr/>
+              <a:t> </a:t>
+            </a:r>
+            <a:r>
+              <a:rPr/>
+              <a:t>University</a:t>
+            </a:r>
+            <a:r>
+              <a:rPr/>
+              <a:t> </a:t>
+            </a:r>
+            <a:r>
+              <a:rPr/>
+              <a:t>of</a:t>
+            </a:r>
+            <a:r>
+              <a:rPr/>
+              <a:t> </a:t>
+            </a:r>
+            <a:r>
+              <a:rPr/>
+              <a:t>Iowa,</a:t>
+            </a:r>
+            <a:r>
+              <a:rPr/>
+              <a:t> </a:t>
+            </a:r>
+            <a:r>
+              <a:rPr/>
+              <a:t>I</a:t>
+            </a:r>
+            <a:r>
+              <a:rPr/>
+              <a:t> </a:t>
+            </a:r>
+            <a:r>
+              <a:rPr/>
+              <a:t>got</a:t>
+            </a:r>
+            <a:r>
+              <a:rPr/>
+              <a:t> </a:t>
+            </a:r>
+            <a:r>
+              <a:rPr/>
+              <a:t>a</a:t>
+            </a:r>
+            <a:r>
+              <a:rPr/>
+              <a:t> </a:t>
+            </a:r>
+            <a:r>
+              <a:rPr/>
+              <a:t>lot</a:t>
+            </a:r>
+            <a:r>
+              <a:rPr/>
+              <a:t> </a:t>
+            </a:r>
+            <a:r>
+              <a:rPr/>
+              <a:t>of</a:t>
+            </a:r>
+            <a:r>
+              <a:rPr/>
+              <a:t> </a:t>
+            </a:r>
+            <a:r>
+              <a:rPr/>
+              <a:t>applied</a:t>
+            </a:r>
+            <a:r>
+              <a:rPr/>
+              <a:t> </a:t>
+            </a:r>
+            <a:r>
+              <a:rPr/>
+              <a:t>experience</a:t>
+            </a:r>
+          </a:p>
+        </p:txBody>
+      </p:sp>
+      <p:sp>
+        <p:nvSpPr>
+          <p:cNvPr id="4" name="Slide Number Placeholder 3"/>
+          <p:cNvSpPr>
+            <a:spLocks noGrp="1"/>
+          </p:cNvSpPr>
+          <p:nvPr>
+            <p:ph type="sldNum" sz="quarter" idx="10"/>
+          </p:nvPr>
+        </p:nvSpPr>
+        <p:spPr/>
+        <p:txBody>
+          <a:bodyPr/>
+          <a:lstStyle/>
+          <a:p>
+            <a:fld id="{18BDFEC3-8487-43E8-A154-7C12CBC1FFF2}" type="slidenum">
+              <a:rPr lang="en-US"/>
+              <a:t>8</a:t>
+            </a:fld>
+            <a:endParaRPr lang="en-US"/>
+          </a:p>
+        </p:txBody>
+      </p:sp>
+    </p:spTree>
+  </p:cSld>
+</p:notes>
+</file>
+
+<file path=ppt/notesSlides/notesSlide8.xml><?xml version="1.0" encoding="utf-8"?>
+<p:notes xmlns:a="http://schemas.openxmlformats.org/drawingml/2006/main" xmlns:r="http://schemas.openxmlformats.org/officeDocument/2006/relationships" xmlns:p="http://schemas.openxmlformats.org/presentationml/2006/main">
+  <p:cSld>
+    <p:spTree>
+      <p:nvGrpSpPr>
+        <p:cNvPr id="1" name=""/>
+        <p:cNvGrpSpPr/>
+        <p:nvPr/>
+      </p:nvGrpSpPr>
+      <p:grpSpPr>
+        <a:xfrm>
+          <a:off x="0" y="0"/>
+          <a:ext cx="0" cy="0"/>
+          <a:chOff x="0" y="0"/>
+          <a:chExt cx="0" cy="0"/>
+        </a:xfrm>
+      </p:grpSpPr>
+      <p:sp>
+        <p:nvSpPr>
+          <p:cNvPr id="2" name="Slide Image Placeholder 1"/>
+          <p:cNvSpPr>
+            <a:spLocks noGrp="1" noRot="1" noChangeAspect="1"/>
+          </p:cNvSpPr>
+          <p:nvPr>
+            <p:ph type="sldImg"/>
+          </p:nvPr>
+        </p:nvSpPr>
+        <p:spPr/>
+      </p:sp>
+      <p:sp>
+        <p:nvSpPr>
+          <p:cNvPr id="3" name="Notes Placeholder 2"/>
+          <p:cNvSpPr>
+            <a:spLocks noGrp="1"/>
+          </p:cNvSpPr>
+          <p:nvPr>
+            <p:ph type="body" idx="1"/>
+          </p:nvPr>
+        </p:nvSpPr>
+        <p:spPr/>
+        <p:txBody>
+          <a:bodyPr/>
+          <a:lstStyle/>
+          <a:p>
+            <a:pPr lvl="0" marL="0" indent="0">
+              <a:buNone/>
+            </a:pPr>
+            <a:r>
+              <a:rPr/>
+              <a:t>I’ve</a:t>
+            </a:r>
+            <a:r>
+              <a:rPr/>
+              <a:t> </a:t>
+            </a:r>
+            <a:r>
+              <a:rPr/>
+              <a:t>been</a:t>
+            </a:r>
+            <a:r>
+              <a:rPr/>
+              <a:t> </a:t>
+            </a:r>
+            <a:r>
+              <a:rPr/>
+              <a:t>on</a:t>
+            </a:r>
+            <a:r>
+              <a:rPr/>
+              <a:t> </a:t>
+            </a:r>
+            <a:r>
+              <a:rPr/>
+              <a:t>a</a:t>
+            </a:r>
+            <a:r>
+              <a:rPr/>
+              <a:t> </a:t>
+            </a:r>
+            <a:r>
+              <a:rPr/>
+              <a:t>few</a:t>
+            </a:r>
+            <a:r>
+              <a:rPr/>
+              <a:t> </a:t>
+            </a:r>
+            <a:r>
+              <a:rPr/>
+              <a:t>grants</a:t>
+            </a:r>
+            <a:r>
+              <a:rPr/>
+              <a:t> </a:t>
+            </a:r>
+            <a:r>
+              <a:rPr/>
+              <a:t>and</a:t>
+            </a:r>
+            <a:r>
+              <a:rPr/>
+              <a:t> </a:t>
+            </a:r>
+            <a:r>
+              <a:rPr/>
+              <a:t>have</a:t>
+            </a:r>
+            <a:r>
+              <a:rPr/>
+              <a:t> </a:t>
+            </a:r>
+            <a:r>
+              <a:rPr/>
+              <a:t>helped</a:t>
+            </a:r>
+            <a:r>
+              <a:rPr/>
+              <a:t> </a:t>
+            </a:r>
+            <a:r>
+              <a:rPr/>
+              <a:t>out</a:t>
+            </a:r>
+            <a:r>
+              <a:rPr/>
+              <a:t> </a:t>
+            </a:r>
+            <a:r>
+              <a:rPr/>
+              <a:t>on</a:t>
+            </a:r>
+            <a:r>
+              <a:rPr/>
+              <a:t> </a:t>
+            </a:r>
+            <a:r>
+              <a:rPr/>
+              <a:t>many</a:t>
+            </a:r>
+            <a:r>
+              <a:rPr/>
+              <a:t> </a:t>
+            </a:r>
+            <a:r>
+              <a:rPr/>
+              <a:t>others</a:t>
+            </a:r>
+            <a:r>
+              <a:rPr/>
+              <a:t> </a:t>
+            </a:r>
+            <a:r>
+              <a:rPr/>
+              <a:t>that</a:t>
+            </a:r>
+            <a:r>
+              <a:rPr/>
+              <a:t> </a:t>
+            </a:r>
+            <a:r>
+              <a:rPr/>
+              <a:t>were</a:t>
+            </a:r>
+            <a:r>
+              <a:rPr/>
+              <a:t> </a:t>
+            </a:r>
+            <a:r>
+              <a:rPr/>
+              <a:t>too</a:t>
+            </a:r>
+            <a:r>
+              <a:rPr/>
+              <a:t> </a:t>
+            </a:r>
+            <a:r>
+              <a:rPr/>
+              <a:t>small</a:t>
+            </a:r>
+            <a:r>
+              <a:rPr/>
+              <a:t> </a:t>
+            </a:r>
+            <a:r>
+              <a:rPr/>
+              <a:t>to</a:t>
+            </a:r>
+            <a:r>
+              <a:rPr/>
+              <a:t> </a:t>
+            </a:r>
+            <a:r>
+              <a:rPr/>
+              <a:t>include</a:t>
+            </a:r>
+            <a:r>
+              <a:rPr/>
+              <a:t> </a:t>
+            </a:r>
+            <a:r>
+              <a:rPr/>
+              <a:t>funding</a:t>
+            </a:r>
+            <a:r>
+              <a:rPr/>
+              <a:t> </a:t>
+            </a:r>
+            <a:r>
+              <a:rPr/>
+              <a:t>for</a:t>
+            </a:r>
+            <a:r>
+              <a:rPr/>
+              <a:t> </a:t>
+            </a:r>
+            <a:r>
+              <a:rPr/>
+              <a:t>a</a:t>
+            </a:r>
+            <a:r>
+              <a:rPr/>
+              <a:t> </a:t>
+            </a:r>
+            <a:r>
+              <a:rPr/>
+              <a:t>statistician.</a:t>
+            </a:r>
+          </a:p>
+        </p:txBody>
+      </p:sp>
+      <p:sp>
+        <p:nvSpPr>
+          <p:cNvPr id="4" name="Slide Number Placeholder 3"/>
+          <p:cNvSpPr>
+            <a:spLocks noGrp="1"/>
+          </p:cNvSpPr>
+          <p:nvPr>
+            <p:ph type="sldNum" sz="quarter" idx="10"/>
+          </p:nvPr>
+        </p:nvSpPr>
+        <p:spPr/>
+        <p:txBody>
+          <a:bodyPr/>
+          <a:lstStyle/>
+          <a:p>
+            <a:fld id="{18BDFEC3-8487-43E8-A154-7C12CBC1FFF2}" type="slidenum">
+              <a:rPr lang="en-US"/>
+              <a:t>9</a:t>
+            </a:fld>
+            <a:endParaRPr lang="en-US"/>
+          </a:p>
+        </p:txBody>
+      </p:sp>
+    </p:spTree>
+  </p:cSld>
+</p:notes>
+</file>
+
+<file path=ppt/notesSlides/notesSlide9.xml><?xml version="1.0" encoding="utf-8"?>
+<p:notes xmlns:a="http://schemas.openxmlformats.org/drawingml/2006/main" xmlns:r="http://schemas.openxmlformats.org/officeDocument/2006/relationships" xmlns:p="http://schemas.openxmlformats.org/presentationml/2006/main">
+  <p:cSld>
+    <p:spTree>
+      <p:nvGrpSpPr>
+        <p:cNvPr id="1" name=""/>
+        <p:cNvGrpSpPr/>
+        <p:nvPr/>
+      </p:nvGrpSpPr>
+      <p:grpSpPr>
+        <a:xfrm>
+          <a:off x="0" y="0"/>
+          <a:ext cx="0" cy="0"/>
+          <a:chOff x="0" y="0"/>
+          <a:chExt cx="0" cy="0"/>
+        </a:xfrm>
+      </p:grpSpPr>
+      <p:sp>
+        <p:nvSpPr>
+          <p:cNvPr id="2" name="Slide Image Placeholder 1"/>
+          <p:cNvSpPr>
+            <a:spLocks noGrp="1" noRot="1" noChangeAspect="1"/>
+          </p:cNvSpPr>
+          <p:nvPr>
+            <p:ph type="sldImg"/>
+          </p:nvPr>
+        </p:nvSpPr>
+        <p:spPr/>
+      </p:sp>
+      <p:sp>
+        <p:nvSpPr>
+          <p:cNvPr id="3" name="Notes Placeholder 2"/>
+          <p:cNvSpPr>
+            <a:spLocks noGrp="1"/>
+          </p:cNvSpPr>
+          <p:nvPr>
+            <p:ph type="body" idx="1"/>
+          </p:nvPr>
+        </p:nvSpPr>
+        <p:spPr/>
+        <p:txBody>
+          <a:bodyPr/>
+          <a:lstStyle/>
+          <a:p>
+            <a:pPr lvl="0" marL="0" indent="0">
+              <a:buNone/>
+            </a:pPr>
+            <a:r>
+              <a:rPr/>
+              <a:t>I’ve</a:t>
+            </a:r>
+            <a:r>
+              <a:rPr/>
+              <a:t> </a:t>
+            </a:r>
+            <a:r>
+              <a:rPr/>
+              <a:t>written</a:t>
+            </a:r>
+            <a:r>
+              <a:rPr/>
+              <a:t> </a:t>
+            </a:r>
+            <a:r>
+              <a:rPr/>
+              <a:t>quite</a:t>
+            </a:r>
+            <a:r>
+              <a:rPr/>
+              <a:t> </a:t>
+            </a:r>
+            <a:r>
+              <a:rPr/>
+              <a:t>a</a:t>
+            </a:r>
+            <a:r>
+              <a:rPr/>
+              <a:t> </a:t>
+            </a:r>
+            <a:r>
+              <a:rPr/>
+              <a:t>few</a:t>
+            </a:r>
+            <a:r>
+              <a:rPr/>
+              <a:t> </a:t>
+            </a:r>
+            <a:r>
+              <a:rPr/>
+              <a:t>papers,</a:t>
+            </a:r>
+            <a:r>
+              <a:rPr/>
+              <a:t> </a:t>
+            </a:r>
+            <a:r>
+              <a:rPr/>
+              <a:t>though</a:t>
+            </a:r>
+            <a:r>
+              <a:rPr/>
+              <a:t> </a:t>
+            </a:r>
+            <a:r>
+              <a:rPr/>
+              <a:t>only</a:t>
+            </a:r>
+            <a:r>
+              <a:rPr/>
+              <a:t> </a:t>
+            </a:r>
+            <a:r>
+              <a:rPr/>
+              <a:t>a</a:t>
+            </a:r>
+            <a:r>
+              <a:rPr/>
+              <a:t> </a:t>
+            </a:r>
+            <a:r>
+              <a:rPr/>
+              <a:t>handful</a:t>
+            </a:r>
+            <a:r>
+              <a:rPr/>
+              <a:t> </a:t>
+            </a:r>
+            <a:r>
+              <a:rPr/>
+              <a:t>as</a:t>
+            </a:r>
+            <a:r>
+              <a:rPr/>
+              <a:t> </a:t>
+            </a:r>
+            <a:r>
+              <a:rPr/>
+              <a:t>first</a:t>
+            </a:r>
+            <a:r>
+              <a:rPr/>
+              <a:t> </a:t>
+            </a:r>
+            <a:r>
+              <a:rPr/>
+              <a:t>author.</a:t>
+            </a:r>
+          </a:p>
+        </p:txBody>
+      </p:sp>
+      <p:sp>
+        <p:nvSpPr>
+          <p:cNvPr id="4" name="Slide Number Placeholder 3"/>
+          <p:cNvSpPr>
+            <a:spLocks noGrp="1"/>
+          </p:cNvSpPr>
+          <p:nvPr>
+            <p:ph type="sldNum" sz="quarter" idx="10"/>
+          </p:nvPr>
+        </p:nvSpPr>
+        <p:spPr/>
+        <p:txBody>
+          <a:bodyPr/>
+          <a:lstStyle/>
+          <a:p>
+            <a:fld id="{18BDFEC3-8487-43E8-A154-7C12CBC1FFF2}" type="slidenum">
+              <a:rPr lang="en-US"/>
+              <a:t>10</a:t>
+            </a:fld>
+            <a:endParaRPr lang="en-US"/>
+          </a:p>
+        </p:txBody>
+      </p:sp>
+    </p:spTree>
+  </p:cSld>
+</p:notes>
 </file>
 
 <file path=ppt/slideLayouts/slideLayout1.xml><?xml version="1.0" encoding="utf-8"?>
@@ -3157,7 +10162,47 @@
             </a:pPr>
             <a:r>
               <a:rPr/>
-              <a:t>Introduction</a:t>
+              <a:t>Panel</a:t>
+            </a:r>
+            <a:r>
+              <a:rPr/>
+              <a:t> </a:t>
+            </a:r>
+            <a:r>
+              <a:rPr/>
+              <a:t>discussion</a:t>
+            </a:r>
+            <a:r>
+              <a:rPr/>
+              <a:t> </a:t>
+            </a:r>
+            <a:r>
+              <a:rPr/>
+              <a:t>on</a:t>
+            </a:r>
+            <a:r>
+              <a:rPr/>
+              <a:t> </a:t>
+            </a:r>
+            <a:r>
+              <a:rPr/>
+              <a:t>careers</a:t>
+            </a:r>
+            <a:r>
+              <a:rPr/>
+              <a:t> </a:t>
+            </a:r>
+            <a:r>
+              <a:rPr/>
+              <a:t>in</a:t>
+            </a:r>
+            <a:r>
+              <a:rPr/>
+              <a:t> </a:t>
+            </a:r>
+            <a:r>
+              <a:rPr/>
+              <a:t>Statistics</a:t>
             </a:r>
           </a:p>
         </p:txBody>
@@ -3323,7 +10368,7 @@
           <p:nvPr/>
         </p:nvPicPr>
         <p:blipFill>
-          <a:blip r:embed="rId2"/>
+          <a:blip r:embed="rId3"/>
           <a:stretch>
             <a:fillRect/>
           </a:stretch>
@@ -3494,7 +10539,7 @@
           <p:nvPr/>
         </p:nvPicPr>
         <p:blipFill>
-          <a:blip r:embed="rId2"/>
+          <a:blip r:embed="rId3"/>
           <a:stretch>
             <a:fillRect/>
           </a:stretch>
@@ -3710,7 +10755,7 @@
             </a:r>
             <a:r>
               <a:rPr>
-                <a:hlinkClick r:id="rId2"/>
+                <a:hlinkClick r:id="rId3"/>
               </a:rPr>
               <a:t>https://github.com/pmean/papers-and-presentations</a:t>
             </a:r>
@@ -3727,7 +10772,7 @@
             </a:r>
             <a:r>
               <a:rPr>
-                <a:hlinkClick r:id="rId3"/>
+                <a:hlinkClick r:id="rId4"/>
               </a:rPr>
               <a:t>https://github.com/pmean/resume</a:t>
             </a:r>
@@ -4097,6 +11142,78 @@
           </a:p>
         </p:txBody>
       </p:sp>
+      <p:sp>
+        <p:nvSpPr>
+          <p:cNvPr id="3" name="Content Placeholder 2"/>
+          <p:cNvSpPr>
+            <a:spLocks noGrp="1"/>
+          </p:cNvSpPr>
+          <p:nvPr>
+            <p:ph idx="1"/>
+          </p:nvPr>
+        </p:nvSpPr>
+        <p:spPr/>
+        <p:txBody>
+          <a:bodyPr/>
+          <a:lstStyle/>
+          <a:p>
+            <a:pPr lvl="1"/>
+            <a:r>
+              <a:rPr/>
+              <a:t>Evidence-Based Medicine</a:t>
+            </a:r>
+          </a:p>
+          <a:p>
+            <a:pPr lvl="1"/>
+            <a:r>
+              <a:rPr/>
+              <a:t>Gibbs sampling</a:t>
+            </a:r>
+          </a:p>
+          <a:p>
+            <a:pPr lvl="1"/>
+            <a:r>
+              <a:rPr/>
+              <a:t>How to supervise</a:t>
+            </a:r>
+          </a:p>
+          <a:p>
+            <a:pPr lvl="1"/>
+            <a:r>
+              <a:rPr/>
+              <a:t>Meta-analysis</a:t>
+            </a:r>
+          </a:p>
+          <a:p>
+            <a:pPr lvl="1"/>
+            <a:r>
+              <a:rPr/>
+              <a:t>Mixed models</a:t>
+            </a:r>
+          </a:p>
+          <a:p>
+            <a:pPr lvl="1"/>
+            <a:r>
+              <a:rPr/>
+              <a:t>Model based clustering</a:t>
+            </a:r>
+          </a:p>
+          <a:p>
+            <a:pPr lvl="1"/>
+            <a:r>
+              <a:rPr/>
+              <a:t>Modern statistical software</a:t>
+            </a:r>
+          </a:p>
+          <a:p>
+            <a:pPr lvl="1"/>
+            <a:r>
+              <a:rPr/>
+              <a:t>Smoothing splines</a:t>
+            </a:r>
+          </a:p>
+        </p:txBody>
+      </p:sp>
     </p:spTree>
   </p:cSld>
 </p:sld>
@@ -4272,6 +11389,36 @@
           </a:p>
         </p:txBody>
       </p:sp>
+      <p:sp>
+        <p:nvSpPr>
+          <p:cNvPr id="3" name="Content Placeholder 2"/>
+          <p:cNvSpPr>
+            <a:spLocks noGrp="1"/>
+          </p:cNvSpPr>
+          <p:nvPr>
+            <p:ph idx="1"/>
+          </p:nvPr>
+        </p:nvSpPr>
+        <p:spPr/>
+        <p:txBody>
+          <a:bodyPr/>
+          <a:lstStyle/>
+          <a:p>
+            <a:pPr lvl="1"/>
+            <a:r>
+              <a:rPr/>
+              <a:t>Interpersonal consulting skills</a:t>
+            </a:r>
+          </a:p>
+          <a:p>
+            <a:pPr lvl="1"/>
+            <a:r>
+              <a:rPr/>
+              <a:t>Start early on publications</a:t>
+            </a:r>
+          </a:p>
+        </p:txBody>
+      </p:sp>
     </p:spTree>
   </p:cSld>
 </p:sld>
@@ -5010,7 +12157,15 @@
             </a:pPr>
             <a:r>
               <a:rPr/>
-              <a:t>I</a:t>
+              <a:t>My</a:t>
+            </a:r>
+            <a:r>
+              <a:rPr/>
+              <a:t> </a:t>
+            </a:r>
+            <a:r>
+              <a:rPr/>
+              <a:t>resume</a:t>
             </a:r>
             <a:r>
               <a:rPr/>
@@ -5019,38 +12174,6 @@
             <a:r>
               <a:rPr/>
               <a:t>will</a:t>
-            </a:r>
-            <a:r>
-              <a:rPr/>
-              <a:t> </a:t>
-            </a:r>
-            <a:r>
-              <a:rPr/>
-              <a:t>use</a:t>
-            </a:r>
-            <a:r>
-              <a:rPr/>
-              <a:t> </a:t>
-            </a:r>
-            <a:r>
-              <a:rPr/>
-              <a:t>my</a:t>
-            </a:r>
-            <a:r>
-              <a:rPr/>
-              <a:t> </a:t>
-            </a:r>
-            <a:r>
-              <a:rPr/>
-              <a:t>resume</a:t>
-            </a:r>
-            <a:r>
-              <a:rPr/>
-              <a:t> </a:t>
-            </a:r>
-            <a:r>
-              <a:rPr/>
-              <a:t>to</a:t>
             </a:r>
             <a:r>
               <a:rPr/>
@@ -5080,7 +12203,7 @@
           <p:nvPr/>
         </p:nvPicPr>
         <p:blipFill>
-          <a:blip r:embed="rId2"/>
+          <a:blip r:embed="rId3"/>
           <a:stretch>
             <a:fillRect/>
           </a:stretch>
@@ -5150,7 +12273,7 @@
             </a:r>
             <a:r>
               <a:rPr>
-                <a:hlinkClick r:id="rId3"/>
+                <a:hlinkClick r:id="rId4"/>
               </a:rPr>
               <a:t>https://github.com/pmean/resume</a:t>
             </a:r>
@@ -5929,7 +13052,7 @@
           <p:nvPr/>
         </p:nvPicPr>
         <p:blipFill>
-          <a:blip r:embed="rId2"/>
+          <a:blip r:embed="rId3"/>
           <a:stretch>
             <a:fillRect/>
           </a:stretch>
@@ -6108,7 +13231,7 @@
           <p:nvPr/>
         </p:nvPicPr>
         <p:blipFill>
-          <a:blip r:embed="rId2"/>
+          <a:blip r:embed="rId3"/>
           <a:stretch>
             <a:fillRect/>
           </a:stretch>
@@ -6303,7 +13426,7 @@
           <p:nvPr/>
         </p:nvPicPr>
         <p:blipFill>
-          <a:blip r:embed="rId2"/>
+          <a:blip r:embed="rId3"/>
           <a:stretch>
             <a:fillRect/>
           </a:stretch>
@@ -6474,7 +13597,7 @@
           <p:nvPr/>
         </p:nvPicPr>
         <p:blipFill>
-          <a:blip r:embed="rId2"/>
+          <a:blip r:embed="rId3"/>
           <a:stretch>
             <a:fillRect/>
           </a:stretch>
@@ -6685,7 +13808,7 @@
           <p:nvPr/>
         </p:nvPicPr>
         <p:blipFill>
-          <a:blip r:embed="rId2"/>
+          <a:blip r:embed="rId3"/>
           <a:stretch>
             <a:fillRect/>
           </a:stretch>
@@ -6896,7 +14019,7 @@
           <p:nvPr/>
         </p:nvPicPr>
         <p:blipFill>
-          <a:blip r:embed="rId2"/>
+          <a:blip r:embed="rId3"/>
           <a:stretch>
             <a:fillRect/>
           </a:stretch>
@@ -7107,7 +14230,7 @@
           <p:nvPr/>
         </p:nvPicPr>
         <p:blipFill>
-          <a:blip r:embed="rId2"/>
+          <a:blip r:embed="rId3"/>
           <a:stretch>
             <a:fillRect/>
           </a:stretch>
@@ -7513,4 +14636,265 @@
   </a:objectDefaults>
   <a:extraClrSchemeLst/>
 </a:theme>
+</file>
+
+<file path=ppt/theme/theme2.xml><?xml version="1.0" encoding="utf-8"?>
+<a:theme xmlns:a="http://schemas.openxmlformats.org/drawingml/2006/main" name="Office Theme">
+  <a:themeElements>
+    <a:clrScheme name="Office">
+      <a:dk1>
+        <a:sysClr val="windowText" lastClr="000000"/>
+      </a:dk1>
+      <a:lt1>
+        <a:sysClr val="window" lastClr="FFFFFF"/>
+      </a:lt1>
+      <a:dk2>
+        <a:srgbClr val="44546A"/>
+      </a:dk2>
+      <a:lt2>
+        <a:srgbClr val="E7E6E6"/>
+      </a:lt2>
+      <a:accent1>
+        <a:srgbClr val="5B9BD5"/>
+      </a:accent1>
+      <a:accent2>
+        <a:srgbClr val="ED7D31"/>
+      </a:accent2>
+      <a:accent3>
+        <a:srgbClr val="A5A5A5"/>
+      </a:accent3>
+      <a:accent4>
+        <a:srgbClr val="FFC000"/>
+      </a:accent4>
+      <a:accent5>
+        <a:srgbClr val="4472C4"/>
+      </a:accent5>
+      <a:accent6>
+        <a:srgbClr val="70AD47"/>
+      </a:accent6>
+      <a:hlink>
+        <a:srgbClr val="0563C1"/>
+      </a:hlink>
+      <a:folHlink>
+        <a:srgbClr val="954F72"/>
+      </a:folHlink>
+    </a:clrScheme>
+    <a:fontScheme name="Office">
+      <a:majorFont>
+        <a:latin typeface="Calibri Light" panose="020F0302020204030204"/>
+        <a:ea typeface=""/>
+        <a:cs typeface=""/>
+        <a:font script="Jpan" typeface="ＭＳ Ｐゴシック"/>
+        <a:font script="Hang" typeface="맑은 고딕"/>
+        <a:font script="Hans" typeface="宋体"/>
+        <a:font script="Hant" typeface="新細明體"/>
+        <a:font script="Arab" typeface="Times New Roman"/>
+        <a:font script="Hebr" typeface="Times New Roman"/>
+        <a:font script="Thai" typeface="Angsana New"/>
+        <a:font script="Ethi" typeface="Nyala"/>
+        <a:font script="Beng" typeface="Vrinda"/>
+        <a:font script="Gujr" typeface="Shruti"/>
+        <a:font script="Khmr" typeface="MoolBoran"/>
+        <a:font script="Knda" typeface="Tunga"/>
+        <a:font script="Guru" typeface="Raavi"/>
+        <a:font script="Cans" typeface="Euphemia"/>
+        <a:font script="Cher" typeface="Plantagenet Cherokee"/>
+        <a:font script="Yiii" typeface="Microsoft Yi Baiti"/>
+        <a:font script="Tibt" typeface="Microsoft Himalaya"/>
+        <a:font script="Thaa" typeface="MV Boli"/>
+        <a:font script="Deva" typeface="Mangal"/>
+        <a:font script="Telu" typeface="Gautami"/>
+        <a:font script="Taml" typeface="Latha"/>
+        <a:font script="Syrc" typeface="Estrangelo Edessa"/>
+        <a:font script="Orya" typeface="Kalinga"/>
+        <a:font script="Mlym" typeface="Kartika"/>
+        <a:font script="Laoo" typeface="DokChampa"/>
+        <a:font script="Sinh" typeface="Iskoola Pota"/>
+        <a:font script="Mong" typeface="Mongolian Baiti"/>
+        <a:font script="Viet" typeface="Times New Roman"/>
+        <a:font script="Uigh" typeface="Microsoft Uighur"/>
+        <a:font script="Geor" typeface="Sylfaen"/>
+      </a:majorFont>
+      <a:minorFont>
+        <a:latin typeface="Calibri" panose="020F0502020204030204"/>
+        <a:ea typeface=""/>
+        <a:cs typeface=""/>
+        <a:font script="Jpan" typeface="ＭＳ Ｐゴシック"/>
+        <a:font script="Hang" typeface="맑은 고딕"/>
+        <a:font script="Hans" typeface="宋体"/>
+        <a:font script="Hant" typeface="新細明體"/>
+        <a:font script="Arab" typeface="Arial"/>
+        <a:font script="Hebr" typeface="Arial"/>
+        <a:font script="Thai" typeface="Cordia New"/>
+        <a:font script="Ethi" typeface="Nyala"/>
+        <a:font script="Beng" typeface="Vrinda"/>
+        <a:font script="Gujr" typeface="Shruti"/>
+        <a:font script="Khmr" typeface="DaunPenh"/>
+        <a:font script="Knda" typeface="Tunga"/>
+        <a:font script="Guru" typeface="Raavi"/>
+        <a:font script="Cans" typeface="Euphemia"/>
+        <a:font script="Cher" typeface="Plantagenet Cherokee"/>
+        <a:font script="Yiii" typeface="Microsoft Yi Baiti"/>
+        <a:font script="Tibt" typeface="Microsoft Himalaya"/>
+        <a:font script="Thaa" typeface="MV Boli"/>
+        <a:font script="Deva" typeface="Mangal"/>
+        <a:font script="Telu" typeface="Gautami"/>
+        <a:font script="Taml" typeface="Latha"/>
+        <a:font script="Syrc" typeface="Estrangelo Edessa"/>
+        <a:font script="Orya" typeface="Kalinga"/>
+        <a:font script="Mlym" typeface="Kartika"/>
+        <a:font script="Laoo" typeface="DokChampa"/>
+        <a:font script="Sinh" typeface="Iskoola Pota"/>
+        <a:font script="Mong" typeface="Mongolian Baiti"/>
+        <a:font script="Viet" typeface="Arial"/>
+        <a:font script="Uigh" typeface="Microsoft Uighur"/>
+        <a:font script="Geor" typeface="Sylfaen"/>
+      </a:minorFont>
+    </a:fontScheme>
+    <a:fmtScheme name="Office">
+      <a:fillStyleLst>
+        <a:solidFill>
+          <a:schemeClr val="phClr"/>
+        </a:solidFill>
+        <a:gradFill rotWithShape="1">
+          <a:gsLst>
+            <a:gs pos="0">
+              <a:schemeClr val="phClr">
+                <a:lumMod val="110000"/>
+                <a:satMod val="105000"/>
+                <a:tint val="67000"/>
+              </a:schemeClr>
+            </a:gs>
+            <a:gs pos="50000">
+              <a:schemeClr val="phClr">
+                <a:lumMod val="105000"/>
+                <a:satMod val="103000"/>
+                <a:tint val="73000"/>
+              </a:schemeClr>
+            </a:gs>
+            <a:gs pos="100000">
+              <a:schemeClr val="phClr">
+                <a:lumMod val="105000"/>
+                <a:satMod val="109000"/>
+                <a:tint val="81000"/>
+              </a:schemeClr>
+            </a:gs>
+          </a:gsLst>
+          <a:lin ang="5400000" scaled="0"/>
+        </a:gradFill>
+        <a:gradFill rotWithShape="1">
+          <a:gsLst>
+            <a:gs pos="0">
+              <a:schemeClr val="phClr">
+                <a:satMod val="103000"/>
+                <a:lumMod val="102000"/>
+                <a:tint val="94000"/>
+              </a:schemeClr>
+            </a:gs>
+            <a:gs pos="50000">
+              <a:schemeClr val="phClr">
+                <a:satMod val="110000"/>
+                <a:lumMod val="100000"/>
+                <a:shade val="100000"/>
+              </a:schemeClr>
+            </a:gs>
+            <a:gs pos="100000">
+              <a:schemeClr val="phClr">
+                <a:lumMod val="99000"/>
+                <a:satMod val="120000"/>
+                <a:shade val="78000"/>
+              </a:schemeClr>
+            </a:gs>
+          </a:gsLst>
+          <a:lin ang="5400000" scaled="0"/>
+        </a:gradFill>
+      </a:fillStyleLst>
+      <a:lnStyleLst>
+        <a:ln w="6350" cap="flat" cmpd="sng" algn="ctr">
+          <a:solidFill>
+            <a:schemeClr val="phClr"/>
+          </a:solidFill>
+          <a:prstDash val="solid"/>
+          <a:miter lim="800000"/>
+        </a:ln>
+        <a:ln w="12700" cap="flat" cmpd="sng" algn="ctr">
+          <a:solidFill>
+            <a:schemeClr val="phClr"/>
+          </a:solidFill>
+          <a:prstDash val="solid"/>
+          <a:miter lim="800000"/>
+        </a:ln>
+        <a:ln w="19050" cap="flat" cmpd="sng" algn="ctr">
+          <a:solidFill>
+            <a:schemeClr val="phClr"/>
+          </a:solidFill>
+          <a:prstDash val="solid"/>
+          <a:miter lim="800000"/>
+        </a:ln>
+      </a:lnStyleLst>
+      <a:effectStyleLst>
+        <a:effectStyle>
+          <a:effectLst/>
+        </a:effectStyle>
+        <a:effectStyle>
+          <a:effectLst/>
+        </a:effectStyle>
+        <a:effectStyle>
+          <a:effectLst>
+            <a:outerShdw blurRad="57150" dist="19050" dir="5400000" algn="ctr" rotWithShape="0">
+              <a:srgbClr val="000000">
+                <a:alpha val="63000"/>
+              </a:srgbClr>
+            </a:outerShdw>
+          </a:effectLst>
+        </a:effectStyle>
+      </a:effectStyleLst>
+      <a:bgFillStyleLst>
+        <a:solidFill>
+          <a:schemeClr val="phClr"/>
+        </a:solidFill>
+        <a:solidFill>
+          <a:schemeClr val="phClr">
+            <a:tint val="95000"/>
+            <a:satMod val="170000"/>
+          </a:schemeClr>
+        </a:solidFill>
+        <a:gradFill rotWithShape="1">
+          <a:gsLst>
+            <a:gs pos="0">
+              <a:schemeClr val="phClr">
+                <a:tint val="93000"/>
+                <a:satMod val="150000"/>
+                <a:shade val="98000"/>
+                <a:lumMod val="102000"/>
+              </a:schemeClr>
+            </a:gs>
+            <a:gs pos="50000">
+              <a:schemeClr val="phClr">
+                <a:tint val="98000"/>
+                <a:satMod val="130000"/>
+                <a:shade val="90000"/>
+                <a:lumMod val="103000"/>
+              </a:schemeClr>
+            </a:gs>
+            <a:gs pos="100000">
+              <a:schemeClr val="phClr">
+                <a:shade val="63000"/>
+                <a:satMod val="120000"/>
+              </a:schemeClr>
+            </a:gs>
+          </a:gsLst>
+          <a:lin ang="5400000" scaled="0"/>
+        </a:gradFill>
+      </a:bgFillStyleLst>
+    </a:fmtScheme>
+  </a:themeElements>
+  <a:objectDefaults/>
+  <a:extraClrSchemeLst/>
+  <a:extLst>
+    <a:ext uri="{05A4C25C-085E-4340-85A3-A5531E510DB2}">
+      <thm15:themeFamily xmlns:thm15="http://schemas.microsoft.com/office/thememl/2012/main" name="Office Theme" id="{62F939B6-93AF-4DB8-9C6B-D6C7DFDC589F}" vid="{4A3C46E8-61CC-4603-A589-7422A47A8E4A}"/>
+    </a:ext>
+  </a:extLst>
+</a:theme>
 </file>